--- a/Study/20131007_LeeInJae/STL.pptx
+++ b/Study/20131007_LeeInJae/STL.pptx
@@ -8,15 +8,25 @@
     <p:sldId id="256" r:id="rId2"/>
     <p:sldId id="257" r:id="rId3"/>
     <p:sldId id="258" r:id="rId4"/>
-    <p:sldId id="260" r:id="rId5"/>
-    <p:sldId id="259" r:id="rId6"/>
-    <p:sldId id="262" r:id="rId7"/>
-    <p:sldId id="261" r:id="rId8"/>
-    <p:sldId id="263" r:id="rId9"/>
-    <p:sldId id="265" r:id="rId10"/>
-    <p:sldId id="266" r:id="rId11"/>
-    <p:sldId id="264" r:id="rId12"/>
-    <p:sldId id="267" r:id="rId13"/>
+    <p:sldId id="270" r:id="rId5"/>
+    <p:sldId id="271" r:id="rId6"/>
+    <p:sldId id="260" r:id="rId7"/>
+    <p:sldId id="268" r:id="rId8"/>
+    <p:sldId id="269" r:id="rId9"/>
+    <p:sldId id="259" r:id="rId10"/>
+    <p:sldId id="262" r:id="rId11"/>
+    <p:sldId id="261" r:id="rId12"/>
+    <p:sldId id="272" r:id="rId13"/>
+    <p:sldId id="276" r:id="rId14"/>
+    <p:sldId id="273" r:id="rId15"/>
+    <p:sldId id="274" r:id="rId16"/>
+    <p:sldId id="275" r:id="rId17"/>
+    <p:sldId id="277" r:id="rId18"/>
+    <p:sldId id="263" r:id="rId19"/>
+    <p:sldId id="265" r:id="rId20"/>
+    <p:sldId id="266" r:id="rId21"/>
+    <p:sldId id="264" r:id="rId22"/>
+    <p:sldId id="267" r:id="rId23"/>
   </p:sldIdLst>
   <p:sldSz cx="12192000" cy="6858000"/>
   <p:notesSz cx="6858000" cy="9144000"/>
@@ -254,7 +264,7 @@
           <a:p>
             <a:fld id="{AF5B52C8-BE3C-40CE-82BD-E36C9BFADA82}" type="datetimeFigureOut">
               <a:rPr lang="ko-KR" altLang="en-US" smtClean="0"/>
-              <a:t>2013-10-07</a:t>
+              <a:t>2013-10-10</a:t>
             </a:fld>
             <a:endParaRPr lang="ko-KR" altLang="en-US"/>
           </a:p>
@@ -424,7 +434,7 @@
           <a:p>
             <a:fld id="{AF5B52C8-BE3C-40CE-82BD-E36C9BFADA82}" type="datetimeFigureOut">
               <a:rPr lang="ko-KR" altLang="en-US" smtClean="0"/>
-              <a:t>2013-10-07</a:t>
+              <a:t>2013-10-10</a:t>
             </a:fld>
             <a:endParaRPr lang="ko-KR" altLang="en-US"/>
           </a:p>
@@ -604,7 +614,7 @@
           <a:p>
             <a:fld id="{AF5B52C8-BE3C-40CE-82BD-E36C9BFADA82}" type="datetimeFigureOut">
               <a:rPr lang="ko-KR" altLang="en-US" smtClean="0"/>
-              <a:t>2013-10-07</a:t>
+              <a:t>2013-10-10</a:t>
             </a:fld>
             <a:endParaRPr lang="ko-KR" altLang="en-US"/>
           </a:p>
@@ -774,7 +784,7 @@
           <a:p>
             <a:fld id="{AF5B52C8-BE3C-40CE-82BD-E36C9BFADA82}" type="datetimeFigureOut">
               <a:rPr lang="ko-KR" altLang="en-US" smtClean="0"/>
-              <a:t>2013-10-07</a:t>
+              <a:t>2013-10-10</a:t>
             </a:fld>
             <a:endParaRPr lang="ko-KR" altLang="en-US"/>
           </a:p>
@@ -1020,7 +1030,7 @@
           <a:p>
             <a:fld id="{AF5B52C8-BE3C-40CE-82BD-E36C9BFADA82}" type="datetimeFigureOut">
               <a:rPr lang="ko-KR" altLang="en-US" smtClean="0"/>
-              <a:t>2013-10-07</a:t>
+              <a:t>2013-10-10</a:t>
             </a:fld>
             <a:endParaRPr lang="ko-KR" altLang="en-US"/>
           </a:p>
@@ -1252,7 +1262,7 @@
           <a:p>
             <a:fld id="{AF5B52C8-BE3C-40CE-82BD-E36C9BFADA82}" type="datetimeFigureOut">
               <a:rPr lang="ko-KR" altLang="en-US" smtClean="0"/>
-              <a:t>2013-10-07</a:t>
+              <a:t>2013-10-10</a:t>
             </a:fld>
             <a:endParaRPr lang="ko-KR" altLang="en-US"/>
           </a:p>
@@ -1619,7 +1629,7 @@
           <a:p>
             <a:fld id="{AF5B52C8-BE3C-40CE-82BD-E36C9BFADA82}" type="datetimeFigureOut">
               <a:rPr lang="ko-KR" altLang="en-US" smtClean="0"/>
-              <a:t>2013-10-07</a:t>
+              <a:t>2013-10-10</a:t>
             </a:fld>
             <a:endParaRPr lang="ko-KR" altLang="en-US"/>
           </a:p>
@@ -1737,7 +1747,7 @@
           <a:p>
             <a:fld id="{AF5B52C8-BE3C-40CE-82BD-E36C9BFADA82}" type="datetimeFigureOut">
               <a:rPr lang="ko-KR" altLang="en-US" smtClean="0"/>
-              <a:t>2013-10-07</a:t>
+              <a:t>2013-10-10</a:t>
             </a:fld>
             <a:endParaRPr lang="ko-KR" altLang="en-US"/>
           </a:p>
@@ -1832,7 +1842,7 @@
           <a:p>
             <a:fld id="{AF5B52C8-BE3C-40CE-82BD-E36C9BFADA82}" type="datetimeFigureOut">
               <a:rPr lang="ko-KR" altLang="en-US" smtClean="0"/>
-              <a:t>2013-10-07</a:t>
+              <a:t>2013-10-10</a:t>
             </a:fld>
             <a:endParaRPr lang="ko-KR" altLang="en-US"/>
           </a:p>
@@ -2109,7 +2119,7 @@
           <a:p>
             <a:fld id="{AF5B52C8-BE3C-40CE-82BD-E36C9BFADA82}" type="datetimeFigureOut">
               <a:rPr lang="ko-KR" altLang="en-US" smtClean="0"/>
-              <a:t>2013-10-07</a:t>
+              <a:t>2013-10-10</a:t>
             </a:fld>
             <a:endParaRPr lang="ko-KR" altLang="en-US"/>
           </a:p>
@@ -2362,7 +2372,7 @@
           <a:p>
             <a:fld id="{AF5B52C8-BE3C-40CE-82BD-E36C9BFADA82}" type="datetimeFigureOut">
               <a:rPr lang="ko-KR" altLang="en-US" smtClean="0"/>
-              <a:t>2013-10-07</a:t>
+              <a:t>2013-10-10</a:t>
             </a:fld>
             <a:endParaRPr lang="ko-KR" altLang="en-US"/>
           </a:p>
@@ -2575,7 +2585,7 @@
           <a:p>
             <a:fld id="{AF5B52C8-BE3C-40CE-82BD-E36C9BFADA82}" type="datetimeFigureOut">
               <a:rPr lang="ko-KR" altLang="en-US" smtClean="0"/>
-              <a:t>2013-10-07</a:t>
+              <a:t>2013-10-10</a:t>
             </a:fld>
             <a:endParaRPr lang="ko-KR" altLang="en-US"/>
           </a:p>
@@ -3148,6 +3158,3093 @@
           <a:p>
             <a:pPr algn="ctr"/>
             <a:r>
+              <a:rPr lang="ko-KR" altLang="en-US" dirty="0" smtClean="0"/>
+              <a:t>벡터</a:t>
+            </a:r>
+            <a:r>
+              <a:rPr lang="en-US" altLang="ko-KR" dirty="0" smtClean="0"/>
+              <a:t>(vector)</a:t>
+            </a:r>
+            <a:endParaRPr lang="ko-KR" altLang="en-US" dirty="0"/>
+          </a:p>
+        </p:txBody>
+      </p:sp>
+      <p:sp>
+        <p:nvSpPr>
+          <p:cNvPr id="3" name="내용 개체 틀 2"/>
+          <p:cNvSpPr>
+            <a:spLocks noGrp="1"/>
+          </p:cNvSpPr>
+          <p:nvPr>
+            <p:ph idx="1"/>
+          </p:nvPr>
+        </p:nvSpPr>
+        <p:spPr/>
+        <p:txBody>
+          <a:bodyPr/>
+          <a:lstStyle/>
+          <a:p>
+            <a:r>
+              <a:rPr lang="en-US" altLang="ko-KR" dirty="0" smtClean="0"/>
+              <a:t>Vector </a:t>
+            </a:r>
+            <a:r>
+              <a:rPr lang="ko-KR" altLang="en-US" dirty="0" smtClean="0"/>
+              <a:t>헤더파일을 추가해야 사용 가능</a:t>
+            </a:r>
+            <a:endParaRPr lang="en-US" altLang="ko-KR" dirty="0" smtClean="0"/>
+          </a:p>
+          <a:p>
+            <a:pPr marL="0" indent="0">
+              <a:buNone/>
+            </a:pPr>
+            <a:endParaRPr lang="en-US" altLang="ko-KR" dirty="0"/>
+          </a:p>
+          <a:p>
+            <a:r>
+              <a:rPr lang="ko-KR" altLang="en-US" dirty="0" smtClean="0"/>
+              <a:t>벡터도 동적으로 생성 가능</a:t>
+            </a:r>
+            <a:endParaRPr lang="en-US" altLang="ko-KR" dirty="0" smtClean="0"/>
+          </a:p>
+          <a:p>
+            <a:pPr marL="0" indent="0">
+              <a:buNone/>
+            </a:pPr>
+            <a:endParaRPr lang="en-US" altLang="ko-KR" dirty="0"/>
+          </a:p>
+          <a:p>
+            <a:r>
+              <a:rPr lang="ko-KR" altLang="en-US" dirty="0" smtClean="0"/>
+              <a:t>인덱스로 접근</a:t>
+            </a:r>
+            <a:r>
+              <a:rPr lang="en-US" altLang="ko-KR" dirty="0" smtClean="0"/>
+              <a:t>( </a:t>
+            </a:r>
+            <a:r>
+              <a:rPr lang="ko-KR" altLang="en-US" dirty="0" smtClean="0">
+                <a:solidFill>
+                  <a:schemeClr val="accent1"/>
+                </a:solidFill>
+              </a:rPr>
+              <a:t>특정 위치 접근</a:t>
+            </a:r>
+            <a:r>
+              <a:rPr lang="en-US" altLang="ko-KR" dirty="0">
+                <a:solidFill>
+                  <a:schemeClr val="accent1"/>
+                </a:solidFill>
+              </a:rPr>
+              <a:t> </a:t>
+            </a:r>
+            <a:r>
+              <a:rPr lang="en-US" altLang="ko-KR" dirty="0" smtClean="0"/>
+              <a:t>)</a:t>
+            </a:r>
+            <a:r>
+              <a:rPr lang="ko-KR" altLang="en-US" dirty="0" smtClean="0"/>
+              <a:t>이 필요 할 때 </a:t>
+            </a:r>
+            <a:r>
+              <a:rPr lang="ko-KR" altLang="en-US" dirty="0" smtClean="0"/>
+              <a:t>사용</a:t>
+            </a:r>
+            <a:endParaRPr lang="en-US" altLang="ko-KR" dirty="0" smtClean="0"/>
+          </a:p>
+          <a:p>
+            <a:pPr marL="0" indent="0">
+              <a:buNone/>
+            </a:pPr>
+            <a:r>
+              <a:rPr lang="en-US" altLang="ko-KR" dirty="0"/>
+              <a:t> </a:t>
+            </a:r>
+            <a:r>
+              <a:rPr lang="en-US" altLang="ko-KR" dirty="0" smtClean="0"/>
+              <a:t> -&gt;</a:t>
+            </a:r>
+            <a:r>
+              <a:rPr lang="ko-KR" altLang="en-US" dirty="0" smtClean="0"/>
+              <a:t>실제 </a:t>
+            </a:r>
+            <a:r>
+              <a:rPr lang="en-US" altLang="ko-KR" dirty="0" smtClean="0"/>
+              <a:t>MMORPG</a:t>
+            </a:r>
+            <a:r>
+              <a:rPr lang="ko-KR" altLang="en-US" dirty="0" smtClean="0"/>
+              <a:t>에서 </a:t>
+            </a:r>
+            <a:r>
+              <a:rPr lang="ko-KR" altLang="en-US" dirty="0" smtClean="0">
+                <a:solidFill>
+                  <a:schemeClr val="accent1"/>
+                </a:solidFill>
+              </a:rPr>
+              <a:t>아이템에 정보에 자주 접근해야 </a:t>
+            </a:r>
+            <a:r>
+              <a:rPr lang="ko-KR" altLang="en-US" dirty="0" smtClean="0"/>
+              <a:t>하는데</a:t>
+            </a:r>
+            <a:r>
+              <a:rPr lang="en-US" altLang="ko-KR" dirty="0" smtClean="0"/>
+              <a:t/>
+            </a:r>
+            <a:br>
+              <a:rPr lang="en-US" altLang="ko-KR" dirty="0" smtClean="0"/>
+            </a:br>
+            <a:r>
+              <a:rPr lang="en-US" altLang="ko-KR" dirty="0" smtClean="0"/>
+              <a:t>     </a:t>
+            </a:r>
+            <a:r>
+              <a:rPr lang="ko-KR" altLang="en-US" dirty="0" smtClean="0"/>
+              <a:t>이</a:t>
+            </a:r>
+            <a:r>
+              <a:rPr lang="ko-KR" altLang="en-US" dirty="0"/>
+              <a:t>때 </a:t>
+            </a:r>
+            <a:r>
+              <a:rPr lang="ko-KR" altLang="en-US" dirty="0" smtClean="0"/>
+              <a:t>접근은 아이템마다 임의</a:t>
+            </a:r>
+            <a:r>
+              <a:rPr lang="ko-KR" altLang="en-US" dirty="0"/>
+              <a:t>로</a:t>
+            </a:r>
+            <a:r>
+              <a:rPr lang="en-US" altLang="ko-KR" dirty="0" smtClean="0"/>
+              <a:t>(</a:t>
+            </a:r>
+            <a:r>
+              <a:rPr lang="ko-KR" altLang="en-US" dirty="0" err="1" smtClean="0"/>
+              <a:t>랜덤하게</a:t>
+            </a:r>
+            <a:r>
+              <a:rPr lang="en-US" altLang="ko-KR" dirty="0" smtClean="0"/>
+              <a:t>) </a:t>
+            </a:r>
+            <a:r>
+              <a:rPr lang="ko-KR" altLang="en-US" dirty="0" smtClean="0"/>
+              <a:t>접근하므로 벡터</a:t>
+            </a:r>
+            <a:r>
+              <a:rPr lang="en-US" altLang="ko-KR" dirty="0"/>
+              <a:t/>
+            </a:r>
+            <a:br>
+              <a:rPr lang="en-US" altLang="ko-KR" dirty="0"/>
+            </a:br>
+            <a:r>
+              <a:rPr lang="en-US" altLang="ko-KR" dirty="0" smtClean="0"/>
+              <a:t>     </a:t>
+            </a:r>
+            <a:r>
+              <a:rPr lang="ko-KR" altLang="en-US" dirty="0" smtClean="0"/>
+              <a:t>를 많이 사용</a:t>
+            </a:r>
+            <a:endParaRPr lang="en-US" altLang="ko-KR" dirty="0"/>
+          </a:p>
+        </p:txBody>
+      </p:sp>
+    </p:spTree>
+    <p:extLst>
+      <p:ext uri="{BB962C8B-B14F-4D97-AF65-F5344CB8AC3E}">
+        <p14:creationId xmlns:p14="http://schemas.microsoft.com/office/powerpoint/2010/main" val="4234640732"/>
+      </p:ext>
+    </p:extLst>
+  </p:cSld>
+  <p:clrMapOvr>
+    <a:masterClrMapping/>
+  </p:clrMapOvr>
+  <p:timing>
+    <p:tnLst>
+      <p:par>
+        <p:cTn id="1" dur="indefinite" restart="never" nodeType="tmRoot"/>
+      </p:par>
+    </p:tnLst>
+  </p:timing>
+</p:sld>
+</file>
+
+<file path=ppt/slides/slide11.xml><?xml version="1.0" encoding="utf-8"?>
+<p:sld xmlns:a="http://schemas.openxmlformats.org/drawingml/2006/main" xmlns:r="http://schemas.openxmlformats.org/officeDocument/2006/relationships" xmlns:p="http://schemas.openxmlformats.org/presentationml/2006/main">
+  <p:cSld>
+    <p:spTree>
+      <p:nvGrpSpPr>
+        <p:cNvPr id="1" name=""/>
+        <p:cNvGrpSpPr/>
+        <p:nvPr/>
+      </p:nvGrpSpPr>
+      <p:grpSpPr>
+        <a:xfrm>
+          <a:off x="0" y="0"/>
+          <a:ext cx="0" cy="0"/>
+          <a:chOff x="0" y="0"/>
+          <a:chExt cx="0" cy="0"/>
+        </a:xfrm>
+      </p:grpSpPr>
+      <p:sp>
+        <p:nvSpPr>
+          <p:cNvPr id="2" name="제목 1"/>
+          <p:cNvSpPr>
+            <a:spLocks noGrp="1"/>
+          </p:cNvSpPr>
+          <p:nvPr>
+            <p:ph type="title"/>
+          </p:nvPr>
+        </p:nvSpPr>
+        <p:spPr/>
+        <p:txBody>
+          <a:bodyPr/>
+          <a:lstStyle/>
+          <a:p>
+            <a:pPr algn="ctr"/>
+            <a:r>
+              <a:rPr lang="ko-KR" altLang="en-US" dirty="0" smtClean="0"/>
+              <a:t>벡터</a:t>
+            </a:r>
+            <a:r>
+              <a:rPr lang="en-US" altLang="ko-KR" dirty="0" smtClean="0"/>
+              <a:t>(vector) </a:t>
+            </a:r>
+            <a:r>
+              <a:rPr lang="ko-KR" altLang="en-US" dirty="0" smtClean="0"/>
+              <a:t>의 활용</a:t>
+            </a:r>
+            <a:endParaRPr lang="ko-KR" altLang="en-US" dirty="0"/>
+          </a:p>
+        </p:txBody>
+      </p:sp>
+      <p:pic>
+        <p:nvPicPr>
+          <p:cNvPr id="9" name="내용 개체 틀 8"/>
+          <p:cNvPicPr>
+            <a:picLocks noGrp="1" noChangeAspect="1"/>
+          </p:cNvPicPr>
+          <p:nvPr>
+            <p:ph idx="1"/>
+          </p:nvPr>
+        </p:nvPicPr>
+        <p:blipFill>
+          <a:blip r:embed="rId2">
+            <a:extLst>
+              <a:ext uri="{28A0092B-C50C-407E-A947-70E740481C1C}">
+                <a14:useLocalDpi xmlns:a14="http://schemas.microsoft.com/office/drawing/2010/main" val="0"/>
+              </a:ext>
+            </a:extLst>
+          </a:blip>
+          <a:stretch>
+            <a:fillRect/>
+          </a:stretch>
+        </p:blipFill>
+        <p:spPr>
+          <a:xfrm>
+            <a:off x="593467" y="1690688"/>
+            <a:ext cx="4035856" cy="4495322"/>
+          </a:xfrm>
+        </p:spPr>
+      </p:pic>
+      <p:sp>
+        <p:nvSpPr>
+          <p:cNvPr id="4" name="내용 개체 틀 2"/>
+          <p:cNvSpPr txBox="1">
+            <a:spLocks/>
+          </p:cNvSpPr>
+          <p:nvPr/>
+        </p:nvSpPr>
+        <p:spPr>
+          <a:xfrm>
+            <a:off x="5210261" y="1690688"/>
+            <a:ext cx="6590442" cy="4495322"/>
+          </a:xfrm>
+          <a:prstGeom prst="rect">
+            <a:avLst/>
+          </a:prstGeom>
+        </p:spPr>
+        <p:txBody>
+          <a:bodyPr vert="horz" lIns="91440" tIns="45720" rIns="91440" bIns="45720" rtlCol="0">
+            <a:normAutofit fontScale="92500" lnSpcReduction="10000"/>
+          </a:bodyPr>
+          <a:lstStyle>
+            <a:lvl1pPr marL="228600" indent="-228600" algn="l" defTabSz="914400" rtl="0" eaLnBrk="1" latinLnBrk="1" hangingPunct="1">
+              <a:lnSpc>
+                <a:spcPct val="90000"/>
+              </a:lnSpc>
+              <a:spcBef>
+                <a:spcPts val="1000"/>
+              </a:spcBef>
+              <a:buFont typeface="Arial" panose="020B0604020202020204" pitchFamily="34" charset="0"/>
+              <a:buChar char="•"/>
+              <a:defRPr sz="2800" kern="1200">
+                <a:solidFill>
+                  <a:schemeClr val="tx1"/>
+                </a:solidFill>
+                <a:latin typeface="+mn-lt"/>
+                <a:ea typeface="+mn-ea"/>
+                <a:cs typeface="+mn-cs"/>
+              </a:defRPr>
+            </a:lvl1pPr>
+            <a:lvl2pPr marL="685800" indent="-228600" algn="l" defTabSz="914400" rtl="0" eaLnBrk="1" latinLnBrk="1" hangingPunct="1">
+              <a:lnSpc>
+                <a:spcPct val="90000"/>
+              </a:lnSpc>
+              <a:spcBef>
+                <a:spcPts val="500"/>
+              </a:spcBef>
+              <a:buFont typeface="Arial" panose="020B0604020202020204" pitchFamily="34" charset="0"/>
+              <a:buChar char="•"/>
+              <a:defRPr sz="2400" kern="1200">
+                <a:solidFill>
+                  <a:schemeClr val="tx1"/>
+                </a:solidFill>
+                <a:latin typeface="+mn-lt"/>
+                <a:ea typeface="+mn-ea"/>
+                <a:cs typeface="+mn-cs"/>
+              </a:defRPr>
+            </a:lvl2pPr>
+            <a:lvl3pPr marL="1143000" indent="-228600" algn="l" defTabSz="914400" rtl="0" eaLnBrk="1" latinLnBrk="1" hangingPunct="1">
+              <a:lnSpc>
+                <a:spcPct val="90000"/>
+              </a:lnSpc>
+              <a:spcBef>
+                <a:spcPts val="500"/>
+              </a:spcBef>
+              <a:buFont typeface="Arial" panose="020B0604020202020204" pitchFamily="34" charset="0"/>
+              <a:buChar char="•"/>
+              <a:defRPr sz="2000" kern="1200">
+                <a:solidFill>
+                  <a:schemeClr val="tx1"/>
+                </a:solidFill>
+                <a:latin typeface="+mn-lt"/>
+                <a:ea typeface="+mn-ea"/>
+                <a:cs typeface="+mn-cs"/>
+              </a:defRPr>
+            </a:lvl3pPr>
+            <a:lvl4pPr marL="1600200" indent="-228600" algn="l" defTabSz="914400" rtl="0" eaLnBrk="1" latinLnBrk="1" hangingPunct="1">
+              <a:lnSpc>
+                <a:spcPct val="90000"/>
+              </a:lnSpc>
+              <a:spcBef>
+                <a:spcPts val="500"/>
+              </a:spcBef>
+              <a:buFont typeface="Arial" panose="020B0604020202020204" pitchFamily="34" charset="0"/>
+              <a:buChar char="•"/>
+              <a:defRPr sz="1800" kern="1200">
+                <a:solidFill>
+                  <a:schemeClr val="tx1"/>
+                </a:solidFill>
+                <a:latin typeface="+mn-lt"/>
+                <a:ea typeface="+mn-ea"/>
+                <a:cs typeface="+mn-cs"/>
+              </a:defRPr>
+            </a:lvl4pPr>
+            <a:lvl5pPr marL="2057400" indent="-228600" algn="l" defTabSz="914400" rtl="0" eaLnBrk="1" latinLnBrk="1" hangingPunct="1">
+              <a:lnSpc>
+                <a:spcPct val="90000"/>
+              </a:lnSpc>
+              <a:spcBef>
+                <a:spcPts val="500"/>
+              </a:spcBef>
+              <a:buFont typeface="Arial" panose="020B0604020202020204" pitchFamily="34" charset="0"/>
+              <a:buChar char="•"/>
+              <a:defRPr sz="1800" kern="1200">
+                <a:solidFill>
+                  <a:schemeClr val="tx1"/>
+                </a:solidFill>
+                <a:latin typeface="+mn-lt"/>
+                <a:ea typeface="+mn-ea"/>
+                <a:cs typeface="+mn-cs"/>
+              </a:defRPr>
+            </a:lvl5pPr>
+            <a:lvl6pPr marL="2514600" indent="-228600" algn="l" defTabSz="914400" rtl="0" eaLnBrk="1" latinLnBrk="1" hangingPunct="1">
+              <a:lnSpc>
+                <a:spcPct val="90000"/>
+              </a:lnSpc>
+              <a:spcBef>
+                <a:spcPts val="500"/>
+              </a:spcBef>
+              <a:buFont typeface="Arial" panose="020B0604020202020204" pitchFamily="34" charset="0"/>
+              <a:buChar char="•"/>
+              <a:defRPr sz="1800" kern="1200">
+                <a:solidFill>
+                  <a:schemeClr val="tx1"/>
+                </a:solidFill>
+                <a:latin typeface="+mn-lt"/>
+                <a:ea typeface="+mn-ea"/>
+                <a:cs typeface="+mn-cs"/>
+              </a:defRPr>
+            </a:lvl6pPr>
+            <a:lvl7pPr marL="2971800" indent="-228600" algn="l" defTabSz="914400" rtl="0" eaLnBrk="1" latinLnBrk="1" hangingPunct="1">
+              <a:lnSpc>
+                <a:spcPct val="90000"/>
+              </a:lnSpc>
+              <a:spcBef>
+                <a:spcPts val="500"/>
+              </a:spcBef>
+              <a:buFont typeface="Arial" panose="020B0604020202020204" pitchFamily="34" charset="0"/>
+              <a:buChar char="•"/>
+              <a:defRPr sz="1800" kern="1200">
+                <a:solidFill>
+                  <a:schemeClr val="tx1"/>
+                </a:solidFill>
+                <a:latin typeface="+mn-lt"/>
+                <a:ea typeface="+mn-ea"/>
+                <a:cs typeface="+mn-cs"/>
+              </a:defRPr>
+            </a:lvl7pPr>
+            <a:lvl8pPr marL="3429000" indent="-228600" algn="l" defTabSz="914400" rtl="0" eaLnBrk="1" latinLnBrk="1" hangingPunct="1">
+              <a:lnSpc>
+                <a:spcPct val="90000"/>
+              </a:lnSpc>
+              <a:spcBef>
+                <a:spcPts val="500"/>
+              </a:spcBef>
+              <a:buFont typeface="Arial" panose="020B0604020202020204" pitchFamily="34" charset="0"/>
+              <a:buChar char="•"/>
+              <a:defRPr sz="1800" kern="1200">
+                <a:solidFill>
+                  <a:schemeClr val="tx1"/>
+                </a:solidFill>
+                <a:latin typeface="+mn-lt"/>
+                <a:ea typeface="+mn-ea"/>
+                <a:cs typeface="+mn-cs"/>
+              </a:defRPr>
+            </a:lvl8pPr>
+            <a:lvl9pPr marL="3886200" indent="-228600" algn="l" defTabSz="914400" rtl="0" eaLnBrk="1" latinLnBrk="1" hangingPunct="1">
+              <a:lnSpc>
+                <a:spcPct val="90000"/>
+              </a:lnSpc>
+              <a:spcBef>
+                <a:spcPts val="500"/>
+              </a:spcBef>
+              <a:buFont typeface="Arial" panose="020B0604020202020204" pitchFamily="34" charset="0"/>
+              <a:buChar char="•"/>
+              <a:defRPr sz="1800" kern="1200">
+                <a:solidFill>
+                  <a:schemeClr val="tx1"/>
+                </a:solidFill>
+                <a:latin typeface="+mn-lt"/>
+                <a:ea typeface="+mn-ea"/>
+                <a:cs typeface="+mn-cs"/>
+              </a:defRPr>
+            </a:lvl9pPr>
+          </a:lstStyle>
+          <a:p>
+            <a:r>
+              <a:rPr lang="ko-KR" altLang="en-US" dirty="0" err="1" smtClean="0"/>
+              <a:t>자주쓰이는</a:t>
+            </a:r>
+            <a:r>
+              <a:rPr lang="ko-KR" altLang="en-US" dirty="0" smtClean="0"/>
+              <a:t> 멤버함수</a:t>
+            </a:r>
+            <a:endParaRPr lang="en-US" altLang="ko-KR" dirty="0" smtClean="0"/>
+          </a:p>
+          <a:p>
+            <a:pPr marL="0" indent="0">
+              <a:buNone/>
+            </a:pPr>
+            <a:r>
+              <a:rPr lang="en-US" altLang="ko-KR" dirty="0" err="1" smtClean="0"/>
+              <a:t>Push_back</a:t>
+            </a:r>
+            <a:r>
+              <a:rPr lang="en-US" altLang="ko-KR" dirty="0" smtClean="0"/>
+              <a:t>() : </a:t>
+            </a:r>
+            <a:r>
+              <a:rPr lang="ko-KR" altLang="en-US" dirty="0" err="1" smtClean="0"/>
+              <a:t>맨끝에</a:t>
+            </a:r>
+            <a:r>
+              <a:rPr lang="en-US" altLang="ko-KR" dirty="0" smtClean="0"/>
+              <a:t> </a:t>
+            </a:r>
+            <a:r>
+              <a:rPr lang="ko-KR" altLang="en-US" dirty="0" smtClean="0"/>
+              <a:t>원소추가</a:t>
+            </a:r>
+            <a:endParaRPr lang="en-US" altLang="ko-KR" dirty="0" smtClean="0"/>
+          </a:p>
+          <a:p>
+            <a:pPr marL="0" indent="0">
+              <a:buNone/>
+            </a:pPr>
+            <a:r>
+              <a:rPr lang="en-US" altLang="ko-KR" dirty="0" err="1" smtClean="0"/>
+              <a:t>Pop_back</a:t>
+            </a:r>
+            <a:r>
+              <a:rPr lang="en-US" altLang="ko-KR" dirty="0" smtClean="0"/>
+              <a:t>()  : </a:t>
+            </a:r>
+            <a:r>
+              <a:rPr lang="ko-KR" altLang="en-US" dirty="0" err="1" smtClean="0"/>
+              <a:t>맨끝</a:t>
+            </a:r>
+            <a:r>
+              <a:rPr lang="en-US" altLang="ko-KR" dirty="0" smtClean="0"/>
+              <a:t> </a:t>
+            </a:r>
+            <a:r>
+              <a:rPr lang="ko-KR" altLang="en-US" dirty="0" smtClean="0"/>
+              <a:t>원소삭제</a:t>
+            </a:r>
+            <a:endParaRPr lang="en-US" altLang="ko-KR" dirty="0" smtClean="0"/>
+          </a:p>
+          <a:p>
+            <a:pPr marL="0" indent="0">
+              <a:buNone/>
+            </a:pPr>
+            <a:r>
+              <a:rPr lang="en-US" altLang="ko-KR" dirty="0" smtClean="0"/>
+              <a:t>Front() : </a:t>
+            </a:r>
+            <a:r>
+              <a:rPr lang="ko-KR" altLang="en-US" dirty="0" err="1" smtClean="0"/>
+              <a:t>첫번째</a:t>
+            </a:r>
+            <a:r>
+              <a:rPr lang="ko-KR" altLang="en-US" dirty="0" smtClean="0"/>
+              <a:t> 원소</a:t>
+            </a:r>
+            <a:endParaRPr lang="en-US" altLang="ko-KR" dirty="0" smtClean="0"/>
+          </a:p>
+          <a:p>
+            <a:pPr marL="0" indent="0">
+              <a:buNone/>
+            </a:pPr>
+            <a:r>
+              <a:rPr lang="en-US" altLang="ko-KR" dirty="0" smtClean="0"/>
+              <a:t>Back()  : </a:t>
+            </a:r>
+            <a:r>
+              <a:rPr lang="ko-KR" altLang="en-US" dirty="0" smtClean="0"/>
+              <a:t>마지막 째 원소</a:t>
+            </a:r>
+            <a:endParaRPr lang="en-US" altLang="ko-KR" dirty="0" smtClean="0"/>
+          </a:p>
+          <a:p>
+            <a:pPr marL="0" indent="0">
+              <a:buNone/>
+            </a:pPr>
+            <a:r>
+              <a:rPr lang="en-US" altLang="ko-KR" dirty="0" smtClean="0"/>
+              <a:t>Insert() : </a:t>
+            </a:r>
+            <a:r>
+              <a:rPr lang="ko-KR" altLang="en-US" dirty="0" smtClean="0"/>
+              <a:t>특정 위치</a:t>
+            </a:r>
+            <a:r>
+              <a:rPr lang="ko-KR" altLang="en-US" dirty="0"/>
+              <a:t>에 </a:t>
+            </a:r>
+            <a:r>
+              <a:rPr lang="ko-KR" altLang="en-US" dirty="0" smtClean="0"/>
+              <a:t>삽입</a:t>
+            </a:r>
+            <a:endParaRPr lang="en-US" altLang="ko-KR" dirty="0" smtClean="0"/>
+          </a:p>
+          <a:p>
+            <a:pPr marL="0" indent="0">
+              <a:buNone/>
+            </a:pPr>
+            <a:r>
+              <a:rPr lang="en-US" altLang="ko-KR" dirty="0" smtClean="0"/>
+              <a:t>Begin() : </a:t>
+            </a:r>
+            <a:r>
+              <a:rPr lang="ko-KR" altLang="en-US" dirty="0" err="1" smtClean="0"/>
+              <a:t>첫번째</a:t>
+            </a:r>
+            <a:r>
+              <a:rPr lang="ko-KR" altLang="en-US" dirty="0" smtClean="0"/>
+              <a:t> 위치의 반복자</a:t>
+            </a:r>
+            <a:r>
+              <a:rPr lang="en-US" altLang="ko-KR" dirty="0" smtClean="0"/>
+              <a:t/>
+            </a:r>
+            <a:br>
+              <a:rPr lang="en-US" altLang="ko-KR" dirty="0" smtClean="0"/>
+            </a:br>
+            <a:r>
+              <a:rPr lang="en-US" altLang="ko-KR" dirty="0" smtClean="0"/>
+              <a:t>End()   : </a:t>
+            </a:r>
+            <a:r>
+              <a:rPr lang="ko-KR" altLang="en-US" dirty="0" smtClean="0"/>
+              <a:t>마지막 위치</a:t>
+            </a:r>
+            <a:r>
+              <a:rPr lang="en-US" altLang="ko-KR" dirty="0" smtClean="0"/>
+              <a:t>+1</a:t>
+            </a:r>
+            <a:r>
+              <a:rPr lang="ko-KR" altLang="en-US" dirty="0" smtClean="0"/>
+              <a:t>의 반복자</a:t>
+            </a:r>
+            <a:endParaRPr lang="en-US" altLang="ko-KR" dirty="0" smtClean="0"/>
+          </a:p>
+          <a:p>
+            <a:pPr marL="0" indent="0">
+              <a:buNone/>
+            </a:pPr>
+            <a:r>
+              <a:rPr lang="en-US" altLang="ko-KR" dirty="0" smtClean="0"/>
+              <a:t>Size()   : </a:t>
+            </a:r>
+            <a:r>
+              <a:rPr lang="ko-KR" altLang="en-US" dirty="0" smtClean="0"/>
+              <a:t>원소의 개수</a:t>
+            </a:r>
+            <a:endParaRPr lang="en-US" altLang="ko-KR" dirty="0" smtClean="0"/>
+          </a:p>
+          <a:p>
+            <a:pPr marL="0" indent="0">
+              <a:buNone/>
+            </a:pPr>
+            <a:r>
+              <a:rPr lang="en-US" altLang="ko-KR" dirty="0" smtClean="0"/>
+              <a:t>Erase() : </a:t>
+            </a:r>
+            <a:r>
+              <a:rPr lang="ko-KR" altLang="en-US" dirty="0" smtClean="0"/>
+              <a:t>특정위치 원소 삭제</a:t>
+            </a:r>
+            <a:endParaRPr lang="en-US" altLang="ko-KR" dirty="0"/>
+          </a:p>
+        </p:txBody>
+      </p:sp>
+    </p:spTree>
+    <p:extLst>
+      <p:ext uri="{BB962C8B-B14F-4D97-AF65-F5344CB8AC3E}">
+        <p14:creationId xmlns:p14="http://schemas.microsoft.com/office/powerpoint/2010/main" val="2391954868"/>
+      </p:ext>
+    </p:extLst>
+  </p:cSld>
+  <p:clrMapOvr>
+    <a:masterClrMapping/>
+  </p:clrMapOvr>
+  <p:timing>
+    <p:tnLst>
+      <p:par>
+        <p:cTn id="1" dur="indefinite" restart="never" nodeType="tmRoot"/>
+      </p:par>
+    </p:tnLst>
+  </p:timing>
+</p:sld>
+</file>
+
+<file path=ppt/slides/slide12.xml><?xml version="1.0" encoding="utf-8"?>
+<p:sld xmlns:a="http://schemas.openxmlformats.org/drawingml/2006/main" xmlns:r="http://schemas.openxmlformats.org/officeDocument/2006/relationships" xmlns:p="http://schemas.openxmlformats.org/presentationml/2006/main">
+  <p:cSld>
+    <p:spTree>
+      <p:nvGrpSpPr>
+        <p:cNvPr id="1" name=""/>
+        <p:cNvGrpSpPr/>
+        <p:nvPr/>
+      </p:nvGrpSpPr>
+      <p:grpSpPr>
+        <a:xfrm>
+          <a:off x="0" y="0"/>
+          <a:ext cx="0" cy="0"/>
+          <a:chOff x="0" y="0"/>
+          <a:chExt cx="0" cy="0"/>
+        </a:xfrm>
+      </p:grpSpPr>
+      <p:sp>
+        <p:nvSpPr>
+          <p:cNvPr id="2" name="제목 1"/>
+          <p:cNvSpPr>
+            <a:spLocks noGrp="1"/>
+          </p:cNvSpPr>
+          <p:nvPr>
+            <p:ph type="title"/>
+          </p:nvPr>
+        </p:nvSpPr>
+        <p:spPr/>
+        <p:txBody>
+          <a:bodyPr/>
+          <a:lstStyle/>
+          <a:p>
+            <a:pPr algn="ctr"/>
+            <a:r>
+              <a:rPr lang="ko-KR" altLang="en-US" dirty="0" smtClean="0"/>
+              <a:t>리스</a:t>
+            </a:r>
+            <a:r>
+              <a:rPr lang="ko-KR" altLang="en-US" dirty="0"/>
+              <a:t>트</a:t>
+            </a:r>
+            <a:r>
+              <a:rPr lang="ko-KR" altLang="en-US" dirty="0" smtClean="0"/>
+              <a:t> </a:t>
+            </a:r>
+            <a:r>
+              <a:rPr lang="en-US" altLang="ko-KR" dirty="0" smtClean="0"/>
+              <a:t>(List)</a:t>
+            </a:r>
+            <a:endParaRPr lang="ko-KR" altLang="en-US" dirty="0"/>
+          </a:p>
+        </p:txBody>
+      </p:sp>
+      <p:sp>
+        <p:nvSpPr>
+          <p:cNvPr id="3" name="내용 개체 틀 2"/>
+          <p:cNvSpPr>
+            <a:spLocks noGrp="1"/>
+          </p:cNvSpPr>
+          <p:nvPr>
+            <p:ph idx="1"/>
+          </p:nvPr>
+        </p:nvSpPr>
+        <p:spPr/>
+        <p:txBody>
+          <a:bodyPr/>
+          <a:lstStyle/>
+          <a:p>
+            <a:r>
+              <a:rPr lang="ko-KR" altLang="en-US" dirty="0" err="1" smtClean="0">
+                <a:solidFill>
+                  <a:schemeClr val="accent1"/>
+                </a:solidFill>
+              </a:rPr>
+              <a:t>노</a:t>
+            </a:r>
+            <a:r>
+              <a:rPr lang="ko-KR" altLang="en-US" dirty="0" err="1">
+                <a:solidFill>
+                  <a:schemeClr val="accent1"/>
+                </a:solidFill>
+              </a:rPr>
+              <a:t>드</a:t>
+            </a:r>
+            <a:r>
+              <a:rPr lang="ko-KR" altLang="en-US" dirty="0"/>
+              <a:t> </a:t>
+            </a:r>
+            <a:r>
+              <a:rPr lang="ko-KR" altLang="en-US" dirty="0" smtClean="0"/>
+              <a:t>기반 컨테이너</a:t>
+            </a:r>
+            <a:r>
+              <a:rPr lang="en-US" altLang="ko-KR" dirty="0" smtClean="0"/>
+              <a:t>(</a:t>
+            </a:r>
+            <a:r>
+              <a:rPr lang="en-US" altLang="ko-KR" dirty="0" err="1" smtClean="0"/>
+              <a:t>data+edge</a:t>
+            </a:r>
+            <a:r>
+              <a:rPr lang="en-US" altLang="ko-KR" dirty="0" smtClean="0"/>
+              <a:t>)</a:t>
+            </a:r>
+            <a:endParaRPr lang="en-US" altLang="ko-KR" dirty="0" smtClean="0"/>
+          </a:p>
+          <a:p>
+            <a:pPr marL="0" indent="0">
+              <a:buNone/>
+            </a:pPr>
+            <a:endParaRPr lang="en-US" altLang="ko-KR" dirty="0"/>
+          </a:p>
+          <a:p>
+            <a:r>
+              <a:rPr lang="ko-KR" altLang="en-US" dirty="0" smtClean="0"/>
+              <a:t>연</a:t>
+            </a:r>
+            <a:r>
+              <a:rPr lang="ko-KR" altLang="en-US" dirty="0"/>
+              <a:t>결 </a:t>
+            </a:r>
+            <a:r>
+              <a:rPr lang="ko-KR" altLang="en-US" dirty="0" smtClean="0"/>
+              <a:t>리스트를 템플릿으로 구현</a:t>
+            </a:r>
+            <a:endParaRPr lang="en-US" altLang="ko-KR" dirty="0" smtClean="0"/>
+          </a:p>
+          <a:p>
+            <a:pPr marL="0" indent="0">
+              <a:buNone/>
+            </a:pPr>
+            <a:endParaRPr lang="en-US" altLang="ko-KR" dirty="0"/>
+          </a:p>
+          <a:p>
+            <a:r>
+              <a:rPr lang="ko-KR" altLang="en-US" dirty="0" smtClean="0">
+                <a:solidFill>
+                  <a:schemeClr val="accent1"/>
+                </a:solidFill>
+              </a:rPr>
+              <a:t>연결리스트</a:t>
+            </a:r>
+            <a:r>
+              <a:rPr lang="ko-KR" altLang="en-US" dirty="0" smtClean="0"/>
+              <a:t>에 대해 사전 지식 필요</a:t>
+            </a:r>
+            <a:r>
+              <a:rPr lang="en-US" altLang="ko-KR" dirty="0" smtClean="0"/>
+              <a:t>( 1</a:t>
+            </a:r>
+            <a:r>
+              <a:rPr lang="ko-KR" altLang="en-US" dirty="0" smtClean="0"/>
+              <a:t>학기 </a:t>
+            </a:r>
+            <a:r>
+              <a:rPr lang="ko-KR" altLang="en-US" dirty="0" err="1" smtClean="0"/>
+              <a:t>자구알</a:t>
+            </a:r>
+            <a:r>
+              <a:rPr lang="ko-KR" altLang="en-US" dirty="0" smtClean="0"/>
+              <a:t> 자료 참조</a:t>
+            </a:r>
+            <a:r>
+              <a:rPr lang="en-US" altLang="ko-KR" dirty="0" smtClean="0"/>
+              <a:t>)</a:t>
+            </a:r>
+            <a:endParaRPr lang="en-US" altLang="ko-KR" dirty="0" smtClean="0"/>
+          </a:p>
+          <a:p>
+            <a:endParaRPr lang="en-US" altLang="ko-KR" dirty="0"/>
+          </a:p>
+          <a:p>
+            <a:r>
+              <a:rPr lang="ko-KR" altLang="en-US" dirty="0" smtClean="0"/>
+              <a:t>고</a:t>
+            </a:r>
+            <a:r>
+              <a:rPr lang="ko-KR" altLang="en-US" dirty="0"/>
+              <a:t>정 </a:t>
+            </a:r>
+            <a:r>
+              <a:rPr lang="ko-KR" altLang="en-US" dirty="0" smtClean="0"/>
+              <a:t>크기에 대한 </a:t>
+            </a:r>
+            <a:r>
+              <a:rPr lang="ko-KR" altLang="en-US" dirty="0" err="1" smtClean="0"/>
+              <a:t>제한점</a:t>
+            </a:r>
+            <a:r>
+              <a:rPr lang="ko-KR" altLang="en-US" dirty="0" smtClean="0"/>
+              <a:t> 없이 </a:t>
+            </a:r>
+            <a:r>
+              <a:rPr lang="ko-KR" altLang="en-US" dirty="0" smtClean="0">
+                <a:solidFill>
+                  <a:schemeClr val="accent1"/>
+                </a:solidFill>
+              </a:rPr>
+              <a:t>가변적</a:t>
+            </a:r>
+            <a:r>
+              <a:rPr lang="ko-KR" altLang="en-US" dirty="0" smtClean="0"/>
+              <a:t>으로 사용 가능</a:t>
+            </a:r>
+            <a:endParaRPr lang="en-US" altLang="ko-KR" dirty="0"/>
+          </a:p>
+        </p:txBody>
+      </p:sp>
+    </p:spTree>
+    <p:extLst>
+      <p:ext uri="{BB962C8B-B14F-4D97-AF65-F5344CB8AC3E}">
+        <p14:creationId xmlns:p14="http://schemas.microsoft.com/office/powerpoint/2010/main" val="1312023286"/>
+      </p:ext>
+    </p:extLst>
+  </p:cSld>
+  <p:clrMapOvr>
+    <a:masterClrMapping/>
+  </p:clrMapOvr>
+  <p:timing>
+    <p:tnLst>
+      <p:par>
+        <p:cTn id="1" dur="indefinite" restart="never" nodeType="tmRoot"/>
+      </p:par>
+    </p:tnLst>
+  </p:timing>
+</p:sld>
+</file>
+
+<file path=ppt/slides/slide13.xml><?xml version="1.0" encoding="utf-8"?>
+<p:sld xmlns:a="http://schemas.openxmlformats.org/drawingml/2006/main" xmlns:r="http://schemas.openxmlformats.org/officeDocument/2006/relationships" xmlns:p="http://schemas.openxmlformats.org/presentationml/2006/main">
+  <p:cSld>
+    <p:spTree>
+      <p:nvGrpSpPr>
+        <p:cNvPr id="1" name=""/>
+        <p:cNvGrpSpPr/>
+        <p:nvPr/>
+      </p:nvGrpSpPr>
+      <p:grpSpPr>
+        <a:xfrm>
+          <a:off x="0" y="0"/>
+          <a:ext cx="0" cy="0"/>
+          <a:chOff x="0" y="0"/>
+          <a:chExt cx="0" cy="0"/>
+        </a:xfrm>
+      </p:grpSpPr>
+      <p:sp>
+        <p:nvSpPr>
+          <p:cNvPr id="2" name="제목 1"/>
+          <p:cNvSpPr>
+            <a:spLocks noGrp="1"/>
+          </p:cNvSpPr>
+          <p:nvPr>
+            <p:ph type="title"/>
+          </p:nvPr>
+        </p:nvSpPr>
+        <p:spPr/>
+        <p:txBody>
+          <a:bodyPr/>
+          <a:lstStyle/>
+          <a:p>
+            <a:pPr algn="ctr"/>
+            <a:r>
+              <a:rPr lang="ko-KR" altLang="en-US" dirty="0" smtClean="0"/>
+              <a:t>리스트</a:t>
+            </a:r>
+            <a:r>
+              <a:rPr lang="ko-KR" altLang="en-US" dirty="0" smtClean="0"/>
+              <a:t> </a:t>
+            </a:r>
+            <a:r>
+              <a:rPr lang="en-US" altLang="ko-KR" dirty="0" smtClean="0"/>
+              <a:t>(List) </a:t>
+            </a:r>
+            <a:r>
+              <a:rPr lang="ko-KR" altLang="en-US" dirty="0" smtClean="0"/>
+              <a:t>구조</a:t>
+            </a:r>
+            <a:endParaRPr lang="ko-KR" altLang="en-US" dirty="0"/>
+          </a:p>
+        </p:txBody>
+      </p:sp>
+      <p:pic>
+        <p:nvPicPr>
+          <p:cNvPr id="5" name="그림 4"/>
+          <p:cNvPicPr>
+            <a:picLocks noChangeAspect="1"/>
+          </p:cNvPicPr>
+          <p:nvPr/>
+        </p:nvPicPr>
+        <p:blipFill>
+          <a:blip r:embed="rId2"/>
+          <a:stretch>
+            <a:fillRect/>
+          </a:stretch>
+        </p:blipFill>
+        <p:spPr>
+          <a:xfrm>
+            <a:off x="2796101" y="1897020"/>
+            <a:ext cx="5972175" cy="666750"/>
+          </a:xfrm>
+          <a:prstGeom prst="rect">
+            <a:avLst/>
+          </a:prstGeom>
+        </p:spPr>
+      </p:pic>
+      <p:pic>
+        <p:nvPicPr>
+          <p:cNvPr id="6" name="그림 5"/>
+          <p:cNvPicPr>
+            <a:picLocks noChangeAspect="1"/>
+          </p:cNvPicPr>
+          <p:nvPr/>
+        </p:nvPicPr>
+        <p:blipFill>
+          <a:blip r:embed="rId3"/>
+          <a:stretch>
+            <a:fillRect/>
+          </a:stretch>
+        </p:blipFill>
+        <p:spPr>
+          <a:xfrm>
+            <a:off x="2796101" y="3152775"/>
+            <a:ext cx="6105525" cy="3295650"/>
+          </a:xfrm>
+          <a:prstGeom prst="rect">
+            <a:avLst/>
+          </a:prstGeom>
+        </p:spPr>
+      </p:pic>
+    </p:spTree>
+    <p:extLst>
+      <p:ext uri="{BB962C8B-B14F-4D97-AF65-F5344CB8AC3E}">
+        <p14:creationId xmlns:p14="http://schemas.microsoft.com/office/powerpoint/2010/main" val="4108531674"/>
+      </p:ext>
+    </p:extLst>
+  </p:cSld>
+  <p:clrMapOvr>
+    <a:masterClrMapping/>
+  </p:clrMapOvr>
+  <p:timing>
+    <p:tnLst>
+      <p:par>
+        <p:cTn id="1" dur="indefinite" restart="never" nodeType="tmRoot"/>
+      </p:par>
+    </p:tnLst>
+  </p:timing>
+</p:sld>
+</file>
+
+<file path=ppt/slides/slide14.xml><?xml version="1.0" encoding="utf-8"?>
+<p:sld xmlns:a="http://schemas.openxmlformats.org/drawingml/2006/main" xmlns:r="http://schemas.openxmlformats.org/officeDocument/2006/relationships" xmlns:p="http://schemas.openxmlformats.org/presentationml/2006/main">
+  <p:cSld>
+    <p:spTree>
+      <p:nvGrpSpPr>
+        <p:cNvPr id="1" name=""/>
+        <p:cNvGrpSpPr/>
+        <p:nvPr/>
+      </p:nvGrpSpPr>
+      <p:grpSpPr>
+        <a:xfrm>
+          <a:off x="0" y="0"/>
+          <a:ext cx="0" cy="0"/>
+          <a:chOff x="0" y="0"/>
+          <a:chExt cx="0" cy="0"/>
+        </a:xfrm>
+      </p:grpSpPr>
+      <p:sp>
+        <p:nvSpPr>
+          <p:cNvPr id="2" name="제목 1"/>
+          <p:cNvSpPr>
+            <a:spLocks noGrp="1"/>
+          </p:cNvSpPr>
+          <p:nvPr>
+            <p:ph type="title"/>
+          </p:nvPr>
+        </p:nvSpPr>
+        <p:spPr/>
+        <p:txBody>
+          <a:bodyPr/>
+          <a:lstStyle/>
+          <a:p>
+            <a:pPr algn="ctr"/>
+            <a:r>
+              <a:rPr lang="ko-KR" altLang="en-US" dirty="0" smtClean="0"/>
+              <a:t>리스</a:t>
+            </a:r>
+            <a:r>
+              <a:rPr lang="ko-KR" altLang="en-US" dirty="0"/>
+              <a:t>트</a:t>
+            </a:r>
+            <a:r>
+              <a:rPr lang="ko-KR" altLang="en-US" dirty="0" smtClean="0"/>
+              <a:t> </a:t>
+            </a:r>
+            <a:r>
+              <a:rPr lang="en-US" altLang="ko-KR" dirty="0" smtClean="0"/>
+              <a:t>(List)</a:t>
+            </a:r>
+            <a:endParaRPr lang="ko-KR" altLang="en-US" dirty="0"/>
+          </a:p>
+        </p:txBody>
+      </p:sp>
+      <p:sp>
+        <p:nvSpPr>
+          <p:cNvPr id="3" name="내용 개체 틀 2"/>
+          <p:cNvSpPr>
+            <a:spLocks noGrp="1"/>
+          </p:cNvSpPr>
+          <p:nvPr>
+            <p:ph idx="1"/>
+          </p:nvPr>
+        </p:nvSpPr>
+        <p:spPr/>
+        <p:txBody>
+          <a:bodyPr/>
+          <a:lstStyle/>
+          <a:p>
+            <a:r>
+              <a:rPr lang="ko-KR" altLang="en-US" dirty="0" smtClean="0">
+                <a:solidFill>
+                  <a:schemeClr val="accent1"/>
+                </a:solidFill>
+              </a:rPr>
+              <a:t>중간</a:t>
+            </a:r>
+            <a:r>
+              <a:rPr lang="ko-KR" altLang="en-US" dirty="0">
+                <a:solidFill>
+                  <a:schemeClr val="accent1"/>
+                </a:solidFill>
+              </a:rPr>
+              <a:t>에 </a:t>
+            </a:r>
+            <a:r>
+              <a:rPr lang="ko-KR" altLang="en-US" dirty="0" smtClean="0">
+                <a:solidFill>
+                  <a:schemeClr val="accent1"/>
+                </a:solidFill>
+              </a:rPr>
+              <a:t>데이터 삽입 삭제 </a:t>
+            </a:r>
+            <a:r>
+              <a:rPr lang="ko-KR" altLang="en-US" dirty="0" smtClean="0"/>
+              <a:t>유용</a:t>
+            </a:r>
+            <a:r>
+              <a:rPr lang="en-US" altLang="ko-KR" dirty="0" smtClean="0"/>
+              <a:t>(</a:t>
+            </a:r>
+            <a:r>
+              <a:rPr lang="ko-KR" altLang="en-US" dirty="0" smtClean="0"/>
+              <a:t>배열과 큰 차이점</a:t>
+            </a:r>
+            <a:r>
+              <a:rPr lang="en-US" altLang="ko-KR" dirty="0" smtClean="0"/>
+              <a:t>)</a:t>
+            </a:r>
+          </a:p>
+          <a:p>
+            <a:pPr marL="0" indent="0">
+              <a:buNone/>
+            </a:pPr>
+            <a:endParaRPr lang="en-US" altLang="ko-KR" dirty="0"/>
+          </a:p>
+          <a:p>
+            <a:r>
+              <a:rPr lang="ko-KR" altLang="en-US" dirty="0" smtClean="0"/>
+              <a:t>배</a:t>
+            </a:r>
+            <a:r>
+              <a:rPr lang="ko-KR" altLang="en-US" dirty="0"/>
+              <a:t>열 </a:t>
+            </a:r>
+            <a:r>
+              <a:rPr lang="ko-KR" altLang="en-US" dirty="0" smtClean="0"/>
+              <a:t>보다는 삽입 삭제의 </a:t>
+            </a:r>
+            <a:r>
+              <a:rPr lang="ko-KR" altLang="en-US" dirty="0" smtClean="0">
+                <a:solidFill>
+                  <a:schemeClr val="accent1"/>
+                </a:solidFill>
+              </a:rPr>
+              <a:t>절차가 복잡</a:t>
+            </a:r>
+            <a:endParaRPr lang="en-US" altLang="ko-KR" dirty="0" smtClean="0">
+              <a:solidFill>
+                <a:schemeClr val="accent1"/>
+              </a:solidFill>
+            </a:endParaRPr>
+          </a:p>
+          <a:p>
+            <a:endParaRPr lang="en-US" altLang="ko-KR" dirty="0"/>
+          </a:p>
+          <a:p>
+            <a:r>
+              <a:rPr lang="ko-KR" altLang="en-US" dirty="0" smtClean="0"/>
+              <a:t>배열처</a:t>
+            </a:r>
+            <a:r>
+              <a:rPr lang="ko-KR" altLang="en-US" dirty="0"/>
+              <a:t>럼 </a:t>
+            </a:r>
+            <a:r>
+              <a:rPr lang="ko-KR" altLang="en-US" dirty="0" err="1" smtClean="0"/>
+              <a:t>랜덤하게</a:t>
+            </a:r>
+            <a:r>
+              <a:rPr lang="ko-KR" altLang="en-US" dirty="0" smtClean="0"/>
+              <a:t> 접근하지는 못함</a:t>
+            </a:r>
+            <a:r>
+              <a:rPr lang="en-US" altLang="ko-KR" dirty="0" smtClean="0"/>
+              <a:t>.(</a:t>
+            </a:r>
+            <a:r>
+              <a:rPr lang="ko-KR" altLang="en-US" dirty="0" smtClean="0">
+                <a:solidFill>
+                  <a:schemeClr val="accent1"/>
+                </a:solidFill>
+              </a:rPr>
+              <a:t>원하는 특정 위치</a:t>
+            </a:r>
+            <a:r>
+              <a:rPr lang="en-US" altLang="ko-KR" dirty="0" smtClean="0"/>
+              <a:t>)</a:t>
+            </a:r>
+          </a:p>
+          <a:p>
+            <a:endParaRPr lang="en-US" altLang="ko-KR" dirty="0"/>
+          </a:p>
+          <a:p>
+            <a:r>
+              <a:rPr lang="ko-KR" altLang="en-US" dirty="0" smtClean="0"/>
+              <a:t>리스트의 특징을 파악 후 리스트가 배열보다 유리한 곳에 </a:t>
+            </a:r>
+            <a:r>
+              <a:rPr lang="ko-KR" altLang="en-US" dirty="0" err="1" smtClean="0"/>
+              <a:t>쓰여야함</a:t>
+            </a:r>
+            <a:r>
+              <a:rPr lang="en-US" altLang="ko-KR" dirty="0" smtClean="0"/>
+              <a:t>.</a:t>
+            </a:r>
+            <a:endParaRPr lang="en-US" altLang="ko-KR" dirty="0"/>
+          </a:p>
+        </p:txBody>
+      </p:sp>
+    </p:spTree>
+    <p:extLst>
+      <p:ext uri="{BB962C8B-B14F-4D97-AF65-F5344CB8AC3E}">
+        <p14:creationId xmlns:p14="http://schemas.microsoft.com/office/powerpoint/2010/main" val="1191528445"/>
+      </p:ext>
+    </p:extLst>
+  </p:cSld>
+  <p:clrMapOvr>
+    <a:masterClrMapping/>
+  </p:clrMapOvr>
+  <p:timing>
+    <p:tnLst>
+      <p:par>
+        <p:cTn id="1" dur="indefinite" restart="never" nodeType="tmRoot"/>
+      </p:par>
+    </p:tnLst>
+  </p:timing>
+</p:sld>
+</file>
+
+<file path=ppt/slides/slide15.xml><?xml version="1.0" encoding="utf-8"?>
+<p:sld xmlns:a="http://schemas.openxmlformats.org/drawingml/2006/main" xmlns:r="http://schemas.openxmlformats.org/officeDocument/2006/relationships" xmlns:p="http://schemas.openxmlformats.org/presentationml/2006/main">
+  <p:cSld>
+    <p:spTree>
+      <p:nvGrpSpPr>
+        <p:cNvPr id="1" name=""/>
+        <p:cNvGrpSpPr/>
+        <p:nvPr/>
+      </p:nvGrpSpPr>
+      <p:grpSpPr>
+        <a:xfrm>
+          <a:off x="0" y="0"/>
+          <a:ext cx="0" cy="0"/>
+          <a:chOff x="0" y="0"/>
+          <a:chExt cx="0" cy="0"/>
+        </a:xfrm>
+      </p:grpSpPr>
+      <p:sp>
+        <p:nvSpPr>
+          <p:cNvPr id="2" name="제목 1"/>
+          <p:cNvSpPr>
+            <a:spLocks noGrp="1"/>
+          </p:cNvSpPr>
+          <p:nvPr>
+            <p:ph type="title"/>
+          </p:nvPr>
+        </p:nvSpPr>
+        <p:spPr/>
+        <p:txBody>
+          <a:bodyPr/>
+          <a:lstStyle/>
+          <a:p>
+            <a:pPr algn="ctr"/>
+            <a:r>
+              <a:rPr lang="ko-KR" altLang="en-US" dirty="0" smtClean="0"/>
+              <a:t>리스</a:t>
+            </a:r>
+            <a:r>
+              <a:rPr lang="ko-KR" altLang="en-US" dirty="0"/>
+              <a:t>트</a:t>
+            </a:r>
+            <a:r>
+              <a:rPr lang="ko-KR" altLang="en-US" dirty="0" smtClean="0"/>
+              <a:t> </a:t>
+            </a:r>
+            <a:r>
+              <a:rPr lang="en-US" altLang="ko-KR" dirty="0" smtClean="0"/>
+              <a:t>(List)</a:t>
+            </a:r>
+            <a:r>
+              <a:rPr lang="ko-KR" altLang="en-US" dirty="0"/>
+              <a:t> </a:t>
+            </a:r>
+            <a:r>
+              <a:rPr lang="ko-KR" altLang="en-US" dirty="0" smtClean="0"/>
+              <a:t>사용이 유용할 때</a:t>
+            </a:r>
+            <a:endParaRPr lang="ko-KR" altLang="en-US" dirty="0"/>
+          </a:p>
+        </p:txBody>
+      </p:sp>
+      <p:sp>
+        <p:nvSpPr>
+          <p:cNvPr id="3" name="내용 개체 틀 2"/>
+          <p:cNvSpPr>
+            <a:spLocks noGrp="1"/>
+          </p:cNvSpPr>
+          <p:nvPr>
+            <p:ph idx="1"/>
+          </p:nvPr>
+        </p:nvSpPr>
+        <p:spPr/>
+        <p:txBody>
+          <a:bodyPr/>
+          <a:lstStyle/>
+          <a:p>
+            <a:r>
+              <a:rPr lang="ko-KR" altLang="en-US" dirty="0" smtClean="0"/>
+              <a:t>저장</a:t>
+            </a:r>
+            <a:r>
+              <a:rPr lang="ko-KR" altLang="en-US" dirty="0"/>
+              <a:t>할 </a:t>
+            </a:r>
+            <a:r>
+              <a:rPr lang="ko-KR" altLang="en-US" dirty="0" smtClean="0"/>
+              <a:t>데이터 개수가 정해져 있지 않을 </a:t>
+            </a:r>
+            <a:r>
+              <a:rPr lang="ko-KR" altLang="en-US" dirty="0"/>
+              <a:t>때</a:t>
+            </a:r>
+            <a:r>
+              <a:rPr lang="en-US" altLang="ko-KR" dirty="0" smtClean="0"/>
+              <a:t>(</a:t>
+            </a:r>
+            <a:r>
+              <a:rPr lang="ko-KR" altLang="en-US" dirty="0"/>
+              <a:t> </a:t>
+            </a:r>
+            <a:r>
+              <a:rPr lang="ko-KR" altLang="en-US" dirty="0" smtClean="0">
+                <a:solidFill>
+                  <a:schemeClr val="accent1"/>
+                </a:solidFill>
+              </a:rPr>
+              <a:t>가변적</a:t>
+            </a:r>
+            <a:r>
+              <a:rPr lang="ko-KR" altLang="en-US" dirty="0" smtClean="0"/>
+              <a:t> </a:t>
+            </a:r>
+            <a:r>
+              <a:rPr lang="en-US" altLang="ko-KR" dirty="0" smtClean="0"/>
+              <a:t>)</a:t>
+            </a:r>
+            <a:br>
+              <a:rPr lang="en-US" altLang="ko-KR" dirty="0" smtClean="0"/>
+            </a:br>
+            <a:r>
+              <a:rPr lang="en-US" altLang="ko-KR" dirty="0" smtClean="0"/>
+              <a:t>-&gt;</a:t>
+            </a:r>
+            <a:r>
+              <a:rPr lang="en-US" altLang="ko-KR" dirty="0"/>
+              <a:t> </a:t>
+            </a:r>
+            <a:r>
+              <a:rPr lang="ko-KR" altLang="en-US" dirty="0" smtClean="0"/>
+              <a:t>매번 고정된 배열크기를 사용하면</a:t>
+            </a:r>
+            <a:r>
+              <a:rPr lang="en-US" altLang="ko-KR" dirty="0" smtClean="0"/>
+              <a:t>, </a:t>
+            </a:r>
+            <a:r>
+              <a:rPr lang="ko-KR" altLang="en-US" dirty="0" err="1" smtClean="0"/>
+              <a:t>변경시</a:t>
+            </a:r>
+            <a:r>
+              <a:rPr lang="ko-KR" altLang="en-US" dirty="0" smtClean="0"/>
+              <a:t> 컴파일을 다시 </a:t>
+            </a:r>
+            <a:r>
+              <a:rPr lang="ko-KR" altLang="en-US" dirty="0" err="1" smtClean="0"/>
+              <a:t>해야하는데</a:t>
+            </a:r>
+            <a:r>
+              <a:rPr lang="ko-KR" altLang="en-US" dirty="0" smtClean="0"/>
+              <a:t> 대규모 프로젝트</a:t>
+            </a:r>
+            <a:r>
+              <a:rPr lang="en-US" altLang="ko-KR" dirty="0" smtClean="0"/>
+              <a:t>(</a:t>
+            </a:r>
+            <a:r>
+              <a:rPr lang="ko-KR" altLang="en-US" dirty="0" smtClean="0"/>
+              <a:t>콘솔</a:t>
+            </a:r>
+            <a:r>
+              <a:rPr lang="en-US" altLang="ko-KR" dirty="0" smtClean="0"/>
+              <a:t>, PC</a:t>
+            </a:r>
+            <a:r>
+              <a:rPr lang="ko-KR" altLang="en-US" dirty="0" smtClean="0"/>
+              <a:t>게임</a:t>
+            </a:r>
+            <a:r>
+              <a:rPr lang="en-US" altLang="ko-KR" dirty="0" smtClean="0"/>
+              <a:t>)</a:t>
+            </a:r>
+            <a:r>
+              <a:rPr lang="ko-KR" altLang="en-US" dirty="0" smtClean="0"/>
+              <a:t>에서는 컴파일 시간이 </a:t>
+            </a:r>
+            <a:r>
+              <a:rPr lang="en-US" altLang="ko-KR" dirty="0" smtClean="0"/>
+              <a:t>30</a:t>
+            </a:r>
+            <a:r>
+              <a:rPr lang="ko-KR" altLang="en-US" dirty="0" err="1" smtClean="0"/>
+              <a:t>분이상인</a:t>
+            </a:r>
+            <a:r>
+              <a:rPr lang="ko-KR" altLang="en-US" dirty="0" smtClean="0"/>
+              <a:t> 것도 있으므로 </a:t>
+            </a:r>
+            <a:r>
+              <a:rPr lang="ko-KR" altLang="en-US" dirty="0" err="1" smtClean="0"/>
+              <a:t>주의해야한다</a:t>
+            </a:r>
+            <a:r>
+              <a:rPr lang="en-US" altLang="ko-KR" dirty="0" smtClean="0"/>
+              <a:t>.</a:t>
+            </a:r>
+          </a:p>
+          <a:p>
+            <a:endParaRPr lang="en-US" altLang="ko-KR" dirty="0"/>
+          </a:p>
+          <a:p>
+            <a:r>
+              <a:rPr lang="ko-KR" altLang="en-US" dirty="0" smtClean="0">
+                <a:solidFill>
+                  <a:schemeClr val="accent1"/>
+                </a:solidFill>
+              </a:rPr>
+              <a:t>중</a:t>
+            </a:r>
+            <a:r>
+              <a:rPr lang="ko-KR" altLang="en-US" dirty="0">
+                <a:solidFill>
+                  <a:schemeClr val="accent1"/>
+                </a:solidFill>
+              </a:rPr>
+              <a:t>간 </a:t>
+            </a:r>
+            <a:r>
+              <a:rPr lang="ko-KR" altLang="en-US" dirty="0" smtClean="0">
+                <a:solidFill>
+                  <a:schemeClr val="accent1"/>
+                </a:solidFill>
+              </a:rPr>
+              <a:t>위치에 데이터 삽입</a:t>
+            </a:r>
+            <a:r>
+              <a:rPr lang="en-US" altLang="ko-KR" dirty="0" smtClean="0">
+                <a:solidFill>
+                  <a:schemeClr val="accent1"/>
+                </a:solidFill>
+              </a:rPr>
+              <a:t>, </a:t>
+            </a:r>
+            <a:r>
+              <a:rPr lang="ko-KR" altLang="en-US" dirty="0" smtClean="0">
+                <a:solidFill>
+                  <a:schemeClr val="accent1"/>
+                </a:solidFill>
+              </a:rPr>
+              <a:t>삭제</a:t>
+            </a:r>
+            <a:r>
+              <a:rPr lang="ko-KR" altLang="en-US" dirty="0" smtClean="0"/>
+              <a:t>가 </a:t>
+            </a:r>
+            <a:r>
+              <a:rPr lang="ko-KR" altLang="en-US" dirty="0" smtClean="0">
+                <a:solidFill>
+                  <a:schemeClr val="accent1"/>
+                </a:solidFill>
+              </a:rPr>
+              <a:t>빈번히</a:t>
+            </a:r>
+            <a:r>
+              <a:rPr lang="ko-KR" altLang="en-US" dirty="0" smtClean="0"/>
+              <a:t> 발생할 때</a:t>
+            </a:r>
+            <a:r>
+              <a:rPr lang="en-US" altLang="ko-KR" dirty="0" smtClean="0"/>
+              <a:t/>
+            </a:r>
+            <a:br>
+              <a:rPr lang="en-US" altLang="ko-KR" dirty="0" smtClean="0"/>
+            </a:br>
+            <a:r>
+              <a:rPr lang="en-US" altLang="ko-KR" dirty="0" smtClean="0"/>
+              <a:t>-&gt;MMORPG</a:t>
+            </a:r>
+            <a:r>
+              <a:rPr lang="ko-KR" altLang="en-US" dirty="0" smtClean="0"/>
+              <a:t>에서 로그아웃 </a:t>
+            </a:r>
+            <a:r>
+              <a:rPr lang="ko-KR" altLang="en-US" dirty="0" err="1" smtClean="0"/>
+              <a:t>체크시</a:t>
+            </a:r>
+            <a:r>
+              <a:rPr lang="ko-KR" altLang="en-US" dirty="0" smtClean="0"/>
+              <a:t> 중간삭제 빈번</a:t>
+            </a:r>
+            <a:r>
+              <a:rPr lang="en-US" altLang="ko-KR" dirty="0" smtClean="0"/>
+              <a:t>,</a:t>
+            </a:r>
+            <a:br>
+              <a:rPr lang="en-US" altLang="ko-KR" dirty="0" smtClean="0"/>
+            </a:br>
+            <a:r>
+              <a:rPr lang="en-US" altLang="ko-KR" dirty="0" smtClean="0"/>
+              <a:t>   </a:t>
+            </a:r>
+            <a:r>
+              <a:rPr lang="ko-KR" altLang="en-US" dirty="0" err="1"/>
+              <a:t>맵</a:t>
+            </a:r>
+            <a:r>
+              <a:rPr lang="ko-KR" altLang="en-US" dirty="0"/>
+              <a:t> </a:t>
+            </a:r>
+            <a:r>
+              <a:rPr lang="ko-KR" altLang="en-US" dirty="0" smtClean="0"/>
+              <a:t>상 </a:t>
+            </a:r>
+            <a:r>
+              <a:rPr lang="ko-KR" altLang="en-US" dirty="0" err="1" smtClean="0"/>
+              <a:t>어느위치에</a:t>
+            </a:r>
+            <a:r>
+              <a:rPr lang="ko-KR" altLang="en-US" dirty="0" smtClean="0"/>
+              <a:t> 어떤 플레이어가 들어왔는지 확인하고  </a:t>
+            </a:r>
+            <a:r>
+              <a:rPr lang="en-US" altLang="ko-KR" dirty="0"/>
+              <a:t/>
+            </a:r>
+            <a:br>
+              <a:rPr lang="en-US" altLang="ko-KR" dirty="0"/>
+            </a:br>
+            <a:r>
+              <a:rPr lang="en-US" altLang="ko-KR" dirty="0" smtClean="0"/>
+              <a:t>   </a:t>
+            </a:r>
+            <a:r>
+              <a:rPr lang="ko-KR" altLang="en-US" dirty="0" err="1" smtClean="0"/>
+              <a:t>삽입할때</a:t>
+            </a:r>
+            <a:r>
+              <a:rPr lang="ko-KR" altLang="en-US" dirty="0" smtClean="0"/>
+              <a:t> 중간 삽입 빈번</a:t>
+            </a:r>
+            <a:endParaRPr lang="en-US" altLang="ko-KR" dirty="0" smtClean="0"/>
+          </a:p>
+          <a:p>
+            <a:endParaRPr lang="en-US" altLang="ko-KR" dirty="0"/>
+          </a:p>
+        </p:txBody>
+      </p:sp>
+    </p:spTree>
+    <p:extLst>
+      <p:ext uri="{BB962C8B-B14F-4D97-AF65-F5344CB8AC3E}">
+        <p14:creationId xmlns:p14="http://schemas.microsoft.com/office/powerpoint/2010/main" val="3258130663"/>
+      </p:ext>
+    </p:extLst>
+  </p:cSld>
+  <p:clrMapOvr>
+    <a:masterClrMapping/>
+  </p:clrMapOvr>
+  <p:timing>
+    <p:tnLst>
+      <p:par>
+        <p:cTn id="1" dur="indefinite" restart="never" nodeType="tmRoot"/>
+      </p:par>
+    </p:tnLst>
+  </p:timing>
+</p:sld>
+</file>
+
+<file path=ppt/slides/slide16.xml><?xml version="1.0" encoding="utf-8"?>
+<p:sld xmlns:a="http://schemas.openxmlformats.org/drawingml/2006/main" xmlns:r="http://schemas.openxmlformats.org/officeDocument/2006/relationships" xmlns:p="http://schemas.openxmlformats.org/presentationml/2006/main">
+  <p:cSld>
+    <p:spTree>
+      <p:nvGrpSpPr>
+        <p:cNvPr id="1" name=""/>
+        <p:cNvGrpSpPr/>
+        <p:nvPr/>
+      </p:nvGrpSpPr>
+      <p:grpSpPr>
+        <a:xfrm>
+          <a:off x="0" y="0"/>
+          <a:ext cx="0" cy="0"/>
+          <a:chOff x="0" y="0"/>
+          <a:chExt cx="0" cy="0"/>
+        </a:xfrm>
+      </p:grpSpPr>
+      <p:sp>
+        <p:nvSpPr>
+          <p:cNvPr id="2" name="제목 1"/>
+          <p:cNvSpPr>
+            <a:spLocks noGrp="1"/>
+          </p:cNvSpPr>
+          <p:nvPr>
+            <p:ph type="title"/>
+          </p:nvPr>
+        </p:nvSpPr>
+        <p:spPr/>
+        <p:txBody>
+          <a:bodyPr/>
+          <a:lstStyle/>
+          <a:p>
+            <a:pPr algn="ctr"/>
+            <a:r>
+              <a:rPr lang="ko-KR" altLang="en-US" dirty="0" smtClean="0"/>
+              <a:t>리스</a:t>
+            </a:r>
+            <a:r>
+              <a:rPr lang="ko-KR" altLang="en-US" dirty="0"/>
+              <a:t>트</a:t>
+            </a:r>
+            <a:r>
+              <a:rPr lang="ko-KR" altLang="en-US" dirty="0" smtClean="0"/>
+              <a:t> </a:t>
+            </a:r>
+            <a:r>
+              <a:rPr lang="en-US" altLang="ko-KR" dirty="0" smtClean="0"/>
+              <a:t>(List)</a:t>
+            </a:r>
+            <a:r>
+              <a:rPr lang="ko-KR" altLang="en-US" dirty="0"/>
+              <a:t> </a:t>
+            </a:r>
+            <a:r>
+              <a:rPr lang="ko-KR" altLang="en-US" dirty="0" smtClean="0"/>
+              <a:t>사용이 부적절한 때</a:t>
+            </a:r>
+            <a:endParaRPr lang="ko-KR" altLang="en-US" dirty="0"/>
+          </a:p>
+        </p:txBody>
+      </p:sp>
+      <p:sp>
+        <p:nvSpPr>
+          <p:cNvPr id="3" name="내용 개체 틀 2"/>
+          <p:cNvSpPr>
+            <a:spLocks noGrp="1"/>
+          </p:cNvSpPr>
+          <p:nvPr>
+            <p:ph idx="1"/>
+          </p:nvPr>
+        </p:nvSpPr>
+        <p:spPr/>
+        <p:txBody>
+          <a:bodyPr>
+            <a:normAutofit lnSpcReduction="10000"/>
+          </a:bodyPr>
+          <a:lstStyle/>
+          <a:p>
+            <a:r>
+              <a:rPr lang="ko-KR" altLang="en-US" dirty="0" smtClean="0"/>
+              <a:t>저장 데이터가 많고</a:t>
+            </a:r>
+            <a:r>
+              <a:rPr lang="en-US" altLang="ko-KR" dirty="0" smtClean="0"/>
+              <a:t>, </a:t>
+            </a:r>
+            <a:r>
+              <a:rPr lang="ko-KR" altLang="en-US" dirty="0" smtClean="0">
+                <a:solidFill>
+                  <a:schemeClr val="accent1"/>
+                </a:solidFill>
+              </a:rPr>
+              <a:t>검색이 자주 </a:t>
+            </a:r>
+            <a:r>
+              <a:rPr lang="ko-KR" altLang="en-US" dirty="0" smtClean="0"/>
+              <a:t>이루어져야 하는 때</a:t>
+            </a:r>
+            <a:r>
+              <a:rPr lang="en-US" altLang="ko-KR" dirty="0" smtClean="0"/>
+              <a:t/>
+            </a:r>
+            <a:br>
+              <a:rPr lang="en-US" altLang="ko-KR" dirty="0" smtClean="0"/>
+            </a:br>
+            <a:r>
+              <a:rPr lang="en-US" altLang="ko-KR" dirty="0" smtClean="0"/>
+              <a:t>-&gt;list</a:t>
+            </a:r>
+            <a:r>
+              <a:rPr lang="ko-KR" altLang="en-US" dirty="0" smtClean="0"/>
+              <a:t>는 순차적으로 접근하여 검색하므로 </a:t>
+            </a:r>
+            <a:r>
+              <a:rPr lang="ko-KR" altLang="en-US" dirty="0" smtClean="0">
+                <a:solidFill>
+                  <a:schemeClr val="accent1"/>
+                </a:solidFill>
+              </a:rPr>
+              <a:t>비효율</a:t>
+            </a:r>
+            <a:r>
+              <a:rPr lang="ko-KR" altLang="en-US" dirty="0" smtClean="0"/>
+              <a:t>적이다</a:t>
+            </a:r>
+            <a:r>
+              <a:rPr lang="en-US" altLang="ko-KR" dirty="0" smtClean="0"/>
+              <a:t>.</a:t>
+            </a:r>
+          </a:p>
+          <a:p>
+            <a:endParaRPr lang="en-US" altLang="ko-KR" dirty="0"/>
+          </a:p>
+          <a:p>
+            <a:r>
+              <a:rPr lang="ko-KR" altLang="en-US" dirty="0" smtClean="0"/>
+              <a:t> 데이터에 </a:t>
+            </a:r>
+            <a:r>
+              <a:rPr lang="ko-KR" altLang="en-US" dirty="0" err="1" smtClean="0">
+                <a:solidFill>
+                  <a:schemeClr val="accent1"/>
+                </a:solidFill>
+              </a:rPr>
+              <a:t>랜덤하게</a:t>
+            </a:r>
+            <a:r>
+              <a:rPr lang="ko-KR" altLang="en-US" dirty="0" smtClean="0">
+                <a:solidFill>
+                  <a:schemeClr val="accent1"/>
+                </a:solidFill>
+              </a:rPr>
+              <a:t> 접근하는 </a:t>
+            </a:r>
+            <a:r>
+              <a:rPr lang="ko-KR" altLang="en-US" dirty="0" smtClean="0"/>
+              <a:t>경우가 많</a:t>
+            </a:r>
+            <a:r>
+              <a:rPr lang="ko-KR" altLang="en-US" dirty="0"/>
+              <a:t>이 </a:t>
+            </a:r>
+            <a:r>
+              <a:rPr lang="ko-KR" altLang="en-US" dirty="0" smtClean="0"/>
+              <a:t>필요한 때</a:t>
+            </a:r>
+            <a:r>
+              <a:rPr lang="en-US" altLang="ko-KR" dirty="0" smtClean="0"/>
+              <a:t/>
+            </a:r>
+            <a:br>
+              <a:rPr lang="en-US" altLang="ko-KR" dirty="0" smtClean="0"/>
+            </a:br>
+            <a:r>
+              <a:rPr lang="en-US" altLang="ko-KR" dirty="0" smtClean="0"/>
+              <a:t>-&gt; </a:t>
+            </a:r>
+            <a:r>
+              <a:rPr lang="ko-KR" altLang="en-US" dirty="0" smtClean="0"/>
+              <a:t>마찬가지로 순차적 접근으로 검색하므로 비효율적</a:t>
+            </a:r>
+            <a:endParaRPr lang="en-US" altLang="ko-KR" dirty="0" smtClean="0"/>
+          </a:p>
+          <a:p>
+            <a:endParaRPr lang="en-US" altLang="ko-KR" dirty="0" smtClean="0"/>
+          </a:p>
+          <a:p>
+            <a:r>
+              <a:rPr lang="ko-KR" altLang="en-US" dirty="0" smtClean="0"/>
+              <a:t>리스트</a:t>
+            </a:r>
+            <a:r>
+              <a:rPr lang="ko-KR" altLang="en-US" dirty="0"/>
+              <a:t>는 </a:t>
+            </a:r>
+            <a:r>
+              <a:rPr lang="ko-KR" altLang="en-US" dirty="0" smtClean="0"/>
+              <a:t>순차접근이므로 반복자로 접근할 때도 </a:t>
+            </a:r>
+            <a:r>
+              <a:rPr lang="ko-KR" altLang="en-US" dirty="0" smtClean="0">
+                <a:solidFill>
+                  <a:schemeClr val="accent1"/>
+                </a:solidFill>
+              </a:rPr>
+              <a:t>순차접근만</a:t>
+            </a:r>
+            <a:r>
+              <a:rPr lang="ko-KR" altLang="en-US" dirty="0" smtClean="0"/>
+              <a:t>이 가능하다</a:t>
+            </a:r>
+            <a:endParaRPr lang="en-US" altLang="ko-KR" dirty="0"/>
+          </a:p>
+          <a:p>
+            <a:endParaRPr lang="en-US" altLang="ko-KR" dirty="0" smtClean="0"/>
+          </a:p>
+          <a:p>
+            <a:pPr marL="0" indent="0">
+              <a:buNone/>
+            </a:pPr>
+            <a:r>
+              <a:rPr lang="en-US" altLang="ko-KR" dirty="0" smtClean="0"/>
+              <a:t>-&gt;</a:t>
+            </a:r>
+            <a:r>
+              <a:rPr lang="ko-KR" altLang="en-US" dirty="0" smtClean="0"/>
+              <a:t>배열과 리스트 중 </a:t>
+            </a:r>
+            <a:r>
+              <a:rPr lang="ko-KR" altLang="en-US" dirty="0" err="1" smtClean="0"/>
+              <a:t>어느것을</a:t>
+            </a:r>
+            <a:r>
+              <a:rPr lang="ko-KR" altLang="en-US" dirty="0" smtClean="0"/>
+              <a:t> </a:t>
+            </a:r>
+            <a:r>
+              <a:rPr lang="ko-KR" altLang="en-US" dirty="0" err="1" smtClean="0"/>
+              <a:t>써야할지</a:t>
+            </a:r>
+            <a:r>
+              <a:rPr lang="ko-KR" altLang="en-US" dirty="0" smtClean="0"/>
+              <a:t> 잘 판단해야 한다</a:t>
+            </a:r>
+            <a:r>
+              <a:rPr lang="en-US" altLang="ko-KR" dirty="0" smtClean="0"/>
+              <a:t>.</a:t>
+            </a:r>
+            <a:endParaRPr lang="en-US" altLang="ko-KR" dirty="0" smtClean="0"/>
+          </a:p>
+          <a:p>
+            <a:endParaRPr lang="en-US" altLang="ko-KR" dirty="0"/>
+          </a:p>
+        </p:txBody>
+      </p:sp>
+    </p:spTree>
+    <p:extLst>
+      <p:ext uri="{BB962C8B-B14F-4D97-AF65-F5344CB8AC3E}">
+        <p14:creationId xmlns:p14="http://schemas.microsoft.com/office/powerpoint/2010/main" val="245031821"/>
+      </p:ext>
+    </p:extLst>
+  </p:cSld>
+  <p:clrMapOvr>
+    <a:masterClrMapping/>
+  </p:clrMapOvr>
+  <p:timing>
+    <p:tnLst>
+      <p:par>
+        <p:cTn id="1" dur="indefinite" restart="never" nodeType="tmRoot"/>
+      </p:par>
+    </p:tnLst>
+  </p:timing>
+</p:sld>
+</file>
+
+<file path=ppt/slides/slide17.xml><?xml version="1.0" encoding="utf-8"?>
+<p:sld xmlns:a="http://schemas.openxmlformats.org/drawingml/2006/main" xmlns:r="http://schemas.openxmlformats.org/officeDocument/2006/relationships" xmlns:p="http://schemas.openxmlformats.org/presentationml/2006/main">
+  <p:cSld>
+    <p:spTree>
+      <p:nvGrpSpPr>
+        <p:cNvPr id="1" name=""/>
+        <p:cNvGrpSpPr/>
+        <p:nvPr/>
+      </p:nvGrpSpPr>
+      <p:grpSpPr>
+        <a:xfrm>
+          <a:off x="0" y="0"/>
+          <a:ext cx="0" cy="0"/>
+          <a:chOff x="0" y="0"/>
+          <a:chExt cx="0" cy="0"/>
+        </a:xfrm>
+      </p:grpSpPr>
+      <p:sp>
+        <p:nvSpPr>
+          <p:cNvPr id="2" name="제목 1"/>
+          <p:cNvSpPr>
+            <a:spLocks noGrp="1"/>
+          </p:cNvSpPr>
+          <p:nvPr>
+            <p:ph type="title"/>
+          </p:nvPr>
+        </p:nvSpPr>
+        <p:spPr/>
+        <p:txBody>
+          <a:bodyPr/>
+          <a:lstStyle/>
+          <a:p>
+            <a:pPr algn="ctr"/>
+            <a:r>
+              <a:rPr lang="ko-KR" altLang="en-US" dirty="0" smtClean="0"/>
+              <a:t>리스트의 </a:t>
+            </a:r>
+            <a:r>
+              <a:rPr lang="ko-KR" altLang="en-US" dirty="0" smtClean="0"/>
+              <a:t>활용</a:t>
+            </a:r>
+            <a:endParaRPr lang="ko-KR" altLang="en-US" dirty="0"/>
+          </a:p>
+        </p:txBody>
+      </p:sp>
+      <p:sp>
+        <p:nvSpPr>
+          <p:cNvPr id="4" name="내용 개체 틀 2"/>
+          <p:cNvSpPr txBox="1">
+            <a:spLocks/>
+          </p:cNvSpPr>
+          <p:nvPr/>
+        </p:nvSpPr>
+        <p:spPr>
+          <a:xfrm>
+            <a:off x="5210261" y="1690688"/>
+            <a:ext cx="6590442" cy="4495322"/>
+          </a:xfrm>
+          <a:prstGeom prst="rect">
+            <a:avLst/>
+          </a:prstGeom>
+        </p:spPr>
+        <p:txBody>
+          <a:bodyPr vert="horz" lIns="91440" tIns="45720" rIns="91440" bIns="45720" rtlCol="0">
+            <a:normAutofit fontScale="92500" lnSpcReduction="10000"/>
+          </a:bodyPr>
+          <a:lstStyle>
+            <a:lvl1pPr marL="228600" indent="-228600" algn="l" defTabSz="914400" rtl="0" eaLnBrk="1" latinLnBrk="1" hangingPunct="1">
+              <a:lnSpc>
+                <a:spcPct val="90000"/>
+              </a:lnSpc>
+              <a:spcBef>
+                <a:spcPts val="1000"/>
+              </a:spcBef>
+              <a:buFont typeface="Arial" panose="020B0604020202020204" pitchFamily="34" charset="0"/>
+              <a:buChar char="•"/>
+              <a:defRPr sz="2800" kern="1200">
+                <a:solidFill>
+                  <a:schemeClr val="tx1"/>
+                </a:solidFill>
+                <a:latin typeface="+mn-lt"/>
+                <a:ea typeface="+mn-ea"/>
+                <a:cs typeface="+mn-cs"/>
+              </a:defRPr>
+            </a:lvl1pPr>
+            <a:lvl2pPr marL="685800" indent="-228600" algn="l" defTabSz="914400" rtl="0" eaLnBrk="1" latinLnBrk="1" hangingPunct="1">
+              <a:lnSpc>
+                <a:spcPct val="90000"/>
+              </a:lnSpc>
+              <a:spcBef>
+                <a:spcPts val="500"/>
+              </a:spcBef>
+              <a:buFont typeface="Arial" panose="020B0604020202020204" pitchFamily="34" charset="0"/>
+              <a:buChar char="•"/>
+              <a:defRPr sz="2400" kern="1200">
+                <a:solidFill>
+                  <a:schemeClr val="tx1"/>
+                </a:solidFill>
+                <a:latin typeface="+mn-lt"/>
+                <a:ea typeface="+mn-ea"/>
+                <a:cs typeface="+mn-cs"/>
+              </a:defRPr>
+            </a:lvl2pPr>
+            <a:lvl3pPr marL="1143000" indent="-228600" algn="l" defTabSz="914400" rtl="0" eaLnBrk="1" latinLnBrk="1" hangingPunct="1">
+              <a:lnSpc>
+                <a:spcPct val="90000"/>
+              </a:lnSpc>
+              <a:spcBef>
+                <a:spcPts val="500"/>
+              </a:spcBef>
+              <a:buFont typeface="Arial" panose="020B0604020202020204" pitchFamily="34" charset="0"/>
+              <a:buChar char="•"/>
+              <a:defRPr sz="2000" kern="1200">
+                <a:solidFill>
+                  <a:schemeClr val="tx1"/>
+                </a:solidFill>
+                <a:latin typeface="+mn-lt"/>
+                <a:ea typeface="+mn-ea"/>
+                <a:cs typeface="+mn-cs"/>
+              </a:defRPr>
+            </a:lvl3pPr>
+            <a:lvl4pPr marL="1600200" indent="-228600" algn="l" defTabSz="914400" rtl="0" eaLnBrk="1" latinLnBrk="1" hangingPunct="1">
+              <a:lnSpc>
+                <a:spcPct val="90000"/>
+              </a:lnSpc>
+              <a:spcBef>
+                <a:spcPts val="500"/>
+              </a:spcBef>
+              <a:buFont typeface="Arial" panose="020B0604020202020204" pitchFamily="34" charset="0"/>
+              <a:buChar char="•"/>
+              <a:defRPr sz="1800" kern="1200">
+                <a:solidFill>
+                  <a:schemeClr val="tx1"/>
+                </a:solidFill>
+                <a:latin typeface="+mn-lt"/>
+                <a:ea typeface="+mn-ea"/>
+                <a:cs typeface="+mn-cs"/>
+              </a:defRPr>
+            </a:lvl4pPr>
+            <a:lvl5pPr marL="2057400" indent="-228600" algn="l" defTabSz="914400" rtl="0" eaLnBrk="1" latinLnBrk="1" hangingPunct="1">
+              <a:lnSpc>
+                <a:spcPct val="90000"/>
+              </a:lnSpc>
+              <a:spcBef>
+                <a:spcPts val="500"/>
+              </a:spcBef>
+              <a:buFont typeface="Arial" panose="020B0604020202020204" pitchFamily="34" charset="0"/>
+              <a:buChar char="•"/>
+              <a:defRPr sz="1800" kern="1200">
+                <a:solidFill>
+                  <a:schemeClr val="tx1"/>
+                </a:solidFill>
+                <a:latin typeface="+mn-lt"/>
+                <a:ea typeface="+mn-ea"/>
+                <a:cs typeface="+mn-cs"/>
+              </a:defRPr>
+            </a:lvl5pPr>
+            <a:lvl6pPr marL="2514600" indent="-228600" algn="l" defTabSz="914400" rtl="0" eaLnBrk="1" latinLnBrk="1" hangingPunct="1">
+              <a:lnSpc>
+                <a:spcPct val="90000"/>
+              </a:lnSpc>
+              <a:spcBef>
+                <a:spcPts val="500"/>
+              </a:spcBef>
+              <a:buFont typeface="Arial" panose="020B0604020202020204" pitchFamily="34" charset="0"/>
+              <a:buChar char="•"/>
+              <a:defRPr sz="1800" kern="1200">
+                <a:solidFill>
+                  <a:schemeClr val="tx1"/>
+                </a:solidFill>
+                <a:latin typeface="+mn-lt"/>
+                <a:ea typeface="+mn-ea"/>
+                <a:cs typeface="+mn-cs"/>
+              </a:defRPr>
+            </a:lvl6pPr>
+            <a:lvl7pPr marL="2971800" indent="-228600" algn="l" defTabSz="914400" rtl="0" eaLnBrk="1" latinLnBrk="1" hangingPunct="1">
+              <a:lnSpc>
+                <a:spcPct val="90000"/>
+              </a:lnSpc>
+              <a:spcBef>
+                <a:spcPts val="500"/>
+              </a:spcBef>
+              <a:buFont typeface="Arial" panose="020B0604020202020204" pitchFamily="34" charset="0"/>
+              <a:buChar char="•"/>
+              <a:defRPr sz="1800" kern="1200">
+                <a:solidFill>
+                  <a:schemeClr val="tx1"/>
+                </a:solidFill>
+                <a:latin typeface="+mn-lt"/>
+                <a:ea typeface="+mn-ea"/>
+                <a:cs typeface="+mn-cs"/>
+              </a:defRPr>
+            </a:lvl7pPr>
+            <a:lvl8pPr marL="3429000" indent="-228600" algn="l" defTabSz="914400" rtl="0" eaLnBrk="1" latinLnBrk="1" hangingPunct="1">
+              <a:lnSpc>
+                <a:spcPct val="90000"/>
+              </a:lnSpc>
+              <a:spcBef>
+                <a:spcPts val="500"/>
+              </a:spcBef>
+              <a:buFont typeface="Arial" panose="020B0604020202020204" pitchFamily="34" charset="0"/>
+              <a:buChar char="•"/>
+              <a:defRPr sz="1800" kern="1200">
+                <a:solidFill>
+                  <a:schemeClr val="tx1"/>
+                </a:solidFill>
+                <a:latin typeface="+mn-lt"/>
+                <a:ea typeface="+mn-ea"/>
+                <a:cs typeface="+mn-cs"/>
+              </a:defRPr>
+            </a:lvl8pPr>
+            <a:lvl9pPr marL="3886200" indent="-228600" algn="l" defTabSz="914400" rtl="0" eaLnBrk="1" latinLnBrk="1" hangingPunct="1">
+              <a:lnSpc>
+                <a:spcPct val="90000"/>
+              </a:lnSpc>
+              <a:spcBef>
+                <a:spcPts val="500"/>
+              </a:spcBef>
+              <a:buFont typeface="Arial" panose="020B0604020202020204" pitchFamily="34" charset="0"/>
+              <a:buChar char="•"/>
+              <a:defRPr sz="1800" kern="1200">
+                <a:solidFill>
+                  <a:schemeClr val="tx1"/>
+                </a:solidFill>
+                <a:latin typeface="+mn-lt"/>
+                <a:ea typeface="+mn-ea"/>
+                <a:cs typeface="+mn-cs"/>
+              </a:defRPr>
+            </a:lvl9pPr>
+          </a:lstStyle>
+          <a:p>
+            <a:r>
+              <a:rPr lang="ko-KR" altLang="en-US" dirty="0" err="1" smtClean="0"/>
+              <a:t>자주쓰이는</a:t>
+            </a:r>
+            <a:r>
+              <a:rPr lang="ko-KR" altLang="en-US" dirty="0" smtClean="0"/>
+              <a:t> 멤버함수</a:t>
+            </a:r>
+            <a:endParaRPr lang="en-US" altLang="ko-KR" dirty="0" smtClean="0"/>
+          </a:p>
+          <a:p>
+            <a:pPr marL="0" indent="0">
+              <a:buNone/>
+            </a:pPr>
+            <a:r>
+              <a:rPr lang="en-US" altLang="ko-KR" dirty="0" err="1" smtClean="0"/>
+              <a:t>Push_front</a:t>
+            </a:r>
+            <a:r>
+              <a:rPr lang="en-US" altLang="ko-KR" dirty="0" smtClean="0"/>
+              <a:t>() </a:t>
+            </a:r>
+            <a:r>
+              <a:rPr lang="en-US" altLang="ko-KR" dirty="0" smtClean="0"/>
+              <a:t>: </a:t>
+            </a:r>
+            <a:r>
+              <a:rPr lang="ko-KR" altLang="en-US" dirty="0" err="1" smtClean="0"/>
+              <a:t>첫번째</a:t>
+            </a:r>
+            <a:r>
+              <a:rPr lang="ko-KR" altLang="en-US" dirty="0" smtClean="0"/>
+              <a:t> 위치에 원소추가</a:t>
+            </a:r>
+            <a:endParaRPr lang="en-US" altLang="ko-KR" dirty="0" smtClean="0"/>
+          </a:p>
+          <a:p>
+            <a:pPr marL="0" indent="0">
+              <a:buNone/>
+            </a:pPr>
+            <a:r>
+              <a:rPr lang="en-US" altLang="ko-KR" dirty="0" err="1" smtClean="0"/>
+              <a:t>Push_back</a:t>
+            </a:r>
+            <a:r>
+              <a:rPr lang="en-US" altLang="ko-KR" dirty="0" smtClean="0"/>
+              <a:t>() : </a:t>
+            </a:r>
+            <a:r>
+              <a:rPr lang="ko-KR" altLang="en-US" dirty="0" err="1" smtClean="0"/>
+              <a:t>맨끝</a:t>
+            </a:r>
+            <a:r>
+              <a:rPr lang="ko-KR" altLang="en-US" dirty="0" smtClean="0"/>
+              <a:t> 위치에 원소추가</a:t>
+            </a:r>
+            <a:endParaRPr lang="en-US" altLang="ko-KR" dirty="0" smtClean="0"/>
+          </a:p>
+          <a:p>
+            <a:pPr marL="0" indent="0">
+              <a:buNone/>
+            </a:pPr>
+            <a:r>
+              <a:rPr lang="en-US" altLang="ko-KR" dirty="0" err="1" smtClean="0"/>
+              <a:t>Pop_front</a:t>
+            </a:r>
+            <a:r>
+              <a:rPr lang="en-US" altLang="ko-KR" dirty="0" smtClean="0"/>
+              <a:t>() : </a:t>
+            </a:r>
+            <a:r>
+              <a:rPr lang="ko-KR" altLang="en-US" dirty="0" err="1" smtClean="0"/>
+              <a:t>첫번째</a:t>
+            </a:r>
+            <a:r>
+              <a:rPr lang="ko-KR" altLang="en-US" dirty="0" smtClean="0"/>
+              <a:t> 위치 원소 삭제</a:t>
+            </a:r>
+            <a:endParaRPr lang="en-US" altLang="ko-KR" dirty="0" smtClean="0"/>
+          </a:p>
+          <a:p>
+            <a:pPr marL="0" indent="0">
+              <a:buNone/>
+            </a:pPr>
+            <a:r>
+              <a:rPr lang="en-US" altLang="ko-KR" dirty="0" err="1" smtClean="0"/>
+              <a:t>Pop_back</a:t>
+            </a:r>
+            <a:r>
+              <a:rPr lang="en-US" altLang="ko-KR" dirty="0" smtClean="0"/>
+              <a:t>()  : </a:t>
+            </a:r>
+            <a:r>
+              <a:rPr lang="ko-KR" altLang="en-US" dirty="0" err="1" smtClean="0"/>
+              <a:t>맨끝</a:t>
+            </a:r>
+            <a:r>
+              <a:rPr lang="en-US" altLang="ko-KR" dirty="0" smtClean="0"/>
+              <a:t> </a:t>
+            </a:r>
+            <a:r>
+              <a:rPr lang="ko-KR" altLang="en-US" dirty="0" smtClean="0"/>
+              <a:t>원소삭제</a:t>
+            </a:r>
+            <a:endParaRPr lang="en-US" altLang="ko-KR" dirty="0" smtClean="0"/>
+          </a:p>
+          <a:p>
+            <a:pPr marL="0" indent="0">
+              <a:buNone/>
+            </a:pPr>
+            <a:r>
+              <a:rPr lang="en-US" altLang="ko-KR" dirty="0" smtClean="0"/>
+              <a:t>Insert</a:t>
+            </a:r>
+            <a:r>
+              <a:rPr lang="en-US" altLang="ko-KR" dirty="0" smtClean="0"/>
+              <a:t>() : </a:t>
+            </a:r>
+            <a:r>
+              <a:rPr lang="ko-KR" altLang="en-US" dirty="0" smtClean="0"/>
+              <a:t>특정 위치</a:t>
+            </a:r>
+            <a:r>
+              <a:rPr lang="ko-KR" altLang="en-US" dirty="0"/>
+              <a:t>에 </a:t>
+            </a:r>
+            <a:r>
+              <a:rPr lang="ko-KR" altLang="en-US" dirty="0" smtClean="0"/>
+              <a:t>삽입</a:t>
+            </a:r>
+            <a:endParaRPr lang="en-US" altLang="ko-KR" dirty="0" smtClean="0"/>
+          </a:p>
+          <a:p>
+            <a:pPr marL="0" indent="0">
+              <a:buNone/>
+            </a:pPr>
+            <a:r>
+              <a:rPr lang="en-US" altLang="ko-KR" dirty="0" smtClean="0"/>
+              <a:t>Begin() : </a:t>
+            </a:r>
+            <a:r>
+              <a:rPr lang="ko-KR" altLang="en-US" dirty="0" err="1" smtClean="0"/>
+              <a:t>첫번째</a:t>
+            </a:r>
+            <a:r>
+              <a:rPr lang="ko-KR" altLang="en-US" dirty="0" smtClean="0"/>
+              <a:t> 위치의 반복자</a:t>
+            </a:r>
+            <a:r>
+              <a:rPr lang="en-US" altLang="ko-KR" dirty="0" smtClean="0"/>
+              <a:t/>
+            </a:r>
+            <a:br>
+              <a:rPr lang="en-US" altLang="ko-KR" dirty="0" smtClean="0"/>
+            </a:br>
+            <a:r>
+              <a:rPr lang="en-US" altLang="ko-KR" dirty="0" smtClean="0"/>
+              <a:t>End()   : </a:t>
+            </a:r>
+            <a:r>
+              <a:rPr lang="ko-KR" altLang="en-US" dirty="0" smtClean="0"/>
+              <a:t>마지막 위치</a:t>
+            </a:r>
+            <a:r>
+              <a:rPr lang="en-US" altLang="ko-KR" dirty="0" smtClean="0"/>
+              <a:t>+1</a:t>
+            </a:r>
+            <a:r>
+              <a:rPr lang="ko-KR" altLang="en-US" dirty="0" smtClean="0"/>
+              <a:t>의 반복자</a:t>
+            </a:r>
+            <a:endParaRPr lang="en-US" altLang="ko-KR" dirty="0" smtClean="0"/>
+          </a:p>
+          <a:p>
+            <a:pPr marL="0" indent="0">
+              <a:buNone/>
+            </a:pPr>
+            <a:r>
+              <a:rPr lang="en-US" altLang="ko-KR" dirty="0" smtClean="0"/>
+              <a:t>Size()   : </a:t>
+            </a:r>
+            <a:r>
+              <a:rPr lang="ko-KR" altLang="en-US" dirty="0" smtClean="0"/>
+              <a:t>원소의 개수</a:t>
+            </a:r>
+            <a:endParaRPr lang="en-US" altLang="ko-KR" dirty="0" smtClean="0"/>
+          </a:p>
+          <a:p>
+            <a:pPr marL="0" indent="0">
+              <a:buNone/>
+            </a:pPr>
+            <a:r>
+              <a:rPr lang="en-US" altLang="ko-KR" dirty="0" smtClean="0"/>
+              <a:t>Erase() : </a:t>
+            </a:r>
+            <a:r>
+              <a:rPr lang="ko-KR" altLang="en-US" dirty="0" smtClean="0"/>
+              <a:t>특정위치 원소 삭제</a:t>
+            </a:r>
+            <a:endParaRPr lang="en-US" altLang="ko-KR" dirty="0"/>
+          </a:p>
+        </p:txBody>
+      </p:sp>
+      <p:pic>
+        <p:nvPicPr>
+          <p:cNvPr id="3" name="그림 2"/>
+          <p:cNvPicPr>
+            <a:picLocks noChangeAspect="1"/>
+          </p:cNvPicPr>
+          <p:nvPr/>
+        </p:nvPicPr>
+        <p:blipFill>
+          <a:blip r:embed="rId2"/>
+          <a:stretch>
+            <a:fillRect/>
+          </a:stretch>
+        </p:blipFill>
+        <p:spPr>
+          <a:xfrm>
+            <a:off x="185351" y="1591834"/>
+            <a:ext cx="4696983" cy="4351766"/>
+          </a:xfrm>
+          <a:prstGeom prst="rect">
+            <a:avLst/>
+          </a:prstGeom>
+        </p:spPr>
+      </p:pic>
+    </p:spTree>
+    <p:extLst>
+      <p:ext uri="{BB962C8B-B14F-4D97-AF65-F5344CB8AC3E}">
+        <p14:creationId xmlns:p14="http://schemas.microsoft.com/office/powerpoint/2010/main" val="2734109806"/>
+      </p:ext>
+    </p:extLst>
+  </p:cSld>
+  <p:clrMapOvr>
+    <a:masterClrMapping/>
+  </p:clrMapOvr>
+  <p:timing>
+    <p:tnLst>
+      <p:par>
+        <p:cTn id="1" dur="indefinite" restart="never" nodeType="tmRoot"/>
+      </p:par>
+    </p:tnLst>
+  </p:timing>
+</p:sld>
+</file>
+
+<file path=ppt/slides/slide18.xml><?xml version="1.0" encoding="utf-8"?>
+<p:sld xmlns:a="http://schemas.openxmlformats.org/drawingml/2006/main" xmlns:r="http://schemas.openxmlformats.org/officeDocument/2006/relationships" xmlns:p="http://schemas.openxmlformats.org/presentationml/2006/main">
+  <p:cSld>
+    <p:spTree>
+      <p:nvGrpSpPr>
+        <p:cNvPr id="1" name=""/>
+        <p:cNvGrpSpPr/>
+        <p:nvPr/>
+      </p:nvGrpSpPr>
+      <p:grpSpPr>
+        <a:xfrm>
+          <a:off x="0" y="0"/>
+          <a:ext cx="0" cy="0"/>
+          <a:chOff x="0" y="0"/>
+          <a:chExt cx="0" cy="0"/>
+        </a:xfrm>
+      </p:grpSpPr>
+      <p:sp>
+        <p:nvSpPr>
+          <p:cNvPr id="2" name="제목 1"/>
+          <p:cNvSpPr>
+            <a:spLocks noGrp="1"/>
+          </p:cNvSpPr>
+          <p:nvPr>
+            <p:ph type="title"/>
+          </p:nvPr>
+        </p:nvSpPr>
+        <p:spPr/>
+        <p:txBody>
+          <a:bodyPr/>
+          <a:lstStyle/>
+          <a:p>
+            <a:pPr algn="ctr"/>
+            <a:r>
+              <a:rPr lang="en-US" altLang="ko-KR" dirty="0" smtClean="0"/>
+              <a:t>Hash Map(</a:t>
+            </a:r>
+            <a:r>
+              <a:rPr lang="ko-KR" altLang="en-US" dirty="0" err="1" smtClean="0"/>
+              <a:t>해쉬</a:t>
+            </a:r>
+            <a:r>
+              <a:rPr lang="ko-KR" altLang="en-US" dirty="0" smtClean="0"/>
+              <a:t> </a:t>
+            </a:r>
+            <a:r>
+              <a:rPr lang="ko-KR" altLang="en-US" dirty="0" err="1" smtClean="0"/>
+              <a:t>맵</a:t>
+            </a:r>
+            <a:r>
+              <a:rPr lang="en-US" altLang="ko-KR" dirty="0" smtClean="0"/>
+              <a:t>)</a:t>
+            </a:r>
+            <a:endParaRPr lang="ko-KR" altLang="en-US" dirty="0"/>
+          </a:p>
+        </p:txBody>
+      </p:sp>
+      <p:sp>
+        <p:nvSpPr>
+          <p:cNvPr id="3" name="내용 개체 틀 2"/>
+          <p:cNvSpPr>
+            <a:spLocks noGrp="1"/>
+          </p:cNvSpPr>
+          <p:nvPr>
+            <p:ph idx="1"/>
+          </p:nvPr>
+        </p:nvSpPr>
+        <p:spPr/>
+        <p:txBody>
+          <a:bodyPr/>
+          <a:lstStyle/>
+          <a:p>
+            <a:endParaRPr lang="en-US" altLang="ko-KR" dirty="0" smtClean="0"/>
+          </a:p>
+          <a:p>
+            <a:r>
+              <a:rPr lang="ko-KR" altLang="en-US" dirty="0" err="1" smtClean="0"/>
+              <a:t>파이썬의</a:t>
+            </a:r>
+            <a:r>
+              <a:rPr lang="ko-KR" altLang="en-US" dirty="0" smtClean="0"/>
+              <a:t> </a:t>
+            </a:r>
+            <a:r>
+              <a:rPr lang="en-US" altLang="ko-KR" dirty="0" smtClean="0">
+                <a:solidFill>
+                  <a:schemeClr val="accent1"/>
+                </a:solidFill>
+              </a:rPr>
+              <a:t>dictionary</a:t>
+            </a:r>
+            <a:r>
+              <a:rPr lang="en-US" altLang="ko-KR" dirty="0" smtClean="0"/>
+              <a:t> </a:t>
+            </a:r>
+            <a:r>
+              <a:rPr lang="ko-KR" altLang="en-US" dirty="0" smtClean="0"/>
+              <a:t>같</a:t>
+            </a:r>
+            <a:r>
+              <a:rPr lang="ko-KR" altLang="en-US" dirty="0"/>
+              <a:t>은 </a:t>
+            </a:r>
+            <a:r>
+              <a:rPr lang="ko-KR" altLang="en-US" dirty="0" smtClean="0"/>
+              <a:t>자료구조</a:t>
+            </a:r>
+            <a:endParaRPr lang="en-US" altLang="ko-KR" dirty="0" smtClean="0"/>
+          </a:p>
+          <a:p>
+            <a:endParaRPr lang="en-US" altLang="ko-KR" dirty="0"/>
+          </a:p>
+          <a:p>
+            <a:r>
+              <a:rPr lang="ko-KR" altLang="en-US" dirty="0" smtClean="0"/>
+              <a:t>정렬이 필요 없고</a:t>
+            </a:r>
+            <a:r>
+              <a:rPr lang="en-US" altLang="ko-KR" dirty="0" smtClean="0"/>
+              <a:t>, </a:t>
+            </a:r>
+            <a:r>
+              <a:rPr lang="ko-KR" altLang="en-US" dirty="0" smtClean="0">
+                <a:solidFill>
+                  <a:schemeClr val="accent1"/>
+                </a:solidFill>
+              </a:rPr>
+              <a:t>빠른 검색</a:t>
+            </a:r>
+            <a:r>
+              <a:rPr lang="ko-KR" altLang="en-US" dirty="0" smtClean="0"/>
+              <a:t>을 원할 때 사용</a:t>
+            </a:r>
+            <a:endParaRPr lang="en-US" altLang="ko-KR" dirty="0" smtClean="0"/>
+          </a:p>
+          <a:p>
+            <a:endParaRPr lang="en-US" altLang="ko-KR" dirty="0"/>
+          </a:p>
+          <a:p>
+            <a:r>
+              <a:rPr lang="ko-KR" altLang="en-US" dirty="0" err="1" smtClean="0"/>
+              <a:t>해쉬</a:t>
+            </a:r>
+            <a:r>
+              <a:rPr lang="ko-KR" altLang="en-US" dirty="0" smtClean="0"/>
+              <a:t> </a:t>
+            </a:r>
+            <a:r>
+              <a:rPr lang="ko-KR" altLang="en-US" dirty="0" err="1" smtClean="0"/>
+              <a:t>맵의</a:t>
+            </a:r>
+            <a:r>
+              <a:rPr lang="ko-KR" altLang="en-US" dirty="0" smtClean="0"/>
+              <a:t> 자료구조는 </a:t>
+            </a:r>
+            <a:r>
+              <a:rPr lang="ko-KR" altLang="en-US" dirty="0" err="1" smtClean="0">
+                <a:solidFill>
+                  <a:schemeClr val="accent1"/>
+                </a:solidFill>
+              </a:rPr>
+              <a:t>해쉬</a:t>
+            </a:r>
+            <a:r>
+              <a:rPr lang="ko-KR" altLang="en-US" dirty="0" smtClean="0">
+                <a:solidFill>
+                  <a:schemeClr val="accent1"/>
+                </a:solidFill>
+              </a:rPr>
+              <a:t> 테이블</a:t>
+            </a:r>
+            <a:r>
+              <a:rPr lang="ko-KR" altLang="en-US" dirty="0" smtClean="0"/>
+              <a:t>로 되어 있다</a:t>
+            </a:r>
+            <a:endParaRPr lang="en-US" altLang="ko-KR" dirty="0" smtClean="0"/>
+          </a:p>
+          <a:p>
+            <a:endParaRPr lang="en-US" altLang="ko-KR" dirty="0"/>
+          </a:p>
+          <a:p>
+            <a:r>
+              <a:rPr lang="ko-KR" altLang="en-US" dirty="0" smtClean="0"/>
+              <a:t>추가</a:t>
+            </a:r>
+            <a:r>
+              <a:rPr lang="en-US" altLang="ko-KR" dirty="0" smtClean="0"/>
+              <a:t>,</a:t>
+            </a:r>
+            <a:r>
+              <a:rPr lang="ko-KR" altLang="en-US" dirty="0" smtClean="0"/>
+              <a:t> 삭제</a:t>
+            </a:r>
+            <a:r>
+              <a:rPr lang="en-US" altLang="ko-KR" dirty="0" smtClean="0"/>
+              <a:t>,</a:t>
+            </a:r>
+            <a:r>
+              <a:rPr lang="ko-KR" altLang="en-US" dirty="0" smtClean="0"/>
+              <a:t> 검색이 주요 기능 </a:t>
+            </a:r>
+            <a:endParaRPr lang="en-US" altLang="ko-KR" dirty="0" smtClean="0"/>
+          </a:p>
+          <a:p>
+            <a:endParaRPr lang="en-US" altLang="ko-KR" dirty="0"/>
+          </a:p>
+        </p:txBody>
+      </p:sp>
+    </p:spTree>
+    <p:extLst>
+      <p:ext uri="{BB962C8B-B14F-4D97-AF65-F5344CB8AC3E}">
+        <p14:creationId xmlns:p14="http://schemas.microsoft.com/office/powerpoint/2010/main" val="239332403"/>
+      </p:ext>
+    </p:extLst>
+  </p:cSld>
+  <p:clrMapOvr>
+    <a:masterClrMapping/>
+  </p:clrMapOvr>
+  <p:timing>
+    <p:tnLst>
+      <p:par>
+        <p:cTn id="1" dur="indefinite" restart="never" nodeType="tmRoot"/>
+      </p:par>
+    </p:tnLst>
+  </p:timing>
+</p:sld>
+</file>
+
+<file path=ppt/slides/slide19.xml><?xml version="1.0" encoding="utf-8"?>
+<p:sld xmlns:a="http://schemas.openxmlformats.org/drawingml/2006/main" xmlns:r="http://schemas.openxmlformats.org/officeDocument/2006/relationships" xmlns:p="http://schemas.openxmlformats.org/presentationml/2006/main">
+  <p:cSld>
+    <p:spTree>
+      <p:nvGrpSpPr>
+        <p:cNvPr id="1" name=""/>
+        <p:cNvGrpSpPr/>
+        <p:nvPr/>
+      </p:nvGrpSpPr>
+      <p:grpSpPr>
+        <a:xfrm>
+          <a:off x="0" y="0"/>
+          <a:ext cx="0" cy="0"/>
+          <a:chOff x="0" y="0"/>
+          <a:chExt cx="0" cy="0"/>
+        </a:xfrm>
+      </p:grpSpPr>
+      <p:sp>
+        <p:nvSpPr>
+          <p:cNvPr id="2" name="제목 1"/>
+          <p:cNvSpPr>
+            <a:spLocks noGrp="1"/>
+          </p:cNvSpPr>
+          <p:nvPr>
+            <p:ph type="title"/>
+          </p:nvPr>
+        </p:nvSpPr>
+        <p:spPr/>
+        <p:txBody>
+          <a:bodyPr/>
+          <a:lstStyle/>
+          <a:p>
+            <a:pPr algn="ctr"/>
+            <a:r>
+              <a:rPr lang="en-US" altLang="ko-KR" dirty="0" smtClean="0"/>
+              <a:t>Hash Map(</a:t>
+            </a:r>
+            <a:r>
+              <a:rPr lang="ko-KR" altLang="en-US" dirty="0" err="1" smtClean="0"/>
+              <a:t>해쉬</a:t>
+            </a:r>
+            <a:r>
+              <a:rPr lang="ko-KR" altLang="en-US" dirty="0" smtClean="0"/>
+              <a:t> </a:t>
+            </a:r>
+            <a:r>
+              <a:rPr lang="ko-KR" altLang="en-US" dirty="0" err="1" smtClean="0"/>
+              <a:t>맵</a:t>
+            </a:r>
+            <a:r>
+              <a:rPr lang="en-US" altLang="ko-KR" dirty="0" smtClean="0"/>
+              <a:t>)</a:t>
+            </a:r>
+            <a:endParaRPr lang="ko-KR" altLang="en-US" dirty="0"/>
+          </a:p>
+        </p:txBody>
+      </p:sp>
+      <p:sp>
+        <p:nvSpPr>
+          <p:cNvPr id="3" name="내용 개체 틀 2"/>
+          <p:cNvSpPr>
+            <a:spLocks noGrp="1"/>
+          </p:cNvSpPr>
+          <p:nvPr>
+            <p:ph idx="1"/>
+          </p:nvPr>
+        </p:nvSpPr>
+        <p:spPr/>
+        <p:txBody>
+          <a:bodyPr>
+            <a:normAutofit/>
+          </a:bodyPr>
+          <a:lstStyle/>
+          <a:p>
+            <a:endParaRPr lang="en-US" altLang="ko-KR" dirty="0" smtClean="0"/>
+          </a:p>
+          <a:p>
+            <a:r>
+              <a:rPr lang="en-US" altLang="ko-KR" dirty="0" smtClean="0"/>
+              <a:t>STL </a:t>
+            </a:r>
+            <a:r>
+              <a:rPr lang="ko-KR" altLang="en-US" dirty="0" smtClean="0"/>
+              <a:t>에서 제공하는 방식은 </a:t>
+            </a:r>
+            <a:r>
+              <a:rPr lang="ko-KR" altLang="en-US" dirty="0" err="1" smtClean="0">
+                <a:solidFill>
+                  <a:schemeClr val="accent1"/>
+                </a:solidFill>
+              </a:rPr>
+              <a:t>체이닝</a:t>
+            </a:r>
+            <a:r>
+              <a:rPr lang="ko-KR" altLang="en-US" dirty="0" smtClean="0">
+                <a:solidFill>
+                  <a:schemeClr val="accent1"/>
+                </a:solidFill>
+              </a:rPr>
+              <a:t> 방식</a:t>
+            </a:r>
+            <a:r>
+              <a:rPr lang="ko-KR" altLang="en-US" dirty="0" smtClean="0"/>
+              <a:t>의 </a:t>
+            </a:r>
+            <a:r>
+              <a:rPr lang="ko-KR" altLang="en-US" dirty="0" err="1" smtClean="0"/>
+              <a:t>해쉬</a:t>
+            </a:r>
+            <a:r>
+              <a:rPr lang="ko-KR" altLang="en-US" dirty="0" smtClean="0"/>
+              <a:t> </a:t>
+            </a:r>
+            <a:r>
+              <a:rPr lang="ko-KR" altLang="en-US" dirty="0" err="1" smtClean="0"/>
+              <a:t>맵</a:t>
+            </a:r>
+            <a:r>
+              <a:rPr lang="en-US" altLang="ko-KR" dirty="0"/>
+              <a:t/>
+            </a:r>
+            <a:br>
+              <a:rPr lang="en-US" altLang="ko-KR" dirty="0"/>
+            </a:br>
+            <a:r>
+              <a:rPr lang="en-US" altLang="ko-KR" dirty="0" smtClean="0"/>
+              <a:t>-&gt; </a:t>
+            </a:r>
+            <a:r>
+              <a:rPr lang="ko-KR" altLang="en-US" dirty="0" err="1" smtClean="0"/>
+              <a:t>버켓에</a:t>
+            </a:r>
+            <a:r>
+              <a:rPr lang="ko-KR" altLang="en-US" dirty="0" smtClean="0"/>
+              <a:t> 슬롯을 연결리스트로 이어줌</a:t>
+            </a:r>
+            <a:endParaRPr lang="en-US" altLang="ko-KR" dirty="0" smtClean="0"/>
+          </a:p>
+          <a:p>
+            <a:endParaRPr lang="en-US" altLang="ko-KR" dirty="0"/>
+          </a:p>
+          <a:p>
+            <a:r>
+              <a:rPr lang="ko-KR" altLang="en-US" dirty="0" smtClean="0"/>
+              <a:t>충돌이 발생하면 연결리스트를 늘려가며 데이터를 채움</a:t>
+            </a:r>
+            <a:endParaRPr lang="en-US" altLang="ko-KR" dirty="0" smtClean="0"/>
+          </a:p>
+          <a:p>
+            <a:endParaRPr lang="en-US" altLang="ko-KR" dirty="0"/>
+          </a:p>
+          <a:p>
+            <a:r>
+              <a:rPr lang="ko-KR" altLang="en-US" dirty="0" err="1" smtClean="0"/>
+              <a:t>해쉬</a:t>
+            </a:r>
+            <a:r>
+              <a:rPr lang="ko-KR" altLang="en-US" dirty="0" smtClean="0"/>
+              <a:t> </a:t>
+            </a:r>
+            <a:r>
+              <a:rPr lang="ko-KR" altLang="en-US" dirty="0" err="1" smtClean="0"/>
+              <a:t>맵은</a:t>
+            </a:r>
+            <a:r>
+              <a:rPr lang="ko-KR" altLang="en-US" dirty="0" smtClean="0"/>
+              <a:t> </a:t>
+            </a:r>
+            <a:r>
+              <a:rPr lang="en-US" altLang="ko-KR" dirty="0" smtClean="0"/>
+              <a:t>1</a:t>
+            </a:r>
+            <a:r>
+              <a:rPr lang="ko-KR" altLang="en-US" dirty="0" smtClean="0"/>
+              <a:t>학기 </a:t>
+            </a:r>
+            <a:r>
+              <a:rPr lang="ko-KR" altLang="en-US" dirty="0" err="1" smtClean="0">
+                <a:solidFill>
+                  <a:schemeClr val="accent1"/>
+                </a:solidFill>
+              </a:rPr>
+              <a:t>자구알</a:t>
+            </a:r>
+            <a:r>
+              <a:rPr lang="ko-KR" altLang="en-US" dirty="0" smtClean="0">
+                <a:solidFill>
+                  <a:schemeClr val="accent1"/>
+                </a:solidFill>
+              </a:rPr>
+              <a:t> 시간</a:t>
+            </a:r>
+            <a:r>
+              <a:rPr lang="ko-KR" altLang="en-US" dirty="0" smtClean="0"/>
+              <a:t>에 배운 것과 똑같은 자료구조이다</a:t>
+            </a:r>
+            <a:r>
+              <a:rPr lang="en-US" altLang="ko-KR" dirty="0" smtClean="0"/>
+              <a:t>.</a:t>
+            </a:r>
+          </a:p>
+          <a:p>
+            <a:endParaRPr lang="en-US" altLang="ko-KR" dirty="0"/>
+          </a:p>
+          <a:p>
+            <a:pPr marL="0" indent="0">
+              <a:buNone/>
+            </a:pPr>
+            <a:endParaRPr lang="en-US" altLang="ko-KR" dirty="0" smtClean="0"/>
+          </a:p>
+          <a:p>
+            <a:endParaRPr lang="en-US" altLang="ko-KR" dirty="0"/>
+          </a:p>
+        </p:txBody>
+      </p:sp>
+    </p:spTree>
+    <p:extLst>
+      <p:ext uri="{BB962C8B-B14F-4D97-AF65-F5344CB8AC3E}">
+        <p14:creationId xmlns:p14="http://schemas.microsoft.com/office/powerpoint/2010/main" val="1589424159"/>
+      </p:ext>
+    </p:extLst>
+  </p:cSld>
+  <p:clrMapOvr>
+    <a:masterClrMapping/>
+  </p:clrMapOvr>
+  <p:timing>
+    <p:tnLst>
+      <p:par>
+        <p:cTn id="1" dur="indefinite" restart="never" nodeType="tmRoot"/>
+      </p:par>
+    </p:tnLst>
+  </p:timing>
+</p:sld>
+</file>
+
+<file path=ppt/slides/slide2.xml><?xml version="1.0" encoding="utf-8"?>
+<p:sld xmlns:a="http://schemas.openxmlformats.org/drawingml/2006/main" xmlns:r="http://schemas.openxmlformats.org/officeDocument/2006/relationships" xmlns:p="http://schemas.openxmlformats.org/presentationml/2006/main">
+  <p:cSld>
+    <p:spTree>
+      <p:nvGrpSpPr>
+        <p:cNvPr id="1" name=""/>
+        <p:cNvGrpSpPr/>
+        <p:nvPr/>
+      </p:nvGrpSpPr>
+      <p:grpSpPr>
+        <a:xfrm>
+          <a:off x="0" y="0"/>
+          <a:ext cx="0" cy="0"/>
+          <a:chOff x="0" y="0"/>
+          <a:chExt cx="0" cy="0"/>
+        </a:xfrm>
+      </p:grpSpPr>
+      <p:sp>
+        <p:nvSpPr>
+          <p:cNvPr id="2" name="제목 1"/>
+          <p:cNvSpPr>
+            <a:spLocks noGrp="1"/>
+          </p:cNvSpPr>
+          <p:nvPr>
+            <p:ph type="title"/>
+          </p:nvPr>
+        </p:nvSpPr>
+        <p:spPr/>
+        <p:txBody>
+          <a:bodyPr/>
+          <a:lstStyle/>
+          <a:p>
+            <a:pPr algn="ctr"/>
+            <a:r>
+              <a:rPr lang="ko-KR" altLang="en-US" b="1" dirty="0" smtClean="0"/>
+              <a:t>템플릿</a:t>
+            </a:r>
+            <a:r>
+              <a:rPr lang="en-US" altLang="ko-KR" dirty="0" smtClean="0"/>
+              <a:t>(template)</a:t>
+            </a:r>
+            <a:endParaRPr lang="ko-KR" altLang="en-US" dirty="0"/>
+          </a:p>
+        </p:txBody>
+      </p:sp>
+      <p:sp>
+        <p:nvSpPr>
+          <p:cNvPr id="3" name="내용 개체 틀 2"/>
+          <p:cNvSpPr>
+            <a:spLocks noGrp="1"/>
+          </p:cNvSpPr>
+          <p:nvPr>
+            <p:ph idx="1"/>
+          </p:nvPr>
+        </p:nvSpPr>
+        <p:spPr/>
+        <p:txBody>
+          <a:bodyPr/>
+          <a:lstStyle/>
+          <a:p>
+            <a:r>
+              <a:rPr lang="en-US" altLang="ko-KR" dirty="0" smtClean="0">
+                <a:solidFill>
+                  <a:schemeClr val="accent1"/>
+                </a:solidFill>
+              </a:rPr>
+              <a:t>C++</a:t>
+            </a:r>
+            <a:r>
+              <a:rPr lang="ko-KR" altLang="en-US" dirty="0">
+                <a:solidFill>
+                  <a:schemeClr val="accent1"/>
+                </a:solidFill>
+              </a:rPr>
+              <a:t> 프로그래밍 </a:t>
+            </a:r>
+            <a:r>
+              <a:rPr lang="ko-KR" altLang="en-US" dirty="0"/>
+              <a:t>언어의 한 </a:t>
+            </a:r>
+            <a:r>
+              <a:rPr lang="ko-KR" altLang="en-US" dirty="0" smtClean="0"/>
+              <a:t>기능</a:t>
+            </a:r>
+            <a:endParaRPr lang="en-US" altLang="ko-KR" dirty="0" smtClean="0"/>
+          </a:p>
+          <a:p>
+            <a:endParaRPr lang="en-US" altLang="ko-KR" dirty="0" smtClean="0"/>
+          </a:p>
+          <a:p>
+            <a:r>
+              <a:rPr lang="ko-KR" altLang="en-US" dirty="0" smtClean="0"/>
+              <a:t>함수와 </a:t>
+            </a:r>
+            <a:r>
+              <a:rPr lang="ko-KR" altLang="en-US" dirty="0"/>
+              <a:t>클래스가 </a:t>
+            </a:r>
+            <a:r>
+              <a:rPr lang="en-US" altLang="ko-KR" dirty="0">
+                <a:solidFill>
+                  <a:schemeClr val="accent1"/>
+                </a:solidFill>
+              </a:rPr>
+              <a:t>Generic </a:t>
+            </a:r>
+            <a:r>
+              <a:rPr lang="en-US" altLang="ko-KR" dirty="0" smtClean="0">
+                <a:solidFill>
+                  <a:schemeClr val="accent1"/>
+                </a:solidFill>
+              </a:rPr>
+              <a:t>Programming</a:t>
+            </a:r>
+            <a:r>
+              <a:rPr lang="ko-KR" altLang="en-US" dirty="0"/>
+              <a:t> </a:t>
+            </a:r>
+            <a:r>
+              <a:rPr lang="ko-KR" altLang="en-US" dirty="0" smtClean="0"/>
+              <a:t>방식으로 동작 </a:t>
+            </a:r>
+            <a:r>
+              <a:rPr lang="ko-KR" altLang="en-US" dirty="0" smtClean="0"/>
+              <a:t>한다</a:t>
+            </a:r>
+            <a:r>
+              <a:rPr lang="en-US" altLang="ko-KR" dirty="0" smtClean="0"/>
+              <a:t>.</a:t>
+            </a:r>
+          </a:p>
+          <a:p>
+            <a:endParaRPr lang="en-US" altLang="ko-KR" dirty="0" smtClean="0"/>
+          </a:p>
+          <a:p>
+            <a:r>
+              <a:rPr lang="en-US" altLang="ko-KR" dirty="0" smtClean="0"/>
+              <a:t>Generic Programming</a:t>
+            </a:r>
+            <a:r>
+              <a:rPr lang="ko-KR" altLang="en-US" dirty="0" smtClean="0"/>
+              <a:t>은 함수나 클래스가 </a:t>
+            </a:r>
+            <a:r>
+              <a:rPr lang="ko-KR" altLang="en-US" dirty="0"/>
+              <a:t>개별적으로 다시 작성하지 않고도 각기 다른 수많은 </a:t>
+            </a:r>
+            <a:r>
+              <a:rPr lang="ko-KR" altLang="en-US" dirty="0" err="1" smtClean="0">
+                <a:solidFill>
+                  <a:schemeClr val="accent1"/>
+                </a:solidFill>
+              </a:rPr>
+              <a:t>자료형</a:t>
+            </a:r>
+            <a:r>
+              <a:rPr lang="ko-KR" altLang="en-US" dirty="0" err="1" smtClean="0"/>
+              <a:t>에서</a:t>
+            </a:r>
+            <a:r>
+              <a:rPr lang="ko-KR" altLang="en-US" dirty="0" smtClean="0"/>
+              <a:t> </a:t>
+            </a:r>
+            <a:r>
+              <a:rPr lang="ko-KR" altLang="en-US" dirty="0"/>
+              <a:t>동작할 수 있게 </a:t>
+            </a:r>
+            <a:r>
+              <a:rPr lang="ko-KR" altLang="en-US" dirty="0" smtClean="0"/>
+              <a:t>프로그래밍 하는 방식</a:t>
+            </a:r>
+            <a:r>
+              <a:rPr lang="en-US" altLang="ko-KR" dirty="0" smtClean="0"/>
+              <a:t>.</a:t>
+            </a:r>
+          </a:p>
+          <a:p>
+            <a:endParaRPr lang="en-US" altLang="ko-KR" dirty="0"/>
+          </a:p>
+          <a:p>
+            <a:r>
+              <a:rPr lang="en-US" altLang="ko-KR" dirty="0" smtClean="0">
+                <a:solidFill>
+                  <a:schemeClr val="accent5">
+                    <a:lumMod val="75000"/>
+                  </a:schemeClr>
+                </a:solidFill>
+              </a:rPr>
+              <a:t>-&gt;</a:t>
+            </a:r>
+            <a:r>
+              <a:rPr lang="ko-KR" altLang="en-US" dirty="0" smtClean="0">
+                <a:solidFill>
+                  <a:schemeClr val="accent5">
+                    <a:lumMod val="75000"/>
+                  </a:schemeClr>
+                </a:solidFill>
+              </a:rPr>
+              <a:t>전체적인 기능으로 정의 되어 있는 것</a:t>
+            </a:r>
+            <a:endParaRPr lang="ko-KR" altLang="en-US" dirty="0">
+              <a:solidFill>
+                <a:schemeClr val="accent5">
+                  <a:lumMod val="75000"/>
+                </a:schemeClr>
+              </a:solidFill>
+            </a:endParaRPr>
+          </a:p>
+        </p:txBody>
+      </p:sp>
+    </p:spTree>
+    <p:extLst>
+      <p:ext uri="{BB962C8B-B14F-4D97-AF65-F5344CB8AC3E}">
+        <p14:creationId xmlns:p14="http://schemas.microsoft.com/office/powerpoint/2010/main" val="461294809"/>
+      </p:ext>
+    </p:extLst>
+  </p:cSld>
+  <p:clrMapOvr>
+    <a:masterClrMapping/>
+  </p:clrMapOvr>
+  <p:timing>
+    <p:tnLst>
+      <p:par>
+        <p:cTn id="1" dur="indefinite" restart="never" nodeType="tmRoot"/>
+      </p:par>
+    </p:tnLst>
+  </p:timing>
+</p:sld>
+</file>
+
+<file path=ppt/slides/slide20.xml><?xml version="1.0" encoding="utf-8"?>
+<p:sld xmlns:a="http://schemas.openxmlformats.org/drawingml/2006/main" xmlns:r="http://schemas.openxmlformats.org/officeDocument/2006/relationships" xmlns:p="http://schemas.openxmlformats.org/presentationml/2006/main">
+  <p:cSld>
+    <p:spTree>
+      <p:nvGrpSpPr>
+        <p:cNvPr id="1" name=""/>
+        <p:cNvGrpSpPr/>
+        <p:nvPr/>
+      </p:nvGrpSpPr>
+      <p:grpSpPr>
+        <a:xfrm>
+          <a:off x="0" y="0"/>
+          <a:ext cx="0" cy="0"/>
+          <a:chOff x="0" y="0"/>
+          <a:chExt cx="0" cy="0"/>
+        </a:xfrm>
+      </p:grpSpPr>
+      <p:sp>
+        <p:nvSpPr>
+          <p:cNvPr id="2" name="제목 1"/>
+          <p:cNvSpPr>
+            <a:spLocks noGrp="1"/>
+          </p:cNvSpPr>
+          <p:nvPr>
+            <p:ph type="title"/>
+          </p:nvPr>
+        </p:nvSpPr>
+        <p:spPr/>
+        <p:txBody>
+          <a:bodyPr/>
+          <a:lstStyle/>
+          <a:p>
+            <a:pPr algn="ctr"/>
+            <a:r>
               <a:rPr lang="en-US" altLang="ko-KR" dirty="0" smtClean="0"/>
               <a:t>Hash Map(</a:t>
             </a:r>
@@ -3549,7 +6646,7 @@
 </p:sld>
 </file>
 
-<file path=ppt/slides/slide11.xml><?xml version="1.0" encoding="utf-8"?>
+<file path=ppt/slides/slide21.xml><?xml version="1.0" encoding="utf-8"?>
 <p:sld xmlns:a="http://schemas.openxmlformats.org/drawingml/2006/main" xmlns:r="http://schemas.openxmlformats.org/officeDocument/2006/relationships" xmlns:p="http://schemas.openxmlformats.org/presentationml/2006/main">
   <p:cSld>
     <p:spTree>
@@ -3655,7 +6752,7 @@
 </p:sld>
 </file>
 
-<file path=ppt/slides/slide12.xml><?xml version="1.0" encoding="utf-8"?>
+<file path=ppt/slides/slide22.xml><?xml version="1.0" encoding="utf-8"?>
 <p:sld xmlns:a="http://schemas.openxmlformats.org/drawingml/2006/main" xmlns:r="http://schemas.openxmlformats.org/officeDocument/2006/relationships" xmlns:p="http://schemas.openxmlformats.org/presentationml/2006/main">
   <p:cSld>
     <p:spTree>
@@ -3830,236 +6927,6 @@
     <p:extLst>
       <p:ext uri="{BB962C8B-B14F-4D97-AF65-F5344CB8AC3E}">
         <p14:creationId xmlns:p14="http://schemas.microsoft.com/office/powerpoint/2010/main" val="1968247025"/>
-      </p:ext>
-    </p:extLst>
-  </p:cSld>
-  <p:clrMapOvr>
-    <a:masterClrMapping/>
-  </p:clrMapOvr>
-  <p:timing>
-    <p:tnLst>
-      <p:par>
-        <p:cTn id="1" dur="indefinite" restart="never" nodeType="tmRoot"/>
-      </p:par>
-    </p:tnLst>
-  </p:timing>
-</p:sld>
-</file>
-
-<file path=ppt/slides/slide2.xml><?xml version="1.0" encoding="utf-8"?>
-<p:sld xmlns:a="http://schemas.openxmlformats.org/drawingml/2006/main" xmlns:r="http://schemas.openxmlformats.org/officeDocument/2006/relationships" xmlns:p="http://schemas.openxmlformats.org/presentationml/2006/main">
-  <p:cSld>
-    <p:spTree>
-      <p:nvGrpSpPr>
-        <p:cNvPr id="1" name=""/>
-        <p:cNvGrpSpPr/>
-        <p:nvPr/>
-      </p:nvGrpSpPr>
-      <p:grpSpPr>
-        <a:xfrm>
-          <a:off x="0" y="0"/>
-          <a:ext cx="0" cy="0"/>
-          <a:chOff x="0" y="0"/>
-          <a:chExt cx="0" cy="0"/>
-        </a:xfrm>
-      </p:grpSpPr>
-      <p:sp>
-        <p:nvSpPr>
-          <p:cNvPr id="2" name="제목 1"/>
-          <p:cNvSpPr>
-            <a:spLocks noGrp="1"/>
-          </p:cNvSpPr>
-          <p:nvPr>
-            <p:ph type="title"/>
-          </p:nvPr>
-        </p:nvSpPr>
-        <p:spPr/>
-        <p:txBody>
-          <a:bodyPr/>
-          <a:lstStyle/>
-          <a:p>
-            <a:pPr algn="ctr"/>
-            <a:r>
-              <a:rPr lang="ko-KR" altLang="en-US" b="1" dirty="0" smtClean="0"/>
-              <a:t>템플릿</a:t>
-            </a:r>
-            <a:r>
-              <a:rPr lang="en-US" altLang="ko-KR" dirty="0" smtClean="0"/>
-              <a:t>(template)</a:t>
-            </a:r>
-            <a:endParaRPr lang="ko-KR" altLang="en-US" dirty="0"/>
-          </a:p>
-        </p:txBody>
-      </p:sp>
-      <p:sp>
-        <p:nvSpPr>
-          <p:cNvPr id="3" name="내용 개체 틀 2"/>
-          <p:cNvSpPr>
-            <a:spLocks noGrp="1"/>
-          </p:cNvSpPr>
-          <p:nvPr>
-            <p:ph idx="1"/>
-          </p:nvPr>
-        </p:nvSpPr>
-        <p:spPr/>
-        <p:txBody>
-          <a:bodyPr/>
-          <a:lstStyle/>
-          <a:p>
-            <a:r>
-              <a:rPr lang="en-US" altLang="ko-KR" dirty="0" smtClean="0">
-                <a:solidFill>
-                  <a:schemeClr val="accent1"/>
-                </a:solidFill>
-              </a:rPr>
-              <a:t>C++</a:t>
-            </a:r>
-            <a:r>
-              <a:rPr lang="ko-KR" altLang="en-US" dirty="0">
-                <a:solidFill>
-                  <a:schemeClr val="accent1"/>
-                </a:solidFill>
-              </a:rPr>
-              <a:t> 프로그래밍 </a:t>
-            </a:r>
-            <a:r>
-              <a:rPr lang="ko-KR" altLang="en-US" dirty="0"/>
-              <a:t>언어의 한 </a:t>
-            </a:r>
-            <a:r>
-              <a:rPr lang="ko-KR" altLang="en-US" dirty="0" smtClean="0"/>
-              <a:t>기능</a:t>
-            </a:r>
-            <a:endParaRPr lang="en-US" altLang="ko-KR" dirty="0" smtClean="0"/>
-          </a:p>
-          <a:p>
-            <a:endParaRPr lang="en-US" altLang="ko-KR" dirty="0" smtClean="0"/>
-          </a:p>
-          <a:p>
-            <a:r>
-              <a:rPr lang="ko-KR" altLang="en-US" dirty="0" smtClean="0"/>
-              <a:t>함수와 </a:t>
-            </a:r>
-            <a:r>
-              <a:rPr lang="ko-KR" altLang="en-US" dirty="0"/>
-              <a:t>클래스가 </a:t>
-            </a:r>
-            <a:r>
-              <a:rPr lang="en-US" altLang="ko-KR" dirty="0">
-                <a:solidFill>
-                  <a:schemeClr val="accent1"/>
-                </a:solidFill>
-              </a:rPr>
-              <a:t>Generic </a:t>
-            </a:r>
-            <a:r>
-              <a:rPr lang="en-US" altLang="ko-KR" dirty="0" smtClean="0">
-                <a:solidFill>
-                  <a:schemeClr val="accent1"/>
-                </a:solidFill>
-              </a:rPr>
-              <a:t>Programming</a:t>
-            </a:r>
-            <a:r>
-              <a:rPr lang="ko-KR" altLang="en-US" dirty="0"/>
-              <a:t> </a:t>
-            </a:r>
-            <a:r>
-              <a:rPr lang="ko-KR" altLang="en-US" dirty="0" smtClean="0"/>
-              <a:t>방식으로 동작 </a:t>
-            </a:r>
-            <a:r>
-              <a:rPr lang="ko-KR" altLang="en-US" dirty="0"/>
-              <a:t>준다</a:t>
-            </a:r>
-            <a:r>
-              <a:rPr lang="en-US" altLang="ko-KR" dirty="0" smtClean="0"/>
-              <a:t>.</a:t>
-            </a:r>
-          </a:p>
-          <a:p>
-            <a:endParaRPr lang="en-US" altLang="ko-KR" dirty="0" smtClean="0"/>
-          </a:p>
-          <a:p>
-            <a:r>
-              <a:rPr lang="en-US" altLang="ko-KR" dirty="0" smtClean="0"/>
-              <a:t>Generic Programming</a:t>
-            </a:r>
-            <a:r>
-              <a:rPr lang="ko-KR" altLang="en-US" dirty="0" smtClean="0"/>
-              <a:t>은 함수나 클래스가 </a:t>
-            </a:r>
-            <a:r>
-              <a:rPr lang="ko-KR" altLang="en-US" dirty="0"/>
-              <a:t>개별적으로 다시 작성하지 않고도 각기 다른 수많은 </a:t>
-            </a:r>
-            <a:r>
-              <a:rPr lang="ko-KR" altLang="en-US" dirty="0" err="1" smtClean="0">
-                <a:solidFill>
-                  <a:schemeClr val="accent1"/>
-                </a:solidFill>
-              </a:rPr>
-              <a:t>자료형</a:t>
-            </a:r>
-            <a:r>
-              <a:rPr lang="ko-KR" altLang="en-US" dirty="0" err="1" smtClean="0"/>
-              <a:t>에서</a:t>
-            </a:r>
-            <a:r>
-              <a:rPr lang="ko-KR" altLang="en-US" dirty="0" smtClean="0"/>
-              <a:t> </a:t>
-            </a:r>
-            <a:r>
-              <a:rPr lang="ko-KR" altLang="en-US" dirty="0"/>
-              <a:t>동작할 수 있게 </a:t>
-            </a:r>
-            <a:r>
-              <a:rPr lang="ko-KR" altLang="en-US" dirty="0" smtClean="0"/>
-              <a:t>프로그래밍 하는 방식</a:t>
-            </a:r>
-            <a:r>
-              <a:rPr lang="en-US" altLang="ko-KR" dirty="0" smtClean="0"/>
-              <a:t>.</a:t>
-            </a:r>
-          </a:p>
-          <a:p>
-            <a:endParaRPr lang="en-US" altLang="ko-KR" dirty="0"/>
-          </a:p>
-          <a:p>
-            <a:r>
-              <a:rPr lang="en-US" altLang="ko-KR" dirty="0" smtClean="0">
-                <a:solidFill>
-                  <a:schemeClr val="accent5">
-                    <a:lumMod val="75000"/>
-                  </a:schemeClr>
-                </a:solidFill>
-              </a:rPr>
-              <a:t>-&gt;</a:t>
-            </a:r>
-            <a:r>
-              <a:rPr lang="ko-KR" altLang="en-US" dirty="0" smtClean="0">
-                <a:solidFill>
-                  <a:schemeClr val="accent5">
-                    <a:lumMod val="75000"/>
-                  </a:schemeClr>
-                </a:solidFill>
-              </a:rPr>
-              <a:t>전체적인 기능으로 정의 되어 있는 것</a:t>
-            </a:r>
-            <a:endParaRPr lang="ko-KR" altLang="en-US" dirty="0">
-              <a:solidFill>
-                <a:schemeClr val="accent5">
-                  <a:lumMod val="75000"/>
-                </a:schemeClr>
-              </a:solidFill>
-            </a:endParaRPr>
-          </a:p>
-        </p:txBody>
-      </p:sp>
-    </p:spTree>
-    <p:extLst>
-      <p:ext uri="{BB962C8B-B14F-4D97-AF65-F5344CB8AC3E}">
-        <p14:creationId xmlns:p14="http://schemas.microsoft.com/office/powerpoint/2010/main" val="461294809"/>
       </p:ext>
     </p:extLst>
   </p:cSld>
@@ -4348,7 +7215,11 @@
             </a:r>
             <a:r>
               <a:rPr lang="ko-KR" altLang="en-US" dirty="0" smtClean="0"/>
-              <a:t>의 쓰임</a:t>
+              <a:t> 의 반복자</a:t>
+            </a:r>
+            <a:r>
+              <a:rPr lang="en-US" altLang="ko-KR" dirty="0" smtClean="0"/>
+              <a:t>-1</a:t>
             </a:r>
             <a:endParaRPr lang="ko-KR" altLang="en-US" dirty="0"/>
           </a:p>
@@ -4366,20 +7237,62 @@
         </p:nvSpPr>
         <p:spPr/>
         <p:txBody>
-          <a:bodyPr/>
+          <a:bodyPr>
+            <a:normAutofit/>
+          </a:bodyPr>
           <a:lstStyle/>
           <a:p>
             <a:r>
               <a:rPr lang="ko-KR" altLang="en-US" dirty="0" smtClean="0"/>
-              <a:t>프로그래머</a:t>
+              <a:t>포인터</a:t>
             </a:r>
             <a:r>
               <a:rPr lang="ko-KR" altLang="en-US" dirty="0"/>
-              <a:t>가 </a:t>
-            </a:r>
-            <a:r>
-              <a:rPr lang="ko-KR" altLang="en-US" dirty="0" smtClean="0"/>
-              <a:t>자주 사용하는 자료구조</a:t>
+              <a:t>를 </a:t>
+            </a:r>
+            <a:r>
+              <a:rPr lang="ko-KR" altLang="en-US" dirty="0" smtClean="0"/>
+              <a:t>추상화한 클래스 객체</a:t>
+            </a:r>
+            <a:r>
+              <a:rPr lang="en-US" altLang="ko-KR" dirty="0" smtClean="0"/>
+              <a:t/>
+            </a:r>
+            <a:br>
+              <a:rPr lang="en-US" altLang="ko-KR" dirty="0" smtClean="0"/>
+            </a:br>
+            <a:r>
+              <a:rPr lang="en-US" altLang="ko-KR" dirty="0" smtClean="0"/>
+              <a:t>-&gt; </a:t>
+            </a:r>
+            <a:r>
+              <a:rPr lang="ko-KR" altLang="en-US" dirty="0" smtClean="0">
+                <a:solidFill>
+                  <a:schemeClr val="accent1"/>
+                </a:solidFill>
+              </a:rPr>
+              <a:t>포인터</a:t>
+            </a:r>
+            <a:r>
+              <a:rPr lang="ko-KR" altLang="en-US" dirty="0" smtClean="0"/>
+              <a:t>와 비슷하지만 더 많은 기능을 함</a:t>
+            </a:r>
+            <a:r>
+              <a:rPr lang="en-US" altLang="ko-KR" dirty="0" smtClean="0"/>
+              <a:t>.</a:t>
+            </a:r>
+          </a:p>
+          <a:p>
+            <a:endParaRPr lang="en-US" altLang="ko-KR" dirty="0" smtClean="0"/>
+          </a:p>
+          <a:p>
+            <a:r>
+              <a:rPr lang="ko-KR" altLang="en-US" dirty="0" smtClean="0"/>
+              <a:t>읽</a:t>
+            </a:r>
+            <a:r>
+              <a:rPr lang="ko-KR" altLang="en-US" dirty="0"/>
+              <a:t>기</a:t>
             </a:r>
             <a:r>
               <a:rPr lang="en-US" altLang="ko-KR" dirty="0" smtClean="0"/>
@@ -4387,11 +7300,38 @@
             </a:r>
             <a:r>
               <a:rPr lang="ko-KR" altLang="en-US" dirty="0" smtClean="0"/>
-              <a:t>알고리즘을 라이브러리로 제공 </a:t>
-            </a:r>
-            <a:r>
-              <a:rPr lang="en-US" altLang="ko-KR" dirty="0" smtClean="0"/>
-              <a:t>-&gt; </a:t>
+              <a:t>멤버읽기</a:t>
+            </a:r>
+            <a:r>
+              <a:rPr lang="en-US" altLang="ko-KR" dirty="0" smtClean="0"/>
+              <a:t>, </a:t>
+            </a:r>
+            <a:r>
+              <a:rPr lang="ko-KR" altLang="en-US" dirty="0" err="1" smtClean="0"/>
+              <a:t>전방향이동</a:t>
+            </a:r>
+            <a:r>
+              <a:rPr lang="en-US" altLang="ko-KR" dirty="0" smtClean="0"/>
+              <a:t>, </a:t>
+            </a:r>
+            <a:r>
+              <a:rPr lang="ko-KR" altLang="en-US" dirty="0" smtClean="0"/>
+              <a:t>비교 연산 등이 가능하다</a:t>
+            </a:r>
+            <a:r>
+              <a:rPr lang="en-US" altLang="ko-KR" dirty="0" smtClean="0"/>
+              <a:t>.</a:t>
+            </a:r>
+            <a:br>
+              <a:rPr lang="en-US" altLang="ko-KR" dirty="0" smtClean="0"/>
+            </a:br>
+            <a:r>
+              <a:rPr lang="en-US" altLang="ko-KR" dirty="0" smtClean="0"/>
+              <a:t>-&gt;</a:t>
+            </a:r>
+            <a:r>
+              <a:rPr lang="ko-KR" altLang="en-US" dirty="0" smtClean="0"/>
+              <a:t>반복자로 컨테이너의 </a:t>
             </a:r>
             <a:r>
               <a:rPr lang="ko-KR" altLang="en-US" dirty="0" smtClean="0">
@@ -4399,216 +7339,135 @@
                   <a:schemeClr val="accent1"/>
                 </a:solidFill>
               </a:rPr>
-              <a:t>직접 구현할 필요가 없다</a:t>
+              <a:t>원소들에 접근가능</a:t>
+            </a:r>
+            <a:endParaRPr lang="en-US" altLang="ko-KR" dirty="0" smtClean="0">
+              <a:solidFill>
+                <a:schemeClr val="accent1"/>
+              </a:solidFill>
+            </a:endParaRPr>
+          </a:p>
+          <a:p>
+            <a:endParaRPr lang="en-US" altLang="ko-KR" dirty="0">
+              <a:solidFill>
+                <a:schemeClr val="accent1"/>
+              </a:solidFill>
+            </a:endParaRPr>
+          </a:p>
+          <a:p>
+            <a:r>
+              <a:rPr lang="en-US" altLang="ko-KR" dirty="0" smtClean="0"/>
+              <a:t>STL </a:t>
+            </a:r>
+            <a:r>
+              <a:rPr lang="ko-KR" altLang="en-US" dirty="0" smtClean="0"/>
+              <a:t>컨테이너가 반환하는 반복자 값은 원소의 </a:t>
+            </a:r>
+            <a:r>
+              <a:rPr lang="ko-KR" altLang="en-US" dirty="0" err="1" smtClean="0"/>
+              <a:t>첫번째를</a:t>
+            </a:r>
+            <a:r>
+              <a:rPr lang="ko-KR" altLang="en-US" dirty="0" smtClean="0"/>
+              <a:t> 반환하는 </a:t>
+            </a:r>
+            <a:r>
+              <a:rPr lang="en-US" altLang="ko-KR" dirty="0" smtClean="0"/>
+              <a:t>*.begin(), </a:t>
+            </a:r>
+            <a:r>
+              <a:rPr lang="ko-KR" altLang="en-US" dirty="0" smtClean="0"/>
+              <a:t>원소의 끝</a:t>
+            </a:r>
+            <a:r>
+              <a:rPr lang="en-US" altLang="ko-KR" dirty="0" smtClean="0"/>
+              <a:t>+1</a:t>
+            </a:r>
+            <a:r>
+              <a:rPr lang="ko-KR" altLang="en-US" dirty="0" smtClean="0"/>
+              <a:t>번째를 반환하는 </a:t>
+            </a:r>
+            <a:r>
+              <a:rPr lang="en-US" altLang="ko-KR" dirty="0" smtClean="0"/>
+              <a:t>*.end() </a:t>
+            </a:r>
+            <a:r>
+              <a:rPr lang="ko-KR" altLang="en-US" dirty="0" smtClean="0"/>
+              <a:t>가 있다</a:t>
             </a:r>
             <a:r>
               <a:rPr lang="en-US" altLang="ko-KR" dirty="0" smtClean="0"/>
               <a:t>.</a:t>
             </a:r>
-          </a:p>
-          <a:p>
+            <a:br>
+              <a:rPr lang="en-US" altLang="ko-KR" dirty="0" smtClean="0"/>
+            </a:br>
+            <a:r>
+              <a:rPr lang="en-US" altLang="ko-KR" dirty="0" smtClean="0"/>
+              <a:t>-&gt;</a:t>
+            </a:r>
+            <a:r>
+              <a:rPr lang="ko-KR" altLang="en-US" dirty="0" smtClean="0"/>
+              <a:t>즉 </a:t>
+            </a:r>
+            <a:r>
+              <a:rPr lang="ko-KR" altLang="en-US" dirty="0" smtClean="0">
+                <a:solidFill>
+                  <a:schemeClr val="accent1"/>
+                </a:solidFill>
+              </a:rPr>
+              <a:t>원소가</a:t>
+            </a:r>
+            <a:r>
+              <a:rPr lang="en-US" altLang="ko-KR" dirty="0" smtClean="0">
+                <a:solidFill>
+                  <a:schemeClr val="accent1"/>
+                </a:solidFill>
+              </a:rPr>
+              <a:t> </a:t>
+            </a:r>
+            <a:r>
+              <a:rPr lang="ko-KR" altLang="en-US" dirty="0" smtClean="0">
+                <a:solidFill>
+                  <a:schemeClr val="accent1"/>
+                </a:solidFill>
+              </a:rPr>
+              <a:t>존재하는 구간은  </a:t>
+            </a:r>
+            <a:r>
+              <a:rPr lang="en-US" altLang="ko-KR" dirty="0">
+                <a:solidFill>
+                  <a:schemeClr val="accent1"/>
+                </a:solidFill>
+              </a:rPr>
+              <a:t> </a:t>
+            </a:r>
+            <a:r>
+              <a:rPr lang="en-US" altLang="ko-KR" dirty="0" smtClean="0">
+                <a:solidFill>
+                  <a:schemeClr val="accent1"/>
+                </a:solidFill>
+              </a:rPr>
+              <a:t>[begin ~ end )</a:t>
+            </a:r>
+            <a:endParaRPr lang="en-US" altLang="ko-KR" dirty="0" smtClean="0">
+              <a:solidFill>
+                <a:schemeClr val="accent1"/>
+              </a:solidFill>
+            </a:endParaRPr>
+          </a:p>
+          <a:p>
+            <a:pPr marL="0" indent="0">
+              <a:buNone/>
+            </a:pPr>
             <a:endParaRPr lang="en-US" altLang="ko-KR" dirty="0" smtClean="0"/>
-          </a:p>
-          <a:p>
-            <a:r>
-              <a:rPr lang="ko-KR" altLang="en-US" dirty="0" err="1" smtClean="0"/>
-              <a:t>오랜시</a:t>
-            </a:r>
-            <a:r>
-              <a:rPr lang="ko-KR" altLang="en-US" dirty="0" err="1"/>
-              <a:t>간</a:t>
-            </a:r>
-            <a:r>
-              <a:rPr lang="ko-KR" altLang="en-US" dirty="0"/>
-              <a:t> </a:t>
-            </a:r>
-            <a:r>
-              <a:rPr lang="ko-KR" altLang="en-US" dirty="0" smtClean="0"/>
-              <a:t>검증되었으므로 안전하게 사용 할 수 있다</a:t>
-            </a:r>
-            <a:r>
-              <a:rPr lang="en-US" altLang="ko-KR" dirty="0" smtClean="0"/>
-              <a:t>                        </a:t>
-            </a:r>
-            <a:br>
-              <a:rPr lang="en-US" altLang="ko-KR" dirty="0" smtClean="0"/>
-            </a:br>
-            <a:r>
-              <a:rPr lang="en-US" altLang="ko-KR" dirty="0" smtClean="0"/>
-              <a:t>-&gt;</a:t>
-            </a:r>
-            <a:r>
-              <a:rPr lang="ko-KR" altLang="en-US" dirty="0" smtClean="0">
-                <a:solidFill>
-                  <a:schemeClr val="accent1"/>
-                </a:solidFill>
-              </a:rPr>
-              <a:t>직</a:t>
-            </a:r>
-            <a:r>
-              <a:rPr lang="ko-KR" altLang="en-US" dirty="0">
-                <a:solidFill>
-                  <a:schemeClr val="accent1"/>
-                </a:solidFill>
-              </a:rPr>
-              <a:t>접 </a:t>
-            </a:r>
-            <a:r>
-              <a:rPr lang="ko-KR" altLang="en-US" dirty="0" err="1" smtClean="0">
-                <a:solidFill>
-                  <a:schemeClr val="accent1"/>
-                </a:solidFill>
-              </a:rPr>
-              <a:t>구현시</a:t>
-            </a:r>
-            <a:r>
-              <a:rPr lang="ko-KR" altLang="en-US" dirty="0" smtClean="0">
-                <a:solidFill>
-                  <a:schemeClr val="accent1"/>
-                </a:solidFill>
-              </a:rPr>
-              <a:t> 발생하는 버그 걱정 </a:t>
-            </a:r>
-            <a:r>
-              <a:rPr lang="en-US" altLang="ko-KR" dirty="0" smtClean="0">
-                <a:solidFill>
-                  <a:schemeClr val="accent1"/>
-                </a:solidFill>
-              </a:rPr>
-              <a:t>X</a:t>
-            </a:r>
-          </a:p>
-          <a:p>
-            <a:endParaRPr lang="en-US" altLang="ko-KR" dirty="0" smtClean="0"/>
-          </a:p>
-          <a:p>
-            <a:r>
-              <a:rPr lang="ko-KR" altLang="en-US" dirty="0" smtClean="0"/>
-              <a:t>최적화되어 있어 일반적으로 성능이 좋다</a:t>
-            </a:r>
-            <a:r>
-              <a:rPr lang="en-US" altLang="ko-KR" dirty="0" smtClean="0"/>
-              <a:t/>
-            </a:r>
-            <a:br>
-              <a:rPr lang="en-US" altLang="ko-KR" dirty="0" smtClean="0"/>
-            </a:br>
-            <a:r>
-              <a:rPr lang="en-US" altLang="ko-KR" dirty="0" smtClean="0"/>
-              <a:t>-&gt; </a:t>
-            </a:r>
-            <a:r>
-              <a:rPr lang="ko-KR" altLang="en-US" dirty="0" smtClean="0">
-                <a:solidFill>
-                  <a:schemeClr val="accent1"/>
-                </a:solidFill>
-              </a:rPr>
-              <a:t>웬만</a:t>
-            </a:r>
-            <a:r>
-              <a:rPr lang="ko-KR" altLang="en-US" dirty="0">
-                <a:solidFill>
-                  <a:schemeClr val="accent1"/>
-                </a:solidFill>
-              </a:rPr>
-              <a:t>큼 </a:t>
-            </a:r>
-            <a:r>
-              <a:rPr lang="ko-KR" altLang="en-US" dirty="0" smtClean="0">
-                <a:solidFill>
-                  <a:schemeClr val="accent1"/>
-                </a:solidFill>
-              </a:rPr>
-              <a:t>최적화해</a:t>
-            </a:r>
-            <a:r>
-              <a:rPr lang="ko-KR" altLang="en-US" dirty="0">
-                <a:solidFill>
-                  <a:schemeClr val="accent1"/>
-                </a:solidFill>
-              </a:rPr>
-              <a:t>서 </a:t>
-            </a:r>
-            <a:r>
-              <a:rPr lang="ko-KR" altLang="en-US" dirty="0" smtClean="0">
-                <a:solidFill>
-                  <a:schemeClr val="accent1"/>
-                </a:solidFill>
-              </a:rPr>
-              <a:t>구현 </a:t>
-            </a:r>
-            <a:r>
-              <a:rPr lang="ko-KR" altLang="en-US" dirty="0" err="1" smtClean="0">
-                <a:solidFill>
-                  <a:schemeClr val="accent1"/>
-                </a:solidFill>
-              </a:rPr>
-              <a:t>안하면</a:t>
-            </a:r>
-            <a:r>
-              <a:rPr lang="ko-KR" altLang="en-US" dirty="0" smtClean="0">
-                <a:solidFill>
-                  <a:schemeClr val="accent1"/>
-                </a:solidFill>
-              </a:rPr>
-              <a:t> </a:t>
-            </a:r>
-            <a:r>
-              <a:rPr lang="en-US" altLang="ko-KR" dirty="0" smtClean="0">
-                <a:solidFill>
-                  <a:schemeClr val="accent1"/>
-                </a:solidFill>
-              </a:rPr>
-              <a:t>STL</a:t>
-            </a:r>
-            <a:r>
-              <a:rPr lang="ko-KR" altLang="en-US" dirty="0" smtClean="0">
-                <a:solidFill>
-                  <a:schemeClr val="accent1"/>
-                </a:solidFill>
-              </a:rPr>
-              <a:t>성능이 좋다고 한다</a:t>
-            </a:r>
-            <a:r>
-              <a:rPr lang="en-US" altLang="ko-KR" dirty="0" smtClean="0"/>
-              <a:t>.</a:t>
-            </a:r>
-          </a:p>
-          <a:p>
-            <a:pPr marL="0" indent="0">
-              <a:buNone/>
-            </a:pPr>
-            <a:r>
-              <a:rPr lang="ko-KR" altLang="en-US" dirty="0" smtClean="0"/>
-              <a:t>특히</a:t>
-            </a:r>
-            <a:r>
-              <a:rPr lang="ko-KR" altLang="en-US" dirty="0"/>
-              <a:t>나 </a:t>
-            </a:r>
-            <a:r>
-              <a:rPr lang="ko-KR" altLang="en-US" dirty="0" smtClean="0"/>
-              <a:t>컨테이너 라이브러리가 매우 유용하다</a:t>
-            </a:r>
-            <a:r>
-              <a:rPr lang="en-US" altLang="ko-KR" dirty="0" smtClean="0"/>
-              <a:t>(</a:t>
-            </a:r>
-            <a:r>
-              <a:rPr lang="ko-KR" altLang="en-US" dirty="0" smtClean="0"/>
-              <a:t>데이터 관리</a:t>
-            </a:r>
-            <a:r>
-              <a:rPr lang="en-US" altLang="ko-KR" dirty="0" smtClean="0"/>
-              <a:t>)</a:t>
-            </a:r>
           </a:p>
         </p:txBody>
       </p:sp>
     </p:spTree>
     <p:extLst>
       <p:ext uri="{BB962C8B-B14F-4D97-AF65-F5344CB8AC3E}">
-        <p14:creationId xmlns:p14="http://schemas.microsoft.com/office/powerpoint/2010/main" val="177107389"/>
+        <p14:creationId xmlns:p14="http://schemas.microsoft.com/office/powerpoint/2010/main" val="1341010204"/>
       </p:ext>
     </p:extLst>
   </p:cSld>
@@ -4659,12 +7518,16 @@
           <a:p>
             <a:pPr algn="ctr"/>
             <a:r>
-              <a:rPr lang="ko-KR" altLang="en-US" dirty="0" smtClean="0"/>
-              <a:t>벡터</a:t>
-            </a:r>
-            <a:r>
-              <a:rPr lang="en-US" altLang="ko-KR" dirty="0" smtClean="0"/>
-              <a:t>(vector)</a:t>
+              <a:rPr lang="en-US" altLang="ko-KR" dirty="0" smtClean="0"/>
+              <a:t>STL</a:t>
+            </a:r>
+            <a:r>
+              <a:rPr lang="ko-KR" altLang="en-US" dirty="0" smtClean="0"/>
+              <a:t> 의 반복자</a:t>
+            </a:r>
+            <a:r>
+              <a:rPr lang="en-US" altLang="ko-KR" dirty="0" smtClean="0"/>
+              <a:t>-2</a:t>
             </a:r>
             <a:endParaRPr lang="ko-KR" altLang="en-US" dirty="0"/>
           </a:p>
@@ -4680,14 +7543,25 @@
             <p:ph idx="1"/>
           </p:nvPr>
         </p:nvSpPr>
-        <p:spPr/>
-        <p:txBody>
-          <a:bodyPr/>
+        <p:spPr>
+          <a:xfrm>
+            <a:off x="838200" y="1482811"/>
+            <a:ext cx="10515600" cy="4694152"/>
+          </a:xfrm>
+        </p:spPr>
+        <p:txBody>
+          <a:bodyPr>
+            <a:normAutofit lnSpcReduction="10000"/>
+          </a:bodyPr>
           <a:lstStyle/>
           <a:p>
             <a:r>
-              <a:rPr lang="ko-KR" altLang="en-US" dirty="0" smtClean="0"/>
-              <a:t>배열과 비슷한 기능을 하는 라이브러리</a:t>
+              <a:rPr lang="en-US" altLang="ko-KR" dirty="0" err="1" smtClean="0"/>
+              <a:t>Const_iterator</a:t>
+            </a:r>
+            <a:r>
+              <a:rPr lang="ko-KR" altLang="en-US" dirty="0" smtClean="0"/>
+              <a:t>는 쓰기가 불가능</a:t>
             </a:r>
             <a:r>
               <a:rPr lang="en-US" altLang="ko-KR" dirty="0" smtClean="0"/>
@@ -4698,56 +7572,146 @@
             </a:br>
             <a:r>
               <a:rPr lang="en-US" altLang="ko-KR" dirty="0" smtClean="0"/>
-              <a:t>-&gt;</a:t>
-            </a:r>
-            <a:r>
-              <a:rPr lang="ko-KR" altLang="en-US" dirty="0" smtClean="0"/>
-              <a:t>배열과 달리 </a:t>
-            </a:r>
-            <a:r>
-              <a:rPr lang="en-US" altLang="ko-KR" dirty="0" smtClean="0"/>
-              <a:t>vector</a:t>
-            </a:r>
-            <a:r>
-              <a:rPr lang="ko-KR" altLang="en-US" dirty="0" smtClean="0"/>
+              <a:t>-&gt; </a:t>
+            </a:r>
+            <a:r>
+              <a:rPr lang="ko-KR" altLang="en-US" dirty="0" smtClean="0">
+                <a:solidFill>
+                  <a:schemeClr val="accent1"/>
+                </a:solidFill>
+              </a:rPr>
+              <a:t>읽기만 가능</a:t>
+            </a:r>
+            <a:r>
+              <a:rPr lang="en-US" altLang="ko-KR" dirty="0" smtClean="0"/>
+              <a:t>(</a:t>
+            </a:r>
+            <a:r>
+              <a:rPr lang="en-US" altLang="ko-KR" dirty="0" err="1" smtClean="0"/>
+              <a:t>const</a:t>
+            </a:r>
+            <a:r>
+              <a:rPr lang="ko-KR" altLang="en-US" dirty="0"/>
               <a:t>는 </a:t>
             </a:r>
             <a:r>
+              <a:rPr lang="ko-KR" altLang="en-US" dirty="0" smtClean="0"/>
+              <a:t>상수여서 변경을 못하는 것 과 같</a:t>
+            </a:r>
+            <a:r>
+              <a:rPr lang="ko-KR" altLang="en-US" dirty="0"/>
+              <a:t>다</a:t>
+            </a:r>
+            <a:r>
+              <a:rPr lang="en-US" altLang="ko-KR" dirty="0"/>
+              <a:t>)</a:t>
+            </a:r>
+            <a:endParaRPr lang="en-US" altLang="ko-KR" dirty="0" smtClean="0"/>
+          </a:p>
+          <a:p>
+            <a:endParaRPr lang="en-US" altLang="ko-KR" dirty="0" smtClean="0"/>
+          </a:p>
+          <a:p>
+            <a:r>
+              <a:rPr lang="en-US" altLang="ko-KR" dirty="0" smtClean="0"/>
+              <a:t>Iterator</a:t>
+            </a:r>
+            <a:r>
+              <a:rPr lang="ko-KR" altLang="en-US" dirty="0" smtClean="0"/>
+              <a:t>는 읽기</a:t>
+            </a:r>
+            <a:r>
+              <a:rPr lang="en-US" altLang="ko-KR" dirty="0" smtClean="0"/>
+              <a:t>, </a:t>
+            </a:r>
+            <a:r>
+              <a:rPr lang="ko-KR" altLang="en-US" dirty="0" smtClean="0"/>
+              <a:t>쓰기 가능</a:t>
+            </a:r>
+            <a:r>
+              <a:rPr lang="en-US" altLang="ko-KR" dirty="0"/>
+              <a:t/>
+            </a:r>
+            <a:br>
+              <a:rPr lang="en-US" altLang="ko-KR" dirty="0"/>
+            </a:br>
+            <a:r>
+              <a:rPr lang="en-US" altLang="ko-KR" dirty="0" smtClean="0"/>
+              <a:t>-&gt; </a:t>
+            </a:r>
+            <a:r>
+              <a:rPr lang="ko-KR" altLang="en-US" dirty="0" smtClean="0"/>
+              <a:t>반복자를 이용한 컨테이너</a:t>
+            </a:r>
+            <a:r>
+              <a:rPr lang="ko-KR" altLang="en-US" dirty="0"/>
+              <a:t>의 </a:t>
+            </a:r>
+            <a:r>
+              <a:rPr lang="ko-KR" altLang="en-US" dirty="0" smtClean="0"/>
+              <a:t>직접 </a:t>
+            </a:r>
+            <a:r>
               <a:rPr lang="ko-KR" altLang="en-US" dirty="0" smtClean="0">
                 <a:solidFill>
                   <a:schemeClr val="accent1"/>
                 </a:solidFill>
               </a:rPr>
-              <a:t>크기 변화가 동적임</a:t>
-            </a:r>
-            <a:r>
-              <a:rPr lang="en-US" altLang="ko-KR" dirty="0" smtClean="0"/>
-              <a:t>(</a:t>
-            </a:r>
-            <a:r>
-              <a:rPr lang="ko-KR" altLang="en-US" dirty="0" smtClean="0"/>
-              <a:t>실제 내부적으로는 </a:t>
+              <a:t>수정 가능</a:t>
+            </a:r>
+            <a:endParaRPr lang="en-US" altLang="ko-KR" dirty="0" smtClean="0">
+              <a:solidFill>
+                <a:schemeClr val="accent1"/>
+              </a:solidFill>
+            </a:endParaRPr>
+          </a:p>
+          <a:p>
+            <a:endParaRPr lang="en-US" altLang="ko-KR" dirty="0">
+              <a:solidFill>
+                <a:schemeClr val="accent1"/>
+              </a:solidFill>
+            </a:endParaRPr>
+          </a:p>
+          <a:p>
+            <a:r>
+              <a:rPr lang="ko-KR" altLang="en-US" dirty="0" smtClean="0">
+                <a:solidFill>
+                  <a:schemeClr val="accent1"/>
+                </a:solidFill>
+              </a:rPr>
+              <a:t>입</a:t>
+            </a:r>
+            <a:r>
+              <a:rPr lang="ko-KR" altLang="en-US" dirty="0">
+                <a:solidFill>
+                  <a:schemeClr val="accent1"/>
+                </a:solidFill>
+              </a:rPr>
+              <a:t>력</a:t>
+            </a:r>
+            <a:r>
+              <a:rPr lang="ko-KR" altLang="en-US" dirty="0"/>
+              <a:t> </a:t>
+            </a:r>
+            <a:r>
+              <a:rPr lang="ko-KR" altLang="en-US" dirty="0" smtClean="0">
+                <a:solidFill>
+                  <a:schemeClr val="accent1"/>
+                </a:solidFill>
+              </a:rPr>
+              <a:t>반복자</a:t>
+            </a:r>
+            <a:r>
+              <a:rPr lang="en-US" altLang="ko-KR" dirty="0" smtClean="0"/>
+              <a:t>-</a:t>
             </a:r>
             <a:r>
               <a:rPr lang="ko-KR" altLang="en-US" dirty="0" err="1" smtClean="0"/>
-              <a:t>동적배열로</a:t>
-            </a:r>
-            <a:r>
-              <a:rPr lang="ko-KR" altLang="en-US" dirty="0" smtClean="0"/>
-              <a:t> 구현</a:t>
-            </a:r>
-            <a:r>
-              <a:rPr lang="en-US" altLang="ko-KR" dirty="0" smtClean="0"/>
-              <a:t>)</a:t>
-            </a:r>
-          </a:p>
-          <a:p>
-            <a:endParaRPr lang="en-US" altLang="ko-KR" dirty="0"/>
-          </a:p>
-          <a:p>
-            <a:r>
-              <a:rPr lang="ko-KR" altLang="en-US" dirty="0" smtClean="0"/>
-              <a:t>저장할 데이터가 크기가 </a:t>
+              <a:t>전방향읽기</a:t>
+            </a:r>
+            <a:r>
+              <a:rPr lang="en-US" altLang="ko-KR" dirty="0" smtClean="0"/>
+              <a:t>, </a:t>
             </a:r>
             <a:r>
               <a:rPr lang="ko-KR" altLang="en-US" dirty="0" smtClean="0">
@@ -4755,25 +7719,15 @@
                   <a:schemeClr val="accent1"/>
                 </a:solidFill>
               </a:rPr>
-              <a:t>가변적</a:t>
-            </a:r>
-            <a:r>
-              <a:rPr lang="ko-KR" altLang="en-US" dirty="0" smtClean="0"/>
-              <a:t>일 때 사용하면 편리하다</a:t>
-            </a:r>
-            <a:endParaRPr lang="en-US" altLang="ko-KR" dirty="0" smtClean="0"/>
-          </a:p>
-          <a:p>
-            <a:endParaRPr lang="en-US" altLang="ko-KR" dirty="0"/>
-          </a:p>
-          <a:p>
-            <a:r>
-              <a:rPr lang="ko-KR" altLang="en-US" dirty="0" smtClean="0"/>
-              <a:t>인덱스로 접근</a:t>
-            </a:r>
-            <a:r>
-              <a:rPr lang="en-US" altLang="ko-KR" dirty="0" smtClean="0"/>
-              <a:t>( </a:t>
+              <a:t>출</a:t>
+            </a:r>
+            <a:r>
+              <a:rPr lang="ko-KR" altLang="en-US" dirty="0">
+                <a:solidFill>
+                  <a:schemeClr val="accent1"/>
+                </a:solidFill>
+              </a:rPr>
+              <a:t>력 </a:t>
             </a:r>
             <a:r>
               <a:rPr lang="ko-KR" altLang="en-US" dirty="0" smtClean="0">
@@ -4781,66 +7735,133 @@
                   <a:schemeClr val="accent1"/>
                 </a:solidFill>
               </a:rPr>
-              <a:t>특정 위치 접근</a:t>
-            </a:r>
-            <a:r>
-              <a:rPr lang="en-US" altLang="ko-KR" dirty="0">
+              <a:t>반복자</a:t>
+            </a:r>
+            <a:r>
+              <a:rPr lang="en-US" altLang="ko-KR" dirty="0" smtClean="0"/>
+              <a:t>-</a:t>
+            </a:r>
+            <a:r>
+              <a:rPr lang="ko-KR" altLang="en-US" dirty="0" err="1" smtClean="0"/>
+              <a:t>전방향쓰기</a:t>
+            </a:r>
+            <a:r>
+              <a:rPr lang="en-US" altLang="ko-KR" dirty="0" smtClean="0"/>
+              <a:t>, </a:t>
+            </a:r>
+            <a:br>
+              <a:rPr lang="en-US" altLang="ko-KR" dirty="0" smtClean="0"/>
+            </a:br>
+            <a:r>
+              <a:rPr lang="ko-KR" altLang="en-US" dirty="0" smtClean="0">
                 <a:solidFill>
                   <a:schemeClr val="accent1"/>
                 </a:solidFill>
               </a:rPr>
+              <a:t>순방향 반복자</a:t>
+            </a:r>
+            <a:r>
+              <a:rPr lang="en-US" altLang="ko-KR" dirty="0" smtClean="0"/>
+              <a:t>-</a:t>
+            </a:r>
+            <a:r>
+              <a:rPr lang="ko-KR" altLang="en-US" dirty="0" err="1" smtClean="0"/>
+              <a:t>전방향</a:t>
+            </a:r>
+            <a:r>
+              <a:rPr lang="ko-KR" altLang="en-US" dirty="0" smtClean="0"/>
+              <a:t> 읽기 및 쓰기</a:t>
+            </a:r>
+            <a:r>
+              <a:rPr lang="en-US" altLang="ko-KR" dirty="0" smtClean="0"/>
+              <a:t>, </a:t>
+            </a:r>
+            <a:r>
+              <a:rPr lang="ko-KR" altLang="en-US" dirty="0" smtClean="0">
+                <a:solidFill>
+                  <a:schemeClr val="accent1"/>
+                </a:solidFill>
+              </a:rPr>
+              <a:t>양방향 반복자</a:t>
+            </a:r>
+            <a:r>
+              <a:rPr lang="en-US" altLang="ko-KR" dirty="0" smtClean="0"/>
+              <a:t>-</a:t>
+            </a:r>
+            <a:r>
+              <a:rPr lang="ko-KR" altLang="en-US" dirty="0" smtClean="0"/>
+              <a:t>양방향 읽기 및 쓰기</a:t>
+            </a:r>
+            <a:r>
+              <a:rPr lang="en-US" altLang="ko-KR" dirty="0" smtClean="0"/>
+              <a:t>, </a:t>
+            </a:r>
+            <a:r>
+              <a:rPr lang="ko-KR" altLang="en-US" dirty="0" smtClean="0">
+                <a:solidFill>
+                  <a:schemeClr val="accent1"/>
+                </a:solidFill>
+              </a:rPr>
+              <a:t>임의접근반복자</a:t>
+            </a:r>
+            <a:r>
+              <a:rPr lang="en-US" altLang="ko-KR" dirty="0" smtClean="0"/>
+              <a:t>-</a:t>
+            </a:r>
+            <a:r>
+              <a:rPr lang="ko-KR" altLang="en-US" dirty="0" smtClean="0"/>
+              <a:t>랜덤 읽기</a:t>
+            </a:r>
+            <a:r>
+              <a:rPr lang="en-US" altLang="ko-KR" dirty="0"/>
               <a:t> </a:t>
             </a:r>
             <a:r>
-              <a:rPr lang="en-US" altLang="ko-KR" dirty="0" smtClean="0"/>
-              <a:t>)</a:t>
-            </a:r>
-            <a:r>
-              <a:rPr lang="ko-KR" altLang="en-US" dirty="0" smtClean="0"/>
-              <a:t>이 필요 할 때 사용</a:t>
-            </a:r>
-            <a:endParaRPr lang="en-US" altLang="ko-KR" dirty="0" smtClean="0"/>
-          </a:p>
-          <a:p>
-            <a:endParaRPr lang="en-US" altLang="ko-KR" dirty="0"/>
-          </a:p>
-          <a:p>
-            <a:r>
-              <a:rPr lang="ko-KR" altLang="en-US" dirty="0" smtClean="0">
-                <a:solidFill>
-                  <a:schemeClr val="accent1"/>
-                </a:solidFill>
-              </a:rPr>
-              <a:t>끝에 삽입</a:t>
-            </a:r>
-            <a:r>
-              <a:rPr lang="en-US" altLang="ko-KR" dirty="0" smtClean="0">
-                <a:solidFill>
-                  <a:schemeClr val="accent1"/>
-                </a:solidFill>
-              </a:rPr>
-              <a:t>, </a:t>
-            </a:r>
-            <a:r>
-              <a:rPr lang="ko-KR" altLang="en-US" dirty="0" smtClean="0">
-                <a:solidFill>
-                  <a:schemeClr val="accent1"/>
-                </a:solidFill>
-              </a:rPr>
-              <a:t>삭제 </a:t>
-            </a:r>
-            <a:r>
-              <a:rPr lang="ko-KR" altLang="en-US" dirty="0" smtClean="0"/>
-              <a:t>하는 기능이 필요한 경우 매우 유용</a:t>
-            </a:r>
-            <a:endParaRPr lang="en-US" altLang="ko-KR" dirty="0"/>
+              <a:rPr lang="ko-KR" altLang="en-US" dirty="0" smtClean="0"/>
+              <a:t>및 쓰기</a:t>
+            </a:r>
+            <a:r>
+              <a:rPr lang="en-US" altLang="ko-KR" dirty="0" smtClean="0"/>
+              <a:t/>
+            </a:r>
+            <a:br>
+              <a:rPr lang="en-US" altLang="ko-KR" dirty="0" smtClean="0"/>
+            </a:br>
+            <a:r>
+              <a:rPr lang="en-US" altLang="ko-KR" dirty="0" smtClean="0"/>
+              <a:t/>
+            </a:r>
+            <a:br>
+              <a:rPr lang="en-US" altLang="ko-KR" dirty="0" smtClean="0"/>
+            </a:br>
+            <a:r>
+              <a:rPr lang="en-US" altLang="ko-KR" dirty="0" smtClean="0"/>
+              <a:t>-&gt; </a:t>
+            </a:r>
+            <a:r>
+              <a:rPr lang="ko-KR" altLang="en-US" dirty="0" smtClean="0"/>
+              <a:t>쓰임새에 따라 원하는 반복자를 이용하여 컨테이너</a:t>
+            </a:r>
+            <a:r>
+              <a:rPr lang="ko-KR" altLang="en-US" dirty="0"/>
+              <a:t>에 </a:t>
+            </a:r>
+            <a:r>
+              <a:rPr lang="ko-KR" altLang="en-US" dirty="0" smtClean="0"/>
+              <a:t>접근</a:t>
+            </a:r>
+            <a:endParaRPr lang="en-US" altLang="ko-KR" dirty="0" smtClean="0">
+              <a:solidFill>
+                <a:schemeClr val="accent1"/>
+              </a:solidFill>
+            </a:endParaRPr>
           </a:p>
         </p:txBody>
       </p:sp>
     </p:spTree>
     <p:extLst>
       <p:ext uri="{BB962C8B-B14F-4D97-AF65-F5344CB8AC3E}">
-        <p14:creationId xmlns:p14="http://schemas.microsoft.com/office/powerpoint/2010/main" val="980361654"/>
+        <p14:creationId xmlns:p14="http://schemas.microsoft.com/office/powerpoint/2010/main" val="3591258005"/>
       </p:ext>
     </p:extLst>
   </p:cSld>
@@ -4891,12 +7912,12 @@
           <a:p>
             <a:pPr algn="ctr"/>
             <a:r>
-              <a:rPr lang="ko-KR" altLang="en-US" dirty="0" smtClean="0"/>
-              <a:t>벡터</a:t>
-            </a:r>
-            <a:r>
-              <a:rPr lang="en-US" altLang="ko-KR" dirty="0" smtClean="0"/>
-              <a:t>(vector)</a:t>
+              <a:rPr lang="en-US" altLang="ko-KR" dirty="0" smtClean="0"/>
+              <a:t>STL</a:t>
+            </a:r>
+            <a:r>
+              <a:rPr lang="ko-KR" altLang="en-US" dirty="0" smtClean="0"/>
+              <a:t>의 쓰임</a:t>
             </a:r>
             <a:endParaRPr lang="ko-KR" altLang="en-US" dirty="0"/>
           </a:p>
@@ -4914,113 +7935,267 @@
         </p:nvSpPr>
         <p:spPr/>
         <p:txBody>
-          <a:bodyPr/>
+          <a:bodyPr>
+            <a:normAutofit lnSpcReduction="10000"/>
+          </a:bodyPr>
           <a:lstStyle/>
           <a:p>
             <a:r>
-              <a:rPr lang="en-US" altLang="ko-KR" dirty="0" smtClean="0"/>
-              <a:t>Vector </a:t>
-            </a:r>
-            <a:r>
-              <a:rPr lang="ko-KR" altLang="en-US" dirty="0" smtClean="0"/>
-              <a:t>헤더파일을 추가해야 사용 가능</a:t>
-            </a:r>
+              <a:rPr lang="ko-KR" altLang="en-US" dirty="0" smtClean="0"/>
+              <a:t>프로그래머</a:t>
+            </a:r>
+            <a:r>
+              <a:rPr lang="ko-KR" altLang="en-US" dirty="0"/>
+              <a:t>가 </a:t>
+            </a:r>
+            <a:r>
+              <a:rPr lang="ko-KR" altLang="en-US" dirty="0" smtClean="0"/>
+              <a:t>자주 사용하는 자료구조</a:t>
+            </a:r>
+            <a:r>
+              <a:rPr lang="en-US" altLang="ko-KR" dirty="0" smtClean="0"/>
+              <a:t>, </a:t>
+            </a:r>
+            <a:r>
+              <a:rPr lang="ko-KR" altLang="en-US" dirty="0" smtClean="0"/>
+              <a:t>알고리즘을 라이브러리로 제공 </a:t>
+            </a:r>
+            <a:r>
+              <a:rPr lang="en-US" altLang="ko-KR" dirty="0" smtClean="0"/>
+              <a:t>-&gt; </a:t>
+            </a:r>
+            <a:r>
+              <a:rPr lang="ko-KR" altLang="en-US" dirty="0" smtClean="0">
+                <a:solidFill>
+                  <a:schemeClr val="accent1"/>
+                </a:solidFill>
+              </a:rPr>
+              <a:t>직접 구현할 필요가 없다</a:t>
+            </a:r>
+            <a:r>
+              <a:rPr lang="en-US" altLang="ko-KR" dirty="0" smtClean="0"/>
+              <a:t>.</a:t>
+            </a:r>
+          </a:p>
+          <a:p>
             <a:endParaRPr lang="en-US" altLang="ko-KR" dirty="0" smtClean="0"/>
           </a:p>
           <a:p>
+            <a:r>
+              <a:rPr lang="ko-KR" altLang="en-US" dirty="0" err="1" smtClean="0"/>
+              <a:t>오랜시</a:t>
+            </a:r>
+            <a:r>
+              <a:rPr lang="ko-KR" altLang="en-US" dirty="0" err="1"/>
+              <a:t>간</a:t>
+            </a:r>
+            <a:r>
+              <a:rPr lang="ko-KR" altLang="en-US" dirty="0"/>
+              <a:t> </a:t>
+            </a:r>
+            <a:r>
+              <a:rPr lang="ko-KR" altLang="en-US" dirty="0" smtClean="0"/>
+              <a:t>검증되었으므로 안전하게 사용 할 수 있다</a:t>
+            </a:r>
+            <a:r>
+              <a:rPr lang="en-US" altLang="ko-KR" dirty="0" smtClean="0"/>
+              <a:t>                        </a:t>
+            </a:r>
+            <a:br>
+              <a:rPr lang="en-US" altLang="ko-KR" dirty="0" smtClean="0"/>
+            </a:br>
+            <a:r>
+              <a:rPr lang="en-US" altLang="ko-KR" dirty="0" smtClean="0"/>
+              <a:t>-&gt;</a:t>
+            </a:r>
+            <a:r>
+              <a:rPr lang="ko-KR" altLang="en-US" dirty="0" smtClean="0">
+                <a:solidFill>
+                  <a:schemeClr val="accent1"/>
+                </a:solidFill>
+              </a:rPr>
+              <a:t>직</a:t>
+            </a:r>
+            <a:r>
+              <a:rPr lang="ko-KR" altLang="en-US" dirty="0">
+                <a:solidFill>
+                  <a:schemeClr val="accent1"/>
+                </a:solidFill>
+              </a:rPr>
+              <a:t>접 </a:t>
+            </a:r>
+            <a:r>
+              <a:rPr lang="ko-KR" altLang="en-US" dirty="0" err="1" smtClean="0">
+                <a:solidFill>
+                  <a:schemeClr val="accent1"/>
+                </a:solidFill>
+              </a:rPr>
+              <a:t>구현시</a:t>
+            </a:r>
+            <a:r>
+              <a:rPr lang="ko-KR" altLang="en-US" dirty="0" smtClean="0">
+                <a:solidFill>
+                  <a:schemeClr val="accent1"/>
+                </a:solidFill>
+              </a:rPr>
+              <a:t> 발생하는 버그 걱정 </a:t>
+            </a:r>
+            <a:r>
+              <a:rPr lang="en-US" altLang="ko-KR" dirty="0" smtClean="0">
+                <a:solidFill>
+                  <a:schemeClr val="accent1"/>
+                </a:solidFill>
+              </a:rPr>
+              <a:t>X</a:t>
+            </a:r>
+          </a:p>
+          <a:p>
+            <a:endParaRPr lang="en-US" altLang="ko-KR" dirty="0" smtClean="0"/>
+          </a:p>
+          <a:p>
+            <a:r>
+              <a:rPr lang="ko-KR" altLang="en-US" dirty="0" smtClean="0"/>
+              <a:t>최적화되어 있어 일반적으로 성능이 좋다</a:t>
+            </a:r>
+            <a:r>
+              <a:rPr lang="en-US" altLang="ko-KR" dirty="0" smtClean="0"/>
+              <a:t/>
+            </a:r>
+            <a:br>
+              <a:rPr lang="en-US" altLang="ko-KR" dirty="0" smtClean="0"/>
+            </a:br>
+            <a:r>
+              <a:rPr lang="en-US" altLang="ko-KR" dirty="0" smtClean="0"/>
+              <a:t>-&gt; </a:t>
+            </a:r>
+            <a:r>
+              <a:rPr lang="ko-KR" altLang="en-US" dirty="0" smtClean="0">
+                <a:solidFill>
+                  <a:schemeClr val="accent1"/>
+                </a:solidFill>
+              </a:rPr>
+              <a:t>웬만</a:t>
+            </a:r>
+            <a:r>
+              <a:rPr lang="ko-KR" altLang="en-US" dirty="0">
+                <a:solidFill>
+                  <a:schemeClr val="accent1"/>
+                </a:solidFill>
+              </a:rPr>
+              <a:t>큼 </a:t>
+            </a:r>
+            <a:r>
+              <a:rPr lang="ko-KR" altLang="en-US" dirty="0" smtClean="0">
+                <a:solidFill>
+                  <a:schemeClr val="accent1"/>
+                </a:solidFill>
+              </a:rPr>
+              <a:t>최적화해</a:t>
+            </a:r>
+            <a:r>
+              <a:rPr lang="ko-KR" altLang="en-US" dirty="0">
+                <a:solidFill>
+                  <a:schemeClr val="accent1"/>
+                </a:solidFill>
+              </a:rPr>
+              <a:t>서 </a:t>
+            </a:r>
+            <a:r>
+              <a:rPr lang="ko-KR" altLang="en-US" dirty="0" smtClean="0">
+                <a:solidFill>
+                  <a:schemeClr val="accent1"/>
+                </a:solidFill>
+              </a:rPr>
+              <a:t>구현 </a:t>
+            </a:r>
+            <a:r>
+              <a:rPr lang="ko-KR" altLang="en-US" dirty="0" err="1" smtClean="0">
+                <a:solidFill>
+                  <a:schemeClr val="accent1"/>
+                </a:solidFill>
+              </a:rPr>
+              <a:t>안하면</a:t>
+            </a:r>
+            <a:r>
+              <a:rPr lang="ko-KR" altLang="en-US" dirty="0" smtClean="0">
+                <a:solidFill>
+                  <a:schemeClr val="accent1"/>
+                </a:solidFill>
+              </a:rPr>
+              <a:t> </a:t>
+            </a:r>
+            <a:r>
+              <a:rPr lang="en-US" altLang="ko-KR" dirty="0" smtClean="0">
+                <a:solidFill>
+                  <a:schemeClr val="accent1"/>
+                </a:solidFill>
+              </a:rPr>
+              <a:t>STL</a:t>
+            </a:r>
+            <a:r>
+              <a:rPr lang="ko-KR" altLang="en-US" dirty="0" smtClean="0">
+                <a:solidFill>
+                  <a:schemeClr val="accent1"/>
+                </a:solidFill>
+              </a:rPr>
+              <a:t>성능이 좋다고 한다</a:t>
+            </a:r>
+            <a:r>
+              <a:rPr lang="en-US" altLang="ko-KR" dirty="0" smtClean="0"/>
+              <a:t>.</a:t>
+            </a:r>
+          </a:p>
+          <a:p>
             <a:pPr marL="0" indent="0">
               <a:buNone/>
             </a:pPr>
-            <a:endParaRPr lang="en-US" altLang="ko-KR" dirty="0"/>
-          </a:p>
-          <a:p>
-            <a:r>
-              <a:rPr lang="ko-KR" altLang="en-US" dirty="0" smtClean="0"/>
-              <a:t>벡터도 동적으로 생성 가능</a:t>
+            <a:r>
+              <a:rPr lang="ko-KR" altLang="en-US" dirty="0" smtClean="0"/>
+              <a:t>특히</a:t>
+            </a:r>
+            <a:r>
+              <a:rPr lang="ko-KR" altLang="en-US" dirty="0"/>
+              <a:t>나 </a:t>
+            </a:r>
+            <a:r>
+              <a:rPr lang="ko-KR" altLang="en-US" dirty="0" smtClean="0"/>
+              <a:t>컨테이너 라이브러리가 매우 유용하다</a:t>
+            </a:r>
+            <a:r>
+              <a:rPr lang="en-US" altLang="ko-KR" dirty="0" smtClean="0"/>
+              <a:t>(</a:t>
+            </a:r>
+            <a:r>
+              <a:rPr lang="ko-KR" altLang="en-US" dirty="0" smtClean="0"/>
+              <a:t>데이터 관리</a:t>
+            </a:r>
+            <a:r>
+              <a:rPr lang="en-US" altLang="ko-KR" dirty="0" smtClean="0"/>
+              <a:t>)</a:t>
+            </a:r>
+            <a:br>
+              <a:rPr lang="en-US" altLang="ko-KR" dirty="0" smtClean="0"/>
+            </a:br>
+            <a:r>
+              <a:rPr lang="en-US" altLang="ko-KR" dirty="0" smtClean="0"/>
+              <a:t>(</a:t>
+            </a:r>
+            <a:r>
+              <a:rPr lang="ko-KR" altLang="en-US" dirty="0" smtClean="0"/>
+              <a:t>유지보수에 유리</a:t>
+            </a:r>
+            <a:r>
+              <a:rPr lang="en-US" altLang="ko-KR" dirty="0" smtClean="0"/>
+              <a:t>)</a:t>
             </a:r>
             <a:endParaRPr lang="en-US" altLang="ko-KR" dirty="0" smtClean="0"/>
-          </a:p>
-          <a:p>
-            <a:pPr marL="0" indent="0">
-              <a:buNone/>
-            </a:pPr>
-            <a:endParaRPr lang="en-US" altLang="ko-KR" dirty="0"/>
-          </a:p>
-          <a:p>
-            <a:r>
-              <a:rPr lang="ko-KR" altLang="en-US" dirty="0" smtClean="0"/>
-              <a:t>인덱스로 접근</a:t>
-            </a:r>
-            <a:r>
-              <a:rPr lang="en-US" altLang="ko-KR" dirty="0" smtClean="0"/>
-              <a:t>( </a:t>
-            </a:r>
-            <a:r>
-              <a:rPr lang="ko-KR" altLang="en-US" dirty="0" smtClean="0">
-                <a:solidFill>
-                  <a:schemeClr val="accent1"/>
-                </a:solidFill>
-              </a:rPr>
-              <a:t>특정 위치 접근</a:t>
-            </a:r>
-            <a:r>
-              <a:rPr lang="en-US" altLang="ko-KR" dirty="0">
-                <a:solidFill>
-                  <a:schemeClr val="accent1"/>
-                </a:solidFill>
-              </a:rPr>
-              <a:t> </a:t>
-            </a:r>
-            <a:r>
-              <a:rPr lang="en-US" altLang="ko-KR" dirty="0" smtClean="0"/>
-              <a:t>)</a:t>
-            </a:r>
-            <a:r>
-              <a:rPr lang="ko-KR" altLang="en-US" dirty="0" smtClean="0"/>
-              <a:t>이 필요 할 때 사용</a:t>
-            </a:r>
-            <a:endParaRPr lang="en-US" altLang="ko-KR" dirty="0" smtClean="0"/>
-          </a:p>
-          <a:p>
-            <a:endParaRPr lang="en-US" altLang="ko-KR" dirty="0"/>
-          </a:p>
-          <a:p>
-            <a:r>
-              <a:rPr lang="ko-KR" altLang="en-US" dirty="0" smtClean="0">
-                <a:solidFill>
-                  <a:schemeClr val="accent1"/>
-                </a:solidFill>
-              </a:rPr>
-              <a:t>끝에 삽입</a:t>
-            </a:r>
-            <a:r>
-              <a:rPr lang="en-US" altLang="ko-KR" dirty="0" smtClean="0">
-                <a:solidFill>
-                  <a:schemeClr val="accent1"/>
-                </a:solidFill>
-              </a:rPr>
-              <a:t>, </a:t>
-            </a:r>
-            <a:r>
-              <a:rPr lang="ko-KR" altLang="en-US" dirty="0" smtClean="0">
-                <a:solidFill>
-                  <a:schemeClr val="accent1"/>
-                </a:solidFill>
-              </a:rPr>
-              <a:t>삭제 </a:t>
-            </a:r>
-            <a:r>
-              <a:rPr lang="ko-KR" altLang="en-US" dirty="0" smtClean="0"/>
-              <a:t>하는 기능이 필요한 경우 매우 유용</a:t>
-            </a:r>
-            <a:endParaRPr lang="en-US" altLang="ko-KR" dirty="0"/>
           </a:p>
         </p:txBody>
       </p:sp>
     </p:spTree>
     <p:extLst>
       <p:ext uri="{BB962C8B-B14F-4D97-AF65-F5344CB8AC3E}">
-        <p14:creationId xmlns:p14="http://schemas.microsoft.com/office/powerpoint/2010/main" val="4234640732"/>
+        <p14:creationId xmlns:p14="http://schemas.microsoft.com/office/powerpoint/2010/main" val="177107389"/>
       </p:ext>
     </p:extLst>
   </p:cSld>
@@ -5071,427 +8246,247 @@
           <a:p>
             <a:pPr algn="ctr"/>
             <a:r>
-              <a:rPr lang="ko-KR" altLang="en-US" dirty="0" smtClean="0"/>
-              <a:t>벡터</a:t>
-            </a:r>
-            <a:r>
-              <a:rPr lang="en-US" altLang="ko-KR" dirty="0" smtClean="0"/>
-              <a:t>(vector) </a:t>
-            </a:r>
-            <a:r>
-              <a:rPr lang="ko-KR" altLang="en-US" dirty="0" smtClean="0"/>
-              <a:t>의 활용</a:t>
+              <a:rPr lang="en-US" altLang="ko-KR" dirty="0" smtClean="0"/>
+              <a:t>STL</a:t>
+            </a:r>
+            <a:r>
+              <a:rPr lang="ko-KR" altLang="en-US" dirty="0" smtClean="0"/>
+              <a:t> 사용의 단점 및 주의사항</a:t>
+            </a:r>
+            <a:r>
+              <a:rPr lang="en-US" altLang="ko-KR" dirty="0" smtClean="0"/>
+              <a:t>-1</a:t>
             </a:r>
             <a:endParaRPr lang="ko-KR" altLang="en-US" dirty="0"/>
           </a:p>
         </p:txBody>
       </p:sp>
-      <p:pic>
-        <p:nvPicPr>
-          <p:cNvPr id="9" name="내용 개체 틀 8"/>
-          <p:cNvPicPr>
-            <a:picLocks noGrp="1" noChangeAspect="1"/>
-          </p:cNvPicPr>
+      <p:sp>
+        <p:nvSpPr>
+          <p:cNvPr id="3" name="내용 개체 틀 2"/>
+          <p:cNvSpPr>
+            <a:spLocks noGrp="1"/>
+          </p:cNvSpPr>
           <p:nvPr>
             <p:ph idx="1"/>
           </p:nvPr>
-        </p:nvPicPr>
-        <p:blipFill>
-          <a:blip r:embed="rId2">
-            <a:extLst>
-              <a:ext uri="{28A0092B-C50C-407E-A947-70E740481C1C}">
-                <a14:useLocalDpi xmlns:a14="http://schemas.microsoft.com/office/drawing/2010/main" val="0"/>
-              </a:ext>
-            </a:extLst>
-          </a:blip>
-          <a:stretch>
-            <a:fillRect/>
-          </a:stretch>
-        </p:blipFill>
-        <p:spPr>
-          <a:xfrm>
-            <a:off x="593467" y="1690688"/>
-            <a:ext cx="4035856" cy="4495322"/>
-          </a:xfrm>
-        </p:spPr>
-      </p:pic>
-      <p:sp>
-        <p:nvSpPr>
-          <p:cNvPr id="4" name="내용 개체 틀 2"/>
-          <p:cNvSpPr txBox="1">
-            <a:spLocks/>
-          </p:cNvSpPr>
-          <p:nvPr/>
-        </p:nvSpPr>
-        <p:spPr>
-          <a:xfrm>
-            <a:off x="5210261" y="1690688"/>
-            <a:ext cx="6590442" cy="4495322"/>
-          </a:xfrm>
-          <a:prstGeom prst="rect">
-            <a:avLst/>
-          </a:prstGeom>
-        </p:spPr>
-        <p:txBody>
-          <a:bodyPr vert="horz" lIns="91440" tIns="45720" rIns="91440" bIns="45720" rtlCol="0">
-            <a:normAutofit fontScale="92500" lnSpcReduction="10000"/>
+        </p:nvSpPr>
+        <p:spPr/>
+        <p:txBody>
+          <a:bodyPr>
+            <a:normAutofit lnSpcReduction="10000"/>
           </a:bodyPr>
-          <a:lstStyle>
-            <a:lvl1pPr marL="228600" indent="-228600" algn="l" defTabSz="914400" rtl="0" eaLnBrk="1" latinLnBrk="1" hangingPunct="1">
-              <a:lnSpc>
-                <a:spcPct val="90000"/>
-              </a:lnSpc>
-              <a:spcBef>
-                <a:spcPts val="1000"/>
-              </a:spcBef>
-              <a:buFont typeface="Arial" panose="020B0604020202020204" pitchFamily="34" charset="0"/>
-              <a:buChar char="•"/>
-              <a:defRPr sz="2800" kern="1200">
-                <a:solidFill>
-                  <a:schemeClr val="tx1"/>
-                </a:solidFill>
-                <a:latin typeface="+mn-lt"/>
-                <a:ea typeface="+mn-ea"/>
-                <a:cs typeface="+mn-cs"/>
-              </a:defRPr>
-            </a:lvl1pPr>
-            <a:lvl2pPr marL="685800" indent="-228600" algn="l" defTabSz="914400" rtl="0" eaLnBrk="1" latinLnBrk="1" hangingPunct="1">
-              <a:lnSpc>
-                <a:spcPct val="90000"/>
-              </a:lnSpc>
-              <a:spcBef>
-                <a:spcPts val="500"/>
-              </a:spcBef>
-              <a:buFont typeface="Arial" panose="020B0604020202020204" pitchFamily="34" charset="0"/>
-              <a:buChar char="•"/>
-              <a:defRPr sz="2400" kern="1200">
-                <a:solidFill>
-                  <a:schemeClr val="tx1"/>
-                </a:solidFill>
-                <a:latin typeface="+mn-lt"/>
-                <a:ea typeface="+mn-ea"/>
-                <a:cs typeface="+mn-cs"/>
-              </a:defRPr>
-            </a:lvl2pPr>
-            <a:lvl3pPr marL="1143000" indent="-228600" algn="l" defTabSz="914400" rtl="0" eaLnBrk="1" latinLnBrk="1" hangingPunct="1">
-              <a:lnSpc>
-                <a:spcPct val="90000"/>
-              </a:lnSpc>
-              <a:spcBef>
-                <a:spcPts val="500"/>
-              </a:spcBef>
-              <a:buFont typeface="Arial" panose="020B0604020202020204" pitchFamily="34" charset="0"/>
-              <a:buChar char="•"/>
-              <a:defRPr sz="2000" kern="1200">
-                <a:solidFill>
-                  <a:schemeClr val="tx1"/>
-                </a:solidFill>
-                <a:latin typeface="+mn-lt"/>
-                <a:ea typeface="+mn-ea"/>
-                <a:cs typeface="+mn-cs"/>
-              </a:defRPr>
-            </a:lvl3pPr>
-            <a:lvl4pPr marL="1600200" indent="-228600" algn="l" defTabSz="914400" rtl="0" eaLnBrk="1" latinLnBrk="1" hangingPunct="1">
-              <a:lnSpc>
-                <a:spcPct val="90000"/>
-              </a:lnSpc>
-              <a:spcBef>
-                <a:spcPts val="500"/>
-              </a:spcBef>
-              <a:buFont typeface="Arial" panose="020B0604020202020204" pitchFamily="34" charset="0"/>
-              <a:buChar char="•"/>
-              <a:defRPr sz="1800" kern="1200">
-                <a:solidFill>
-                  <a:schemeClr val="tx1"/>
-                </a:solidFill>
-                <a:latin typeface="+mn-lt"/>
-                <a:ea typeface="+mn-ea"/>
-                <a:cs typeface="+mn-cs"/>
-              </a:defRPr>
-            </a:lvl4pPr>
-            <a:lvl5pPr marL="2057400" indent="-228600" algn="l" defTabSz="914400" rtl="0" eaLnBrk="1" latinLnBrk="1" hangingPunct="1">
-              <a:lnSpc>
-                <a:spcPct val="90000"/>
-              </a:lnSpc>
-              <a:spcBef>
-                <a:spcPts val="500"/>
-              </a:spcBef>
-              <a:buFont typeface="Arial" panose="020B0604020202020204" pitchFamily="34" charset="0"/>
-              <a:buChar char="•"/>
-              <a:defRPr sz="1800" kern="1200">
-                <a:solidFill>
-                  <a:schemeClr val="tx1"/>
-                </a:solidFill>
-                <a:latin typeface="+mn-lt"/>
-                <a:ea typeface="+mn-ea"/>
-                <a:cs typeface="+mn-cs"/>
-              </a:defRPr>
-            </a:lvl5pPr>
-            <a:lvl6pPr marL="2514600" indent="-228600" algn="l" defTabSz="914400" rtl="0" eaLnBrk="1" latinLnBrk="1" hangingPunct="1">
-              <a:lnSpc>
-                <a:spcPct val="90000"/>
-              </a:lnSpc>
-              <a:spcBef>
-                <a:spcPts val="500"/>
-              </a:spcBef>
-              <a:buFont typeface="Arial" panose="020B0604020202020204" pitchFamily="34" charset="0"/>
-              <a:buChar char="•"/>
-              <a:defRPr sz="1800" kern="1200">
-                <a:solidFill>
-                  <a:schemeClr val="tx1"/>
-                </a:solidFill>
-                <a:latin typeface="+mn-lt"/>
-                <a:ea typeface="+mn-ea"/>
-                <a:cs typeface="+mn-cs"/>
-              </a:defRPr>
-            </a:lvl6pPr>
-            <a:lvl7pPr marL="2971800" indent="-228600" algn="l" defTabSz="914400" rtl="0" eaLnBrk="1" latinLnBrk="1" hangingPunct="1">
-              <a:lnSpc>
-                <a:spcPct val="90000"/>
-              </a:lnSpc>
-              <a:spcBef>
-                <a:spcPts val="500"/>
-              </a:spcBef>
-              <a:buFont typeface="Arial" panose="020B0604020202020204" pitchFamily="34" charset="0"/>
-              <a:buChar char="•"/>
-              <a:defRPr sz="1800" kern="1200">
-                <a:solidFill>
-                  <a:schemeClr val="tx1"/>
-                </a:solidFill>
-                <a:latin typeface="+mn-lt"/>
-                <a:ea typeface="+mn-ea"/>
-                <a:cs typeface="+mn-cs"/>
-              </a:defRPr>
-            </a:lvl7pPr>
-            <a:lvl8pPr marL="3429000" indent="-228600" algn="l" defTabSz="914400" rtl="0" eaLnBrk="1" latinLnBrk="1" hangingPunct="1">
-              <a:lnSpc>
-                <a:spcPct val="90000"/>
-              </a:lnSpc>
-              <a:spcBef>
-                <a:spcPts val="500"/>
-              </a:spcBef>
-              <a:buFont typeface="Arial" panose="020B0604020202020204" pitchFamily="34" charset="0"/>
-              <a:buChar char="•"/>
-              <a:defRPr sz="1800" kern="1200">
-                <a:solidFill>
-                  <a:schemeClr val="tx1"/>
-                </a:solidFill>
-                <a:latin typeface="+mn-lt"/>
-                <a:ea typeface="+mn-ea"/>
-                <a:cs typeface="+mn-cs"/>
-              </a:defRPr>
-            </a:lvl8pPr>
-            <a:lvl9pPr marL="3886200" indent="-228600" algn="l" defTabSz="914400" rtl="0" eaLnBrk="1" latinLnBrk="1" hangingPunct="1">
-              <a:lnSpc>
-                <a:spcPct val="90000"/>
-              </a:lnSpc>
-              <a:spcBef>
-                <a:spcPts val="500"/>
-              </a:spcBef>
-              <a:buFont typeface="Arial" panose="020B0604020202020204" pitchFamily="34" charset="0"/>
-              <a:buChar char="•"/>
-              <a:defRPr sz="1800" kern="1200">
-                <a:solidFill>
-                  <a:schemeClr val="tx1"/>
-                </a:solidFill>
-                <a:latin typeface="+mn-lt"/>
-                <a:ea typeface="+mn-ea"/>
-                <a:cs typeface="+mn-cs"/>
-              </a:defRPr>
-            </a:lvl9pPr>
-          </a:lstStyle>
-          <a:p>
+          <a:lstStyle/>
+          <a:p>
+            <a:r>
+              <a:rPr lang="ko-KR" altLang="en-US" dirty="0" smtClean="0"/>
+              <a:t>원하</a:t>
+            </a:r>
+            <a:r>
+              <a:rPr lang="ko-KR" altLang="en-US" dirty="0"/>
+              <a:t>는 </a:t>
+            </a:r>
+            <a:r>
+              <a:rPr lang="ko-KR" altLang="en-US" dirty="0" smtClean="0"/>
+              <a:t>결과가 도출되지 않을 </a:t>
+            </a:r>
+            <a:r>
+              <a:rPr lang="ko-KR" altLang="en-US" dirty="0"/>
+              <a:t>때</a:t>
+            </a:r>
+            <a:r>
+              <a:rPr lang="ko-KR" altLang="en-US" dirty="0" smtClean="0"/>
+              <a:t> 난감할 수 있다</a:t>
+            </a:r>
+            <a:r>
+              <a:rPr lang="en-US" altLang="ko-KR" dirty="0" smtClean="0"/>
+              <a:t>.</a:t>
+            </a:r>
+            <a:br>
+              <a:rPr lang="en-US" altLang="ko-KR" dirty="0" smtClean="0"/>
+            </a:br>
+            <a:r>
+              <a:rPr lang="en-US" altLang="ko-KR" dirty="0" smtClean="0"/>
+              <a:t>-&gt; </a:t>
+            </a:r>
+            <a:r>
+              <a:rPr lang="ko-KR" altLang="en-US" dirty="0" smtClean="0">
+                <a:solidFill>
+                  <a:schemeClr val="accent1"/>
+                </a:solidFill>
+              </a:rPr>
+              <a:t>직접 </a:t>
+            </a:r>
+            <a:r>
+              <a:rPr lang="ko-KR" altLang="en-US" dirty="0" smtClean="0">
+                <a:solidFill>
+                  <a:schemeClr val="accent1"/>
+                </a:solidFill>
+              </a:rPr>
+              <a:t>디버</a:t>
+            </a:r>
+            <a:r>
+              <a:rPr lang="ko-KR" altLang="en-US" dirty="0">
+                <a:solidFill>
+                  <a:schemeClr val="accent1"/>
+                </a:solidFill>
+              </a:rPr>
+              <a:t>깅 </a:t>
+            </a:r>
+            <a:r>
+              <a:rPr lang="ko-KR" altLang="en-US" dirty="0" smtClean="0">
+                <a:solidFill>
+                  <a:schemeClr val="accent1"/>
+                </a:solidFill>
+              </a:rPr>
+              <a:t>하는 것이 어렵다</a:t>
+            </a:r>
+            <a:endParaRPr lang="en-US" altLang="ko-KR" dirty="0" smtClean="0"/>
+          </a:p>
+          <a:p>
+            <a:endParaRPr lang="en-US" altLang="ko-KR" dirty="0" smtClean="0"/>
+          </a:p>
+          <a:p>
+            <a:r>
+              <a:rPr lang="ko-KR" altLang="en-US" dirty="0" smtClean="0"/>
+              <a:t>실</a:t>
+            </a:r>
+            <a:r>
+              <a:rPr lang="ko-KR" altLang="en-US" dirty="0"/>
+              <a:t>행 </a:t>
+            </a:r>
+            <a:r>
+              <a:rPr lang="ko-KR" altLang="en-US" dirty="0" smtClean="0"/>
+              <a:t>중에 에러검사는 하지 않는다</a:t>
+            </a:r>
+            <a:r>
+              <a:rPr lang="en-US" altLang="ko-KR" dirty="0" smtClean="0"/>
+              <a:t>.(</a:t>
+            </a:r>
+            <a:r>
+              <a:rPr lang="ko-KR" altLang="en-US" dirty="0" smtClean="0"/>
+              <a:t>예기치 않은 에러 발생 가능</a:t>
+            </a:r>
+            <a:r>
+              <a:rPr lang="en-US" altLang="ko-KR" dirty="0" smtClean="0"/>
+              <a:t>)</a:t>
+            </a:r>
+            <a:r>
+              <a:rPr lang="en-US" altLang="ko-KR" dirty="0" smtClean="0"/>
+              <a:t/>
+            </a:r>
+            <a:br>
+              <a:rPr lang="en-US" altLang="ko-KR" dirty="0" smtClean="0"/>
+            </a:br>
+            <a:r>
+              <a:rPr lang="en-US" altLang="ko-KR" dirty="0" smtClean="0"/>
+              <a:t>-&gt;</a:t>
+            </a:r>
+            <a:r>
+              <a:rPr lang="ko-KR" altLang="en-US" dirty="0" smtClean="0">
+                <a:solidFill>
+                  <a:schemeClr val="accent1"/>
+                </a:solidFill>
+              </a:rPr>
+              <a:t>성능</a:t>
+            </a:r>
+            <a:r>
+              <a:rPr lang="ko-KR" altLang="en-US" dirty="0">
+                <a:solidFill>
+                  <a:schemeClr val="accent1"/>
+                </a:solidFill>
+              </a:rPr>
+              <a:t>을 </a:t>
+            </a:r>
+            <a:r>
+              <a:rPr lang="ko-KR" altLang="en-US" dirty="0" smtClean="0">
+                <a:solidFill>
+                  <a:schemeClr val="accent1"/>
+                </a:solidFill>
+              </a:rPr>
+              <a:t>위해서</a:t>
+            </a:r>
+            <a:endParaRPr lang="en-US" altLang="ko-KR" dirty="0" smtClean="0">
+              <a:solidFill>
+                <a:schemeClr val="accent1"/>
+              </a:solidFill>
+            </a:endParaRPr>
+          </a:p>
+          <a:p>
+            <a:endParaRPr lang="en-US" altLang="ko-KR" dirty="0" smtClean="0"/>
+          </a:p>
+          <a:p>
+            <a:r>
+              <a:rPr lang="ko-KR" altLang="en-US" dirty="0" smtClean="0"/>
+              <a:t>템플릿으로 구현되어 덩치가 크다</a:t>
+            </a:r>
+            <a:r>
+              <a:rPr lang="en-US" altLang="ko-KR" dirty="0" smtClean="0"/>
+              <a:t>.</a:t>
+            </a:r>
+            <a:r>
+              <a:rPr lang="en-US" altLang="ko-KR" dirty="0" smtClean="0"/>
+              <a:t/>
+            </a:r>
+            <a:br>
+              <a:rPr lang="en-US" altLang="ko-KR" dirty="0" smtClean="0"/>
+            </a:br>
+            <a:r>
+              <a:rPr lang="en-US" altLang="ko-KR" dirty="0" smtClean="0"/>
+              <a:t>-&gt; </a:t>
+            </a:r>
+            <a:r>
+              <a:rPr lang="ko-KR" altLang="en-US" dirty="0" smtClean="0">
+                <a:solidFill>
+                  <a:schemeClr val="accent1"/>
+                </a:solidFill>
+              </a:rPr>
+              <a:t>프로그램의 크기를 매우 크게 만들 수 있음</a:t>
+            </a:r>
+            <a:endParaRPr lang="en-US" altLang="ko-KR" dirty="0" smtClean="0"/>
+          </a:p>
+          <a:p>
+            <a:pPr marL="0" indent="0">
+              <a:buNone/>
+            </a:pPr>
+            <a:endParaRPr lang="en-US" altLang="ko-KR" dirty="0" smtClean="0"/>
+          </a:p>
+          <a:p>
+            <a:pPr marL="0" indent="0">
+              <a:buNone/>
+            </a:pPr>
+            <a:r>
+              <a:rPr lang="en-US" altLang="ko-KR" dirty="0" smtClean="0"/>
+              <a:t>STL</a:t>
+            </a:r>
+            <a:r>
+              <a:rPr lang="ko-KR" altLang="en-US" dirty="0" smtClean="0"/>
+              <a:t>이 좋다고 무턱대고 남용했을 </a:t>
+            </a:r>
+            <a:r>
+              <a:rPr lang="ko-KR" altLang="en-US" dirty="0"/>
+              <a:t>때 </a:t>
+            </a:r>
             <a:r>
               <a:rPr lang="ko-KR" altLang="en-US" dirty="0" err="1" smtClean="0"/>
-              <a:t>자주쓰이는</a:t>
-            </a:r>
-            <a:r>
-              <a:rPr lang="ko-KR" altLang="en-US" dirty="0" smtClean="0"/>
-              <a:t> 멤버함수</a:t>
+              <a:t>생길수</a:t>
+            </a:r>
+            <a:r>
+              <a:rPr lang="ko-KR" altLang="en-US" dirty="0" smtClean="0"/>
+              <a:t> 있는 문제점들이다</a:t>
+            </a:r>
+            <a:r>
+              <a:rPr lang="en-US" altLang="ko-KR" dirty="0" smtClean="0"/>
+              <a:t>.</a:t>
             </a:r>
             <a:endParaRPr lang="en-US" altLang="ko-KR" dirty="0" smtClean="0"/>
-          </a:p>
-          <a:p>
-            <a:pPr marL="0" indent="0">
-              <a:buNone/>
-            </a:pPr>
-            <a:r>
-              <a:rPr lang="en-US" altLang="ko-KR" dirty="0" err="1" smtClean="0"/>
-              <a:t>Push_back</a:t>
-            </a:r>
-            <a:r>
-              <a:rPr lang="en-US" altLang="ko-KR" dirty="0" smtClean="0"/>
-              <a:t>() : </a:t>
-            </a:r>
-            <a:r>
-              <a:rPr lang="ko-KR" altLang="en-US" dirty="0" err="1" smtClean="0"/>
-              <a:t>맨끝에</a:t>
-            </a:r>
-            <a:r>
-              <a:rPr lang="en-US" altLang="ko-KR" dirty="0" smtClean="0"/>
-              <a:t> </a:t>
-            </a:r>
-            <a:r>
-              <a:rPr lang="ko-KR" altLang="en-US" dirty="0" smtClean="0"/>
-              <a:t>원소추가</a:t>
-            </a:r>
-            <a:endParaRPr lang="en-US" altLang="ko-KR" dirty="0" smtClean="0"/>
-          </a:p>
-          <a:p>
-            <a:pPr marL="0" indent="0">
-              <a:buNone/>
-            </a:pPr>
-            <a:r>
-              <a:rPr lang="en-US" altLang="ko-KR" dirty="0" err="1" smtClean="0"/>
-              <a:t>Pop_back</a:t>
-            </a:r>
-            <a:r>
-              <a:rPr lang="en-US" altLang="ko-KR" dirty="0" smtClean="0"/>
-              <a:t>()  : </a:t>
-            </a:r>
-            <a:r>
-              <a:rPr lang="ko-KR" altLang="en-US" dirty="0" err="1" smtClean="0"/>
-              <a:t>맨끝</a:t>
-            </a:r>
-            <a:r>
-              <a:rPr lang="en-US" altLang="ko-KR" dirty="0" smtClean="0"/>
-              <a:t> </a:t>
-            </a:r>
-            <a:r>
-              <a:rPr lang="ko-KR" altLang="en-US" dirty="0" smtClean="0"/>
-              <a:t>원소삭제</a:t>
-            </a:r>
-            <a:endParaRPr lang="en-US" altLang="ko-KR" dirty="0" smtClean="0"/>
-          </a:p>
-          <a:p>
-            <a:pPr marL="0" indent="0">
-              <a:buNone/>
-            </a:pPr>
-            <a:r>
-              <a:rPr lang="en-US" altLang="ko-KR" dirty="0" smtClean="0"/>
-              <a:t>Front() : </a:t>
-            </a:r>
-            <a:r>
-              <a:rPr lang="ko-KR" altLang="en-US" dirty="0" err="1" smtClean="0"/>
-              <a:t>첫번째</a:t>
-            </a:r>
-            <a:r>
-              <a:rPr lang="ko-KR" altLang="en-US" dirty="0" smtClean="0"/>
-              <a:t> 원소</a:t>
-            </a:r>
-            <a:endParaRPr lang="en-US" altLang="ko-KR" dirty="0" smtClean="0"/>
-          </a:p>
-          <a:p>
-            <a:pPr marL="0" indent="0">
-              <a:buNone/>
-            </a:pPr>
-            <a:r>
-              <a:rPr lang="en-US" altLang="ko-KR" dirty="0" smtClean="0"/>
-              <a:t>Back()  : </a:t>
-            </a:r>
-            <a:r>
-              <a:rPr lang="ko-KR" altLang="en-US" dirty="0" smtClean="0"/>
-              <a:t>마지막 째 원소</a:t>
-            </a:r>
-            <a:endParaRPr lang="en-US" altLang="ko-KR" dirty="0" smtClean="0"/>
-          </a:p>
-          <a:p>
-            <a:pPr marL="0" indent="0">
-              <a:buNone/>
-            </a:pPr>
-            <a:r>
-              <a:rPr lang="en-US" altLang="ko-KR" dirty="0" smtClean="0"/>
-              <a:t>Insert() : </a:t>
-            </a:r>
-            <a:r>
-              <a:rPr lang="ko-KR" altLang="en-US" dirty="0" smtClean="0"/>
-              <a:t>특정 위치</a:t>
-            </a:r>
-            <a:r>
-              <a:rPr lang="ko-KR" altLang="en-US" dirty="0"/>
-              <a:t>에 </a:t>
-            </a:r>
-            <a:r>
-              <a:rPr lang="ko-KR" altLang="en-US" dirty="0" smtClean="0"/>
-              <a:t>삽입</a:t>
-            </a:r>
-            <a:endParaRPr lang="en-US" altLang="ko-KR" dirty="0" smtClean="0"/>
-          </a:p>
-          <a:p>
-            <a:pPr marL="0" indent="0">
-              <a:buNone/>
-            </a:pPr>
-            <a:r>
-              <a:rPr lang="en-US" altLang="ko-KR" dirty="0" smtClean="0"/>
-              <a:t>Begin() : </a:t>
-            </a:r>
-            <a:r>
-              <a:rPr lang="ko-KR" altLang="en-US" dirty="0" err="1" smtClean="0"/>
-              <a:t>첫번째</a:t>
-            </a:r>
-            <a:r>
-              <a:rPr lang="ko-KR" altLang="en-US" dirty="0" smtClean="0"/>
-              <a:t> 위치의 반복자</a:t>
-            </a:r>
-            <a:r>
-              <a:rPr lang="en-US" altLang="ko-KR" dirty="0" smtClean="0"/>
-              <a:t/>
-            </a:r>
-            <a:br>
-              <a:rPr lang="en-US" altLang="ko-KR" dirty="0" smtClean="0"/>
-            </a:br>
-            <a:r>
-              <a:rPr lang="en-US" altLang="ko-KR" dirty="0" smtClean="0"/>
-              <a:t>End()   : </a:t>
-            </a:r>
-            <a:r>
-              <a:rPr lang="ko-KR" altLang="en-US" dirty="0" smtClean="0"/>
-              <a:t>마지막 위치</a:t>
-            </a:r>
-            <a:r>
-              <a:rPr lang="en-US" altLang="ko-KR" dirty="0" smtClean="0"/>
-              <a:t>+1</a:t>
-            </a:r>
-            <a:r>
-              <a:rPr lang="ko-KR" altLang="en-US" dirty="0" smtClean="0"/>
-              <a:t>의 반복자</a:t>
-            </a:r>
-            <a:endParaRPr lang="en-US" altLang="ko-KR" dirty="0" smtClean="0"/>
-          </a:p>
-          <a:p>
-            <a:pPr marL="0" indent="0">
-              <a:buNone/>
-            </a:pPr>
-            <a:r>
-              <a:rPr lang="en-US" altLang="ko-KR" dirty="0" smtClean="0"/>
-              <a:t>Size()   : </a:t>
-            </a:r>
-            <a:r>
-              <a:rPr lang="ko-KR" altLang="en-US" dirty="0" smtClean="0"/>
-              <a:t>원소의 개수</a:t>
-            </a:r>
-            <a:endParaRPr lang="en-US" altLang="ko-KR" dirty="0" smtClean="0"/>
-          </a:p>
-          <a:p>
-            <a:pPr marL="0" indent="0">
-              <a:buNone/>
-            </a:pPr>
-            <a:r>
-              <a:rPr lang="en-US" altLang="ko-KR" dirty="0" smtClean="0"/>
-              <a:t>Erase() : </a:t>
-            </a:r>
-            <a:r>
-              <a:rPr lang="ko-KR" altLang="en-US" dirty="0" smtClean="0"/>
-              <a:t>특정위치 원소 삭제</a:t>
-            </a:r>
-            <a:endParaRPr lang="en-US" altLang="ko-KR" dirty="0"/>
           </a:p>
         </p:txBody>
       </p:sp>
     </p:spTree>
     <p:extLst>
       <p:ext uri="{BB962C8B-B14F-4D97-AF65-F5344CB8AC3E}">
-        <p14:creationId xmlns:p14="http://schemas.microsoft.com/office/powerpoint/2010/main" val="2391954868"/>
+        <p14:creationId xmlns:p14="http://schemas.microsoft.com/office/powerpoint/2010/main" val="2755201629"/>
       </p:ext>
     </p:extLst>
   </p:cSld>
@@ -5543,183 +8538,208 @@
             <a:pPr algn="ctr"/>
             <a:r>
               <a:rPr lang="en-US" altLang="ko-KR" dirty="0" smtClean="0"/>
-              <a:t>Hash Map(</a:t>
+              <a:t>STL</a:t>
+            </a:r>
+            <a:r>
+              <a:rPr lang="ko-KR" altLang="en-US" dirty="0" smtClean="0"/>
+              <a:t> 사용의 단점 및 주의사항</a:t>
+            </a:r>
+            <a:r>
+              <a:rPr lang="en-US" altLang="ko-KR" dirty="0" smtClean="0"/>
+              <a:t>-2</a:t>
+            </a:r>
+            <a:endParaRPr lang="ko-KR" altLang="en-US" dirty="0"/>
+          </a:p>
+        </p:txBody>
+      </p:sp>
+      <p:sp>
+        <p:nvSpPr>
+          <p:cNvPr id="3" name="내용 개체 틀 2"/>
+          <p:cNvSpPr>
+            <a:spLocks noGrp="1"/>
+          </p:cNvSpPr>
+          <p:nvPr>
+            <p:ph idx="1"/>
+          </p:nvPr>
+        </p:nvSpPr>
+        <p:spPr/>
+        <p:txBody>
+          <a:bodyPr>
+            <a:normAutofit/>
+          </a:bodyPr>
+          <a:lstStyle/>
+          <a:p>
+            <a:r>
+              <a:rPr lang="ko-KR" altLang="en-US" dirty="0" smtClean="0"/>
+              <a:t>멀티 </a:t>
             </a:r>
             <a:r>
               <a:rPr lang="ko-KR" altLang="en-US" dirty="0" err="1" smtClean="0"/>
-              <a:t>해쉬</a:t>
+              <a:t>스레드</a:t>
+            </a:r>
+            <a:r>
+              <a:rPr lang="ko-KR" altLang="en-US" dirty="0" smtClean="0"/>
+              <a:t> 프로그래밍 시 안정성을 보장하지 않는다</a:t>
+            </a:r>
+            <a:r>
+              <a:rPr lang="en-US" altLang="ko-KR" dirty="0" smtClean="0"/>
+              <a:t>.</a:t>
+            </a:r>
+            <a:br>
+              <a:rPr lang="en-US" altLang="ko-KR" dirty="0" smtClean="0"/>
+            </a:br>
+            <a:r>
+              <a:rPr lang="en-US" altLang="ko-KR" dirty="0" smtClean="0"/>
+              <a:t>-&gt; </a:t>
+            </a:r>
+            <a:r>
+              <a:rPr lang="ko-KR" altLang="en-US" dirty="0" smtClean="0">
+                <a:solidFill>
+                  <a:schemeClr val="accent1"/>
+                </a:solidFill>
+              </a:rPr>
+              <a:t>반복자</a:t>
+            </a:r>
+            <a:r>
+              <a:rPr lang="ko-KR" altLang="en-US" dirty="0">
+                <a:solidFill>
+                  <a:schemeClr val="accent1"/>
+                </a:solidFill>
+              </a:rPr>
+              <a:t>를 </a:t>
+            </a:r>
+            <a:r>
+              <a:rPr lang="ko-KR" altLang="en-US" dirty="0" smtClean="0">
+                <a:solidFill>
+                  <a:schemeClr val="accent1"/>
+                </a:solidFill>
+              </a:rPr>
+              <a:t>이용하기 때문에</a:t>
+            </a:r>
+            <a:endParaRPr lang="en-US" altLang="ko-KR" dirty="0" smtClean="0"/>
+          </a:p>
+          <a:p>
+            <a:endParaRPr lang="en-US" altLang="ko-KR" dirty="0" smtClean="0"/>
+          </a:p>
+          <a:p>
+            <a:endParaRPr lang="en-US" altLang="ko-KR" dirty="0" smtClean="0"/>
+          </a:p>
+          <a:p>
+            <a:pPr marL="0" indent="0">
+              <a:buNone/>
+            </a:pPr>
+            <a:r>
+              <a:rPr lang="en-US" altLang="ko-KR" dirty="0" smtClean="0"/>
+              <a:t>STL</a:t>
+            </a:r>
+            <a:r>
+              <a:rPr lang="ko-KR" altLang="en-US" dirty="0" smtClean="0"/>
+              <a:t>은 </a:t>
+            </a:r>
+            <a:r>
+              <a:rPr lang="ko-KR" altLang="en-US" dirty="0" smtClean="0">
+                <a:solidFill>
+                  <a:schemeClr val="accent1"/>
+                </a:solidFill>
+              </a:rPr>
+              <a:t>반복자</a:t>
+            </a:r>
+            <a:r>
+              <a:rPr lang="ko-KR" altLang="en-US" dirty="0" smtClean="0"/>
+              <a:t>라는 것을 이용해 </a:t>
+            </a:r>
+            <a:r>
+              <a:rPr lang="en-US" altLang="ko-KR" dirty="0" smtClean="0"/>
+              <a:t>item</a:t>
+            </a:r>
+            <a:r>
+              <a:rPr lang="ko-KR" altLang="en-US" dirty="0" smtClean="0"/>
+              <a:t>을 가져오는데</a:t>
+            </a:r>
+            <a:r>
+              <a:rPr lang="en-US" altLang="ko-KR" dirty="0" smtClean="0"/>
+              <a:t>, </a:t>
+            </a:r>
+            <a:r>
+              <a:rPr lang="ko-KR" altLang="en-US" dirty="0" smtClean="0"/>
+              <a:t>이때 다른 </a:t>
+            </a:r>
+            <a:r>
+              <a:rPr lang="ko-KR" altLang="en-US" dirty="0" err="1" smtClean="0"/>
+              <a:t>스레드에서</a:t>
+            </a:r>
+            <a:r>
+              <a:rPr lang="ko-KR" altLang="en-US" dirty="0" smtClean="0"/>
+              <a:t> 반복자로 인한 컨테이너에 변경이 발생하면</a:t>
+            </a:r>
+            <a:r>
+              <a:rPr lang="en-US" altLang="ko-KR" dirty="0" smtClean="0"/>
+              <a:t>, </a:t>
+            </a:r>
+            <a:r>
+              <a:rPr lang="ko-KR" altLang="en-US" dirty="0" smtClean="0"/>
+              <a:t>반복자 자체가 깨지</a:t>
+            </a:r>
+            <a:r>
+              <a:rPr lang="ko-KR" altLang="en-US" dirty="0"/>
+              <a:t>게 </a:t>
+            </a:r>
+            <a:r>
+              <a:rPr lang="ko-KR" altLang="en-US" dirty="0" smtClean="0"/>
+              <a:t>되어 주의해야 한다</a:t>
+            </a:r>
+            <a:r>
+              <a:rPr lang="en-US" altLang="ko-KR" dirty="0" smtClean="0"/>
+              <a:t>. </a:t>
+            </a:r>
+            <a:r>
+              <a:rPr lang="ko-KR" altLang="en-US" dirty="0"/>
+              <a:t>즉 </a:t>
+            </a:r>
+            <a:r>
+              <a:rPr lang="ko-KR" altLang="en-US" dirty="0" err="1" smtClean="0">
+                <a:solidFill>
+                  <a:schemeClr val="accent1"/>
+                </a:solidFill>
+              </a:rPr>
+              <a:t>스레드</a:t>
             </a:r>
             <a:r>
               <a:rPr lang="ko-KR" altLang="en-US" dirty="0" smtClean="0"/>
               <a:t> </a:t>
             </a:r>
             <a:r>
-              <a:rPr lang="ko-KR" altLang="en-US" dirty="0" err="1" smtClean="0"/>
-              <a:t>맵</a:t>
-            </a:r>
-            <a:r>
-              <a:rPr lang="en-US" altLang="ko-KR" dirty="0" smtClean="0"/>
-              <a:t>)</a:t>
-            </a:r>
-            <a:endParaRPr lang="ko-KR" altLang="en-US" dirty="0"/>
-          </a:p>
-        </p:txBody>
-      </p:sp>
-      <p:sp>
-        <p:nvSpPr>
-          <p:cNvPr id="3" name="내용 개체 틀 2"/>
-          <p:cNvSpPr>
-            <a:spLocks noGrp="1"/>
-          </p:cNvSpPr>
-          <p:nvPr>
-            <p:ph idx="1"/>
-          </p:nvPr>
-        </p:nvSpPr>
-        <p:spPr/>
-        <p:txBody>
-          <a:bodyPr/>
-          <a:lstStyle/>
-          <a:p>
+              <a:rPr lang="ko-KR" altLang="en-US" dirty="0" smtClean="0">
+                <a:solidFill>
+                  <a:schemeClr val="accent1"/>
+                </a:solidFill>
+              </a:rPr>
+              <a:t>프로그래밍</a:t>
+            </a:r>
+            <a:r>
+              <a:rPr lang="ko-KR" altLang="en-US" dirty="0" smtClean="0"/>
+              <a:t>에서는 </a:t>
+            </a:r>
+            <a:r>
+              <a:rPr lang="en-US" altLang="ko-KR" dirty="0" smtClean="0"/>
+              <a:t>STL</a:t>
+            </a:r>
+            <a:r>
+              <a:rPr lang="ko-KR" altLang="en-US" dirty="0" smtClean="0"/>
+              <a:t>사용에 주의해야 한다</a:t>
+            </a:r>
+            <a:r>
+              <a:rPr lang="en-US" altLang="ko-KR" dirty="0" smtClean="0"/>
+              <a:t>.</a:t>
+            </a:r>
             <a:endParaRPr lang="en-US" altLang="ko-KR" dirty="0" smtClean="0"/>
-          </a:p>
-          <a:p>
-            <a:r>
-              <a:rPr lang="ko-KR" altLang="en-US" dirty="0" err="1" smtClean="0"/>
-              <a:t>파이썬의</a:t>
-            </a:r>
-            <a:r>
-              <a:rPr lang="ko-KR" altLang="en-US" dirty="0" smtClean="0"/>
-              <a:t> </a:t>
-            </a:r>
-            <a:r>
-              <a:rPr lang="en-US" altLang="ko-KR" dirty="0" smtClean="0">
-                <a:solidFill>
-                  <a:schemeClr val="accent1"/>
-                </a:solidFill>
-              </a:rPr>
-              <a:t>dictionary</a:t>
-            </a:r>
-            <a:r>
-              <a:rPr lang="en-US" altLang="ko-KR" dirty="0" smtClean="0"/>
-              <a:t> </a:t>
-            </a:r>
-            <a:r>
-              <a:rPr lang="ko-KR" altLang="en-US" dirty="0" smtClean="0"/>
-              <a:t>같</a:t>
-            </a:r>
-            <a:r>
-              <a:rPr lang="ko-KR" altLang="en-US" dirty="0"/>
-              <a:t>은 </a:t>
-            </a:r>
-            <a:r>
-              <a:rPr lang="ko-KR" altLang="en-US" dirty="0" smtClean="0"/>
-              <a:t>자료구조</a:t>
-            </a:r>
-            <a:endParaRPr lang="en-US" altLang="ko-KR" dirty="0" smtClean="0"/>
-          </a:p>
-          <a:p>
-            <a:endParaRPr lang="en-US" altLang="ko-KR" dirty="0"/>
-          </a:p>
-          <a:p>
-            <a:r>
-              <a:rPr lang="ko-KR" altLang="en-US" dirty="0" smtClean="0"/>
-              <a:t>정렬이 필요 없고</a:t>
-            </a:r>
-            <a:r>
-              <a:rPr lang="en-US" altLang="ko-KR" dirty="0" smtClean="0"/>
-              <a:t>, </a:t>
-            </a:r>
-            <a:r>
-              <a:rPr lang="ko-KR" altLang="en-US" dirty="0" smtClean="0">
-                <a:solidFill>
-                  <a:schemeClr val="accent1"/>
-                </a:solidFill>
-              </a:rPr>
-              <a:t>빠른 검색</a:t>
-            </a:r>
-            <a:r>
-              <a:rPr lang="ko-KR" altLang="en-US" dirty="0" smtClean="0"/>
-              <a:t>을 원할 때 사용</a:t>
-            </a:r>
-            <a:endParaRPr lang="en-US" altLang="ko-KR" dirty="0" smtClean="0"/>
-          </a:p>
-          <a:p>
-            <a:endParaRPr lang="en-US" altLang="ko-KR" dirty="0"/>
-          </a:p>
-          <a:p>
-            <a:r>
-              <a:rPr lang="ko-KR" altLang="en-US" dirty="0" err="1" smtClean="0"/>
-              <a:t>해쉬</a:t>
-            </a:r>
-            <a:r>
-              <a:rPr lang="ko-KR" altLang="en-US" dirty="0" smtClean="0"/>
-              <a:t> </a:t>
-            </a:r>
-            <a:r>
-              <a:rPr lang="ko-KR" altLang="en-US" dirty="0" err="1" smtClean="0"/>
-              <a:t>맵의</a:t>
-            </a:r>
-            <a:r>
-              <a:rPr lang="ko-KR" altLang="en-US" dirty="0" smtClean="0"/>
-              <a:t> 자료구조는 </a:t>
-            </a:r>
-            <a:r>
-              <a:rPr lang="ko-KR" altLang="en-US" dirty="0" err="1" smtClean="0">
-                <a:solidFill>
-                  <a:schemeClr val="accent1"/>
-                </a:solidFill>
-              </a:rPr>
-              <a:t>해쉬</a:t>
-            </a:r>
-            <a:r>
-              <a:rPr lang="ko-KR" altLang="en-US" dirty="0" smtClean="0">
-                <a:solidFill>
-                  <a:schemeClr val="accent1"/>
-                </a:solidFill>
-              </a:rPr>
-              <a:t> 테이블</a:t>
-            </a:r>
-            <a:r>
-              <a:rPr lang="ko-KR" altLang="en-US" dirty="0" smtClean="0"/>
-              <a:t>로 되어 있다</a:t>
-            </a:r>
-            <a:endParaRPr lang="en-US" altLang="ko-KR" dirty="0" smtClean="0"/>
-          </a:p>
-          <a:p>
-            <a:endParaRPr lang="en-US" altLang="ko-KR" dirty="0"/>
-          </a:p>
-          <a:p>
-            <a:r>
-              <a:rPr lang="ko-KR" altLang="en-US" dirty="0" smtClean="0"/>
-              <a:t>추가</a:t>
-            </a:r>
-            <a:r>
-              <a:rPr lang="en-US" altLang="ko-KR" dirty="0" smtClean="0"/>
-              <a:t>,</a:t>
-            </a:r>
-            <a:r>
-              <a:rPr lang="ko-KR" altLang="en-US" dirty="0" smtClean="0"/>
-              <a:t> 삭제</a:t>
-            </a:r>
-            <a:r>
-              <a:rPr lang="en-US" altLang="ko-KR" dirty="0" smtClean="0"/>
-              <a:t>,</a:t>
-            </a:r>
-            <a:r>
-              <a:rPr lang="ko-KR" altLang="en-US" dirty="0" smtClean="0"/>
-              <a:t> 검색이 주요 기능 </a:t>
-            </a:r>
-            <a:endParaRPr lang="en-US" altLang="ko-KR" dirty="0" smtClean="0"/>
-          </a:p>
-          <a:p>
-            <a:endParaRPr lang="en-US" altLang="ko-KR" dirty="0"/>
           </a:p>
         </p:txBody>
       </p:sp>
     </p:spTree>
     <p:extLst>
       <p:ext uri="{BB962C8B-B14F-4D97-AF65-F5344CB8AC3E}">
-        <p14:creationId xmlns:p14="http://schemas.microsoft.com/office/powerpoint/2010/main" val="239332403"/>
+        <p14:creationId xmlns:p14="http://schemas.microsoft.com/office/powerpoint/2010/main" val="1423130528"/>
       </p:ext>
     </p:extLst>
   </p:cSld>
@@ -5770,64 +8790,167 @@
           <a:p>
             <a:pPr algn="ctr"/>
             <a:r>
-              <a:rPr lang="en-US" altLang="ko-KR" dirty="0" smtClean="0"/>
-              <a:t>Hash Map(</a:t>
+              <a:rPr lang="ko-KR" altLang="en-US" dirty="0" smtClean="0"/>
+              <a:t>벡터</a:t>
+            </a:r>
+            <a:r>
+              <a:rPr lang="en-US" altLang="ko-KR" dirty="0" smtClean="0"/>
+              <a:t>(vector)</a:t>
+            </a:r>
+            <a:endParaRPr lang="ko-KR" altLang="en-US" dirty="0"/>
+          </a:p>
+        </p:txBody>
+      </p:sp>
+      <p:sp>
+        <p:nvSpPr>
+          <p:cNvPr id="3" name="내용 개체 틀 2"/>
+          <p:cNvSpPr>
+            <a:spLocks noGrp="1"/>
+          </p:cNvSpPr>
+          <p:nvPr>
+            <p:ph idx="1"/>
+          </p:nvPr>
+        </p:nvSpPr>
+        <p:spPr/>
+        <p:txBody>
+          <a:bodyPr/>
+          <a:lstStyle/>
+          <a:p>
+            <a:r>
+              <a:rPr lang="ko-KR" altLang="en-US" dirty="0" smtClean="0"/>
+              <a:t>배열과 비슷한 기능을 하는 라이브러리</a:t>
+            </a:r>
+            <a:r>
+              <a:rPr lang="en-US" altLang="ko-KR" dirty="0" smtClean="0"/>
+              <a:t/>
+            </a:r>
+            <a:br>
+              <a:rPr lang="en-US" altLang="ko-KR" dirty="0" smtClean="0"/>
+            </a:br>
+            <a:r>
+              <a:rPr lang="en-US" altLang="ko-KR" dirty="0" smtClean="0"/>
+              <a:t>-&gt;</a:t>
+            </a:r>
+            <a:r>
+              <a:rPr lang="ko-KR" altLang="en-US" dirty="0" smtClean="0"/>
+              <a:t>배열과 달리 </a:t>
+            </a:r>
+            <a:r>
+              <a:rPr lang="en-US" altLang="ko-KR" dirty="0" smtClean="0"/>
+              <a:t>vector</a:t>
+            </a:r>
+            <a:r>
+              <a:rPr lang="ko-KR" altLang="en-US" dirty="0" smtClean="0"/>
+              <a:t>는 </a:t>
+            </a:r>
+            <a:r>
+              <a:rPr lang="ko-KR" altLang="en-US" dirty="0" smtClean="0">
+                <a:solidFill>
+                  <a:schemeClr val="accent1"/>
+                </a:solidFill>
+              </a:rPr>
+              <a:t>크기 변화가 동적임</a:t>
+            </a:r>
+            <a:r>
+              <a:rPr lang="en-US" altLang="ko-KR" dirty="0" smtClean="0"/>
+              <a:t>(</a:t>
+            </a:r>
+            <a:r>
+              <a:rPr lang="ko-KR" altLang="en-US" dirty="0" smtClean="0"/>
+              <a:t>실제 내부적으로는 </a:t>
             </a:r>
             <a:r>
               <a:rPr lang="ko-KR" altLang="en-US" dirty="0" err="1" smtClean="0"/>
-              <a:t>해쉬</a:t>
-            </a:r>
-            <a:r>
-              <a:rPr lang="ko-KR" altLang="en-US" dirty="0" smtClean="0"/>
+              <a:t>동적배열로</a:t>
+            </a:r>
+            <a:r>
+              <a:rPr lang="ko-KR" altLang="en-US" dirty="0" smtClean="0"/>
+              <a:t> 구현</a:t>
+            </a:r>
+            <a:r>
+              <a:rPr lang="en-US" altLang="ko-KR" dirty="0" smtClean="0"/>
+              <a:t>)</a:t>
+            </a:r>
+          </a:p>
+          <a:p>
+            <a:endParaRPr lang="en-US" altLang="ko-KR" dirty="0"/>
+          </a:p>
+          <a:p>
+            <a:r>
+              <a:rPr lang="ko-KR" altLang="en-US" dirty="0" smtClean="0"/>
+              <a:t>저장할 데이터가 크기가 </a:t>
+            </a:r>
+            <a:r>
+              <a:rPr lang="ko-KR" altLang="en-US" dirty="0" smtClean="0">
+                <a:solidFill>
+                  <a:schemeClr val="accent1"/>
+                </a:solidFill>
+              </a:rPr>
+              <a:t>가변적</a:t>
+            </a:r>
+            <a:r>
+              <a:rPr lang="ko-KR" altLang="en-US" dirty="0" smtClean="0"/>
+              <a:t>일 때 사용하면 편리하다</a:t>
+            </a:r>
+            <a:endParaRPr lang="en-US" altLang="ko-KR" dirty="0" smtClean="0"/>
+          </a:p>
+          <a:p>
+            <a:endParaRPr lang="en-US" altLang="ko-KR" dirty="0"/>
+          </a:p>
+          <a:p>
+            <a:r>
+              <a:rPr lang="ko-KR" altLang="en-US" dirty="0" smtClean="0"/>
+              <a:t>인덱스로 접근</a:t>
+            </a:r>
+            <a:r>
+              <a:rPr lang="en-US" altLang="ko-KR" dirty="0" smtClean="0"/>
+              <a:t>( </a:t>
+            </a:r>
+            <a:r>
+              <a:rPr lang="ko-KR" altLang="en-US" dirty="0" smtClean="0">
+                <a:solidFill>
+                  <a:schemeClr val="accent1"/>
+                </a:solidFill>
+              </a:rPr>
+              <a:t>특정 위치 접근</a:t>
+            </a:r>
+            <a:r>
+              <a:rPr lang="en-US" altLang="ko-KR" dirty="0">
+                <a:solidFill>
+                  <a:schemeClr val="accent1"/>
+                </a:solidFill>
+              </a:rPr>
               <a:t> </a:t>
             </a:r>
             <a:r>
-              <a:rPr lang="ko-KR" altLang="en-US" dirty="0" err="1" smtClean="0"/>
-              <a:t>맵</a:t>
-            </a:r>
-            <a:r>
               <a:rPr lang="en-US" altLang="ko-KR" dirty="0" smtClean="0"/>
               <a:t>)</a:t>
             </a:r>
-            <a:endParaRPr lang="ko-KR" altLang="en-US" dirty="0"/>
-          </a:p>
-        </p:txBody>
-      </p:sp>
-      <p:sp>
-        <p:nvSpPr>
-          <p:cNvPr id="3" name="내용 개체 틀 2"/>
-          <p:cNvSpPr>
-            <a:spLocks noGrp="1"/>
-          </p:cNvSpPr>
-          <p:nvPr>
-            <p:ph idx="1"/>
-          </p:nvPr>
-        </p:nvSpPr>
-        <p:spPr/>
-        <p:txBody>
-          <a:bodyPr>
-            <a:normAutofit/>
-          </a:bodyPr>
-          <a:lstStyle/>
-          <a:p>
+            <a:r>
+              <a:rPr lang="ko-KR" altLang="en-US" dirty="0" smtClean="0"/>
+              <a:t>이 필요 할 때 사용</a:t>
+            </a:r>
             <a:endParaRPr lang="en-US" altLang="ko-KR" dirty="0" smtClean="0"/>
           </a:p>
           <a:p>
-            <a:r>
-              <a:rPr lang="en-US" altLang="ko-KR" dirty="0" smtClean="0"/>
-              <a:t>STL </a:t>
-            </a:r>
-            <a:r>
-              <a:rPr lang="ko-KR" altLang="en-US" dirty="0" smtClean="0"/>
-              <a:t>에서 제공하는 방식은 </a:t>
-            </a:r>
-            <a:r>
-              <a:rPr lang="ko-KR" altLang="en-US" dirty="0" err="1" smtClean="0">
+            <a:endParaRPr lang="en-US" altLang="ko-KR" dirty="0"/>
+          </a:p>
+          <a:p>
+            <a:r>
+              <a:rPr lang="ko-KR" altLang="en-US" dirty="0" smtClean="0">
                 <a:solidFill>
                   <a:schemeClr val="accent1"/>
                 </a:solidFill>
               </a:rPr>
-              <a:t>체이닝</a:t>
+              <a:t>끝에 삽입</a:t>
+            </a:r>
+            <a:r>
+              <a:rPr lang="en-US" altLang="ko-KR" dirty="0" smtClean="0">
+                <a:solidFill>
+                  <a:schemeClr val="accent1"/>
+                </a:solidFill>
+              </a:rPr>
+              <a:t>, </a:t>
             </a:r>
             <a:r>
               <a:rPr lang="ko-KR" altLang="en-US" dirty="0" smtClean="0">
@@ -5835,118 +8958,12 @@
                   <a:schemeClr val="accent1"/>
                 </a:solidFill>
               </a:rPr>
-              <a:t> 방식</a:t>
-            </a:r>
-            <a:r>
-              <a:rPr lang="ko-KR" altLang="en-US" dirty="0" smtClean="0"/>
-              <a:t>의 </a:t>
-            </a:r>
-            <a:r>
-              <a:rPr lang="ko-KR" altLang="en-US" dirty="0" err="1" smtClean="0"/>
-              <a:t>해쉬</a:t>
-            </a:r>
-            <a:r>
-              <a:rPr lang="ko-KR" altLang="en-US" dirty="0" smtClean="0"/>
-              <a:t> </a:t>
-            </a:r>
-            <a:r>
-              <a:rPr lang="ko-KR" altLang="en-US" dirty="0" err="1" smtClean="0"/>
-              <a:t>맵</a:t>
-            </a:r>
-            <a:r>
-              <a:rPr lang="en-US" altLang="ko-KR" dirty="0"/>
-              <a:t/>
-            </a:r>
-            <a:br>
-              <a:rPr lang="en-US" altLang="ko-KR" dirty="0"/>
-            </a:br>
-            <a:r>
-              <a:rPr lang="en-US" altLang="ko-KR" dirty="0" smtClean="0"/>
-              <a:t>-&gt; </a:t>
-            </a:r>
-            <a:r>
-              <a:rPr lang="ko-KR" altLang="en-US" dirty="0" err="1" smtClean="0"/>
-              <a:t>버켓에</a:t>
-            </a:r>
-            <a:r>
-              <a:rPr lang="ko-KR" altLang="en-US" dirty="0" smtClean="0"/>
-              <a:t> 슬롯을 연결리스트로 이어줌</a:t>
-            </a:r>
-            <a:endParaRPr lang="en-US" altLang="ko-KR" dirty="0" smtClean="0"/>
-          </a:p>
-          <a:p>
-            <a:endParaRPr lang="en-US" altLang="ko-KR" dirty="0"/>
-          </a:p>
-          <a:p>
-            <a:r>
-              <a:rPr lang="ko-KR" altLang="en-US" dirty="0" smtClean="0"/>
-              <a:t>충돌이 발생하면 연결리스트를 늘려가며 데이터를 채움</a:t>
-            </a:r>
-            <a:endParaRPr lang="en-US" altLang="ko-KR" dirty="0" smtClean="0"/>
-          </a:p>
-          <a:p>
-            <a:endParaRPr lang="en-US" altLang="ko-KR" dirty="0"/>
-          </a:p>
-          <a:p>
-            <a:r>
-              <a:rPr lang="ko-KR" altLang="en-US" dirty="0" err="1" smtClean="0"/>
-              <a:t>해쉬</a:t>
-            </a:r>
-            <a:r>
-              <a:rPr lang="ko-KR" altLang="en-US" dirty="0" smtClean="0"/>
-              <a:t> </a:t>
-            </a:r>
-            <a:r>
-              <a:rPr lang="ko-KR" altLang="en-US" dirty="0" err="1" smtClean="0"/>
-              <a:t>맵은</a:t>
-            </a:r>
-            <a:r>
-              <a:rPr lang="ko-KR" altLang="en-US" dirty="0" smtClean="0"/>
-              <a:t> </a:t>
-            </a:r>
-            <a:r>
-              <a:rPr lang="en-US" altLang="ko-KR" dirty="0" smtClean="0"/>
-              <a:t>1</a:t>
-            </a:r>
-            <a:r>
-              <a:rPr lang="ko-KR" altLang="en-US" dirty="0" smtClean="0"/>
-              <a:t>학기 </a:t>
-            </a:r>
-            <a:r>
-              <a:rPr lang="ko-KR" altLang="en-US" dirty="0" err="1" smtClean="0">
-                <a:solidFill>
-                  <a:schemeClr val="accent1"/>
-                </a:solidFill>
-              </a:rPr>
-              <a:t>자구알</a:t>
-            </a:r>
-            <a:r>
-              <a:rPr lang="ko-KR" altLang="en-US" dirty="0" smtClean="0">
-                <a:solidFill>
-                  <a:schemeClr val="accent1"/>
-                </a:solidFill>
-              </a:rPr>
-              <a:t> 시간</a:t>
-            </a:r>
-            <a:r>
-              <a:rPr lang="ko-KR" altLang="en-US" dirty="0" smtClean="0"/>
-              <a:t>에 배운 것과 똑같은 자료구조이다</a:t>
-            </a:r>
-            <a:r>
-              <a:rPr lang="en-US" altLang="ko-KR" dirty="0" smtClean="0"/>
-              <a:t>.</a:t>
-            </a:r>
-          </a:p>
-          <a:p>
-            <a:endParaRPr lang="en-US" altLang="ko-KR" dirty="0"/>
-          </a:p>
-          <a:p>
-            <a:pPr marL="0" indent="0">
-              <a:buNone/>
-            </a:pPr>
-            <a:endParaRPr lang="en-US" altLang="ko-KR" dirty="0" smtClean="0"/>
-          </a:p>
-          <a:p>
+              <a:t>삭제 </a:t>
+            </a:r>
+            <a:r>
+              <a:rPr lang="ko-KR" altLang="en-US" dirty="0" smtClean="0"/>
+              <a:t>하는 기능이 필요한 경우 매우 유용</a:t>
+            </a:r>
             <a:endParaRPr lang="en-US" altLang="ko-KR" dirty="0"/>
           </a:p>
         </p:txBody>
@@ -5954,7 +8971,7 @@
     </p:spTree>
     <p:extLst>
       <p:ext uri="{BB962C8B-B14F-4D97-AF65-F5344CB8AC3E}">
-        <p14:creationId xmlns:p14="http://schemas.microsoft.com/office/powerpoint/2010/main" val="1589424159"/>
+        <p14:creationId xmlns:p14="http://schemas.microsoft.com/office/powerpoint/2010/main" val="980361654"/>
       </p:ext>
     </p:extLst>
   </p:cSld>
